--- a/button_design.pptx
+++ b/button_design.pptx
@@ -36,6 +36,7 @@
     <p:sldId id="302" r:id="rId30"/>
     <p:sldId id="303" r:id="rId31"/>
     <p:sldId id="304" r:id="rId32"/>
+    <p:sldId id="305" r:id="rId33"/>
   </p:sldIdLst>
   <p:sldSz cx="12192000" cy="6858000"/>
   <p:notesSz cx="6858000" cy="9144000"/>
@@ -289,7 +290,7 @@
           <a:p>
             <a:fld id="{99066E6C-854B-4ACE-AADA-F759C3D6E6D7}" type="datetimeFigureOut">
               <a:rPr kumimoji="1" lang="ja-JP" altLang="en-US" smtClean="0"/>
-              <a:t>2022/9/18</a:t>
+              <a:t>2022/9/21</a:t>
             </a:fld>
             <a:endParaRPr kumimoji="1" lang="ja-JP" altLang="en-US"/>
           </a:p>
@@ -519,7 +520,7 @@
           <a:p>
             <a:fld id="{99066E6C-854B-4ACE-AADA-F759C3D6E6D7}" type="datetimeFigureOut">
               <a:rPr kumimoji="1" lang="ja-JP" altLang="en-US" smtClean="0"/>
-              <a:t>2022/9/18</a:t>
+              <a:t>2022/9/21</a:t>
             </a:fld>
             <a:endParaRPr kumimoji="1" lang="ja-JP" altLang="en-US"/>
           </a:p>
@@ -759,7 +760,7 @@
           <a:p>
             <a:fld id="{99066E6C-854B-4ACE-AADA-F759C3D6E6D7}" type="datetimeFigureOut">
               <a:rPr kumimoji="1" lang="ja-JP" altLang="en-US" smtClean="0"/>
-              <a:t>2022/9/18</a:t>
+              <a:t>2022/9/21</a:t>
             </a:fld>
             <a:endParaRPr kumimoji="1" lang="ja-JP" altLang="en-US"/>
           </a:p>
@@ -989,7 +990,7 @@
           <a:p>
             <a:fld id="{99066E6C-854B-4ACE-AADA-F759C3D6E6D7}" type="datetimeFigureOut">
               <a:rPr kumimoji="1" lang="ja-JP" altLang="en-US" smtClean="0"/>
-              <a:t>2022/9/18</a:t>
+              <a:t>2022/9/21</a:t>
             </a:fld>
             <a:endParaRPr kumimoji="1" lang="ja-JP" altLang="en-US"/>
           </a:p>
@@ -1264,7 +1265,7 @@
           <a:p>
             <a:fld id="{99066E6C-854B-4ACE-AADA-F759C3D6E6D7}" type="datetimeFigureOut">
               <a:rPr kumimoji="1" lang="ja-JP" altLang="en-US" smtClean="0"/>
-              <a:t>2022/9/18</a:t>
+              <a:t>2022/9/21</a:t>
             </a:fld>
             <a:endParaRPr kumimoji="1" lang="ja-JP" altLang="en-US"/>
           </a:p>
@@ -1593,7 +1594,7 @@
           <a:p>
             <a:fld id="{99066E6C-854B-4ACE-AADA-F759C3D6E6D7}" type="datetimeFigureOut">
               <a:rPr kumimoji="1" lang="ja-JP" altLang="en-US" smtClean="0"/>
-              <a:t>2022/9/18</a:t>
+              <a:t>2022/9/21</a:t>
             </a:fld>
             <a:endParaRPr kumimoji="1" lang="ja-JP" altLang="en-US"/>
           </a:p>
@@ -2069,7 +2070,7 @@
           <a:p>
             <a:fld id="{99066E6C-854B-4ACE-AADA-F759C3D6E6D7}" type="datetimeFigureOut">
               <a:rPr kumimoji="1" lang="ja-JP" altLang="en-US" smtClean="0"/>
-              <a:t>2022/9/18</a:t>
+              <a:t>2022/9/21</a:t>
             </a:fld>
             <a:endParaRPr kumimoji="1" lang="ja-JP" altLang="en-US"/>
           </a:p>
@@ -2210,7 +2211,7 @@
           <a:p>
             <a:fld id="{99066E6C-854B-4ACE-AADA-F759C3D6E6D7}" type="datetimeFigureOut">
               <a:rPr kumimoji="1" lang="ja-JP" altLang="en-US" smtClean="0"/>
-              <a:t>2022/9/18</a:t>
+              <a:t>2022/9/21</a:t>
             </a:fld>
             <a:endParaRPr kumimoji="1" lang="ja-JP" altLang="en-US"/>
           </a:p>
@@ -2323,7 +2324,7 @@
           <a:p>
             <a:fld id="{99066E6C-854B-4ACE-AADA-F759C3D6E6D7}" type="datetimeFigureOut">
               <a:rPr kumimoji="1" lang="ja-JP" altLang="en-US" smtClean="0"/>
-              <a:t>2022/9/18</a:t>
+              <a:t>2022/9/21</a:t>
             </a:fld>
             <a:endParaRPr kumimoji="1" lang="ja-JP" altLang="en-US"/>
           </a:p>
@@ -2666,7 +2667,7 @@
           <a:p>
             <a:fld id="{99066E6C-854B-4ACE-AADA-F759C3D6E6D7}" type="datetimeFigureOut">
               <a:rPr kumimoji="1" lang="ja-JP" altLang="en-US" smtClean="0"/>
-              <a:t>2022/9/18</a:t>
+              <a:t>2022/9/21</a:t>
             </a:fld>
             <a:endParaRPr kumimoji="1" lang="ja-JP" altLang="en-US"/>
           </a:p>
@@ -2954,7 +2955,7 @@
           <a:p>
             <a:fld id="{99066E6C-854B-4ACE-AADA-F759C3D6E6D7}" type="datetimeFigureOut">
               <a:rPr kumimoji="1" lang="ja-JP" altLang="en-US" smtClean="0"/>
-              <a:t>2022/9/18</a:t>
+              <a:t>2022/9/21</a:t>
             </a:fld>
             <a:endParaRPr kumimoji="1" lang="ja-JP" altLang="en-US"/>
           </a:p>
@@ -3227,7 +3228,7 @@
           <a:p>
             <a:fld id="{99066E6C-854B-4ACE-AADA-F759C3D6E6D7}" type="datetimeFigureOut">
               <a:rPr kumimoji="1" lang="ja-JP" altLang="en-US" smtClean="0"/>
-              <a:t>2022/9/18</a:t>
+              <a:t>2022/9/21</a:t>
             </a:fld>
             <a:endParaRPr kumimoji="1" lang="ja-JP" altLang="en-US"/>
           </a:p>
@@ -6042,6 +6043,208 @@
           <a:xfrm>
             <a:off x="1988019" y="3297376"/>
             <a:ext cx="1258265" cy="1057579"/>
+          </a:xfrm>
+          <a:prstGeom prst="rect">
+            <a:avLst/>
+          </a:prstGeom>
+        </p:spPr>
+      </p:pic>
+      <p:sp>
+        <p:nvSpPr>
+          <p:cNvPr id="2" name="四角形: 角を丸くする 1">
+            <a:extLst>
+              <a:ext uri="{FF2B5EF4-FFF2-40B4-BE49-F238E27FC236}">
+                <a16:creationId xmlns:a16="http://schemas.microsoft.com/office/drawing/2014/main" id="{D614ACB4-B5A2-7C64-DF12-8332106CBFF7}"/>
+              </a:ext>
+            </a:extLst>
+          </p:cNvPr>
+          <p:cNvSpPr/>
+          <p:nvPr/>
+        </p:nvSpPr>
+        <p:spPr>
+          <a:xfrm>
+            <a:off x="5111615" y="790624"/>
+            <a:ext cx="1953895" cy="1858010"/>
+          </a:xfrm>
+          <a:prstGeom prst="roundRect">
+            <a:avLst>
+              <a:gd name="adj" fmla="val 11536"/>
+            </a:avLst>
+          </a:prstGeom>
+          <a:solidFill>
+            <a:schemeClr val="bg2">
+              <a:lumMod val="25000"/>
+            </a:schemeClr>
+          </a:solidFill>
+          <a:ln w="57150">
+            <a:noFill/>
+          </a:ln>
+        </p:spPr>
+        <p:style>
+          <a:lnRef idx="2">
+            <a:schemeClr val="accent1">
+              <a:shade val="50000"/>
+            </a:schemeClr>
+          </a:lnRef>
+          <a:fillRef idx="1">
+            <a:schemeClr val="accent1"/>
+          </a:fillRef>
+          <a:effectRef idx="0">
+            <a:schemeClr val="accent1"/>
+          </a:effectRef>
+          <a:fontRef idx="minor">
+            <a:schemeClr val="lt1"/>
+          </a:fontRef>
+        </p:style>
+        <p:txBody>
+          <a:bodyPr rtlCol="0" anchor="ctr"/>
+          <a:lstStyle/>
+          <a:p>
+            <a:pPr algn="ctr"/>
+            <a:endParaRPr kumimoji="1" lang="ja-JP" altLang="en-US" dirty="0"/>
+          </a:p>
+        </p:txBody>
+      </p:sp>
+      <p:sp>
+        <p:nvSpPr>
+          <p:cNvPr id="3" name="四角形: 角を丸くする 2">
+            <a:extLst>
+              <a:ext uri="{FF2B5EF4-FFF2-40B4-BE49-F238E27FC236}">
+                <a16:creationId xmlns:a16="http://schemas.microsoft.com/office/drawing/2014/main" id="{983C1619-7088-D57F-16B6-56EAE99C9ED3}"/>
+              </a:ext>
+            </a:extLst>
+          </p:cNvPr>
+          <p:cNvSpPr/>
+          <p:nvPr/>
+        </p:nvSpPr>
+        <p:spPr>
+          <a:xfrm>
+            <a:off x="5145906" y="810585"/>
+            <a:ext cx="1894689" cy="1731008"/>
+          </a:xfrm>
+          <a:prstGeom prst="roundRect">
+            <a:avLst>
+              <a:gd name="adj" fmla="val 12306"/>
+            </a:avLst>
+          </a:prstGeom>
+          <a:solidFill>
+            <a:schemeClr val="bg2">
+              <a:lumMod val="90000"/>
+            </a:schemeClr>
+          </a:solidFill>
+          <a:ln w="57150">
+            <a:noFill/>
+          </a:ln>
+        </p:spPr>
+        <p:style>
+          <a:lnRef idx="2">
+            <a:schemeClr val="accent1">
+              <a:shade val="50000"/>
+            </a:schemeClr>
+          </a:lnRef>
+          <a:fillRef idx="1">
+            <a:schemeClr val="accent1"/>
+          </a:fillRef>
+          <a:effectRef idx="0">
+            <a:schemeClr val="accent1"/>
+          </a:effectRef>
+          <a:fontRef idx="minor">
+            <a:schemeClr val="lt1"/>
+          </a:fontRef>
+        </p:style>
+        <p:txBody>
+          <a:bodyPr rtlCol="0" anchor="ctr"/>
+          <a:lstStyle/>
+          <a:p>
+            <a:pPr algn="ctr"/>
+            <a:endParaRPr kumimoji="1" lang="ja-JP" altLang="en-US" dirty="0"/>
+          </a:p>
+        </p:txBody>
+      </p:sp>
+      <p:sp>
+        <p:nvSpPr>
+          <p:cNvPr id="4" name="四角形: 角を丸くする 3">
+            <a:extLst>
+              <a:ext uri="{FF2B5EF4-FFF2-40B4-BE49-F238E27FC236}">
+                <a16:creationId xmlns:a16="http://schemas.microsoft.com/office/drawing/2014/main" id="{C00364E1-E4CF-4994-B816-49211A693689}"/>
+              </a:ext>
+            </a:extLst>
+          </p:cNvPr>
+          <p:cNvSpPr/>
+          <p:nvPr/>
+        </p:nvSpPr>
+        <p:spPr>
+          <a:xfrm>
+            <a:off x="5224737" y="882976"/>
+            <a:ext cx="1742526" cy="1561892"/>
+          </a:xfrm>
+          <a:prstGeom prst="roundRect">
+            <a:avLst>
+              <a:gd name="adj" fmla="val 5210"/>
+            </a:avLst>
+          </a:prstGeom>
+          <a:solidFill>
+            <a:schemeClr val="bg1"/>
+          </a:solidFill>
+          <a:ln w="57150">
+            <a:noFill/>
+          </a:ln>
+        </p:spPr>
+        <p:style>
+          <a:lnRef idx="2">
+            <a:schemeClr val="accent1">
+              <a:shade val="50000"/>
+            </a:schemeClr>
+          </a:lnRef>
+          <a:fillRef idx="1">
+            <a:schemeClr val="accent1"/>
+          </a:fillRef>
+          <a:effectRef idx="0">
+            <a:schemeClr val="accent1"/>
+          </a:effectRef>
+          <a:fontRef idx="minor">
+            <a:schemeClr val="lt1"/>
+          </a:fontRef>
+        </p:style>
+        <p:txBody>
+          <a:bodyPr rtlCol="0" anchor="ctr"/>
+          <a:lstStyle/>
+          <a:p>
+            <a:pPr algn="ctr"/>
+            <a:endParaRPr kumimoji="1" lang="ja-JP" altLang="en-US" dirty="0"/>
+          </a:p>
+        </p:txBody>
+      </p:sp>
+      <p:pic>
+        <p:nvPicPr>
+          <p:cNvPr id="12" name="図 11" descr="文字が書かれている&#10;&#10;中程度の精度で自動的に生成された説明">
+            <a:extLst>
+              <a:ext uri="{FF2B5EF4-FFF2-40B4-BE49-F238E27FC236}">
+                <a16:creationId xmlns:a16="http://schemas.microsoft.com/office/drawing/2014/main" id="{6C66E601-EB4E-C0B6-B02C-391BA6B02172}"/>
+              </a:ext>
+            </a:extLst>
+          </p:cNvPr>
+          <p:cNvPicPr>
+            <a:picLocks noChangeAspect="1"/>
+          </p:cNvPicPr>
+          <p:nvPr/>
+        </p:nvPicPr>
+        <p:blipFill>
+          <a:blip r:embed="rId3">
+            <a:extLst>
+              <a:ext uri="{28A0092B-C50C-407E-A947-70E740481C1C}">
+                <a14:useLocalDpi xmlns:a14="http://schemas.microsoft.com/office/drawing/2010/main" val="0"/>
+              </a:ext>
+            </a:extLst>
+          </a:blip>
+          <a:stretch>
+            <a:fillRect/>
+          </a:stretch>
+        </p:blipFill>
+        <p:spPr>
+          <a:xfrm>
+            <a:off x="5350572" y="1056096"/>
+            <a:ext cx="1327065" cy="1327065"/>
           </a:xfrm>
           <a:prstGeom prst="rect">
             <a:avLst/>
@@ -23407,6 +23610,369 @@
     <p:extLst>
       <p:ext uri="{BB962C8B-B14F-4D97-AF65-F5344CB8AC3E}">
         <p14:creationId xmlns:p14="http://schemas.microsoft.com/office/powerpoint/2010/main" val="93101847"/>
+      </p:ext>
+    </p:extLst>
+  </p:cSld>
+  <p:clrMapOvr>
+    <a:masterClrMapping/>
+  </p:clrMapOvr>
+</p:sld>
+</file>
+
+<file path=ppt/slides/slide32.xml><?xml version="1.0" encoding="utf-8"?>
+<p:sld xmlns:a="http://schemas.openxmlformats.org/drawingml/2006/main" xmlns:r="http://schemas.openxmlformats.org/officeDocument/2006/relationships" xmlns:p="http://schemas.openxmlformats.org/presentationml/2006/main">
+  <p:cSld>
+    <p:spTree>
+      <p:nvGrpSpPr>
+        <p:cNvPr id="1" name=""/>
+        <p:cNvGrpSpPr/>
+        <p:nvPr/>
+      </p:nvGrpSpPr>
+      <p:grpSpPr>
+        <a:xfrm>
+          <a:off x="0" y="0"/>
+          <a:ext cx="0" cy="0"/>
+          <a:chOff x="0" y="0"/>
+          <a:chExt cx="0" cy="0"/>
+        </a:xfrm>
+      </p:grpSpPr>
+      <p:sp>
+        <p:nvSpPr>
+          <p:cNvPr id="6" name="正方形/長方形 5">
+            <a:extLst>
+              <a:ext uri="{FF2B5EF4-FFF2-40B4-BE49-F238E27FC236}">
+                <a16:creationId xmlns:a16="http://schemas.microsoft.com/office/drawing/2014/main" id="{B11A743F-2B5A-90D8-846F-943ECBD92E85}"/>
+              </a:ext>
+            </a:extLst>
+          </p:cNvPr>
+          <p:cNvSpPr/>
+          <p:nvPr/>
+        </p:nvSpPr>
+        <p:spPr>
+          <a:xfrm>
+            <a:off x="902525" y="1306286"/>
+            <a:ext cx="7006441" cy="5260769"/>
+          </a:xfrm>
+          <a:prstGeom prst="rect">
+            <a:avLst/>
+          </a:prstGeom>
+        </p:spPr>
+        <p:style>
+          <a:lnRef idx="2">
+            <a:schemeClr val="accent1">
+              <a:shade val="50000"/>
+            </a:schemeClr>
+          </a:lnRef>
+          <a:fillRef idx="1">
+            <a:schemeClr val="accent1"/>
+          </a:fillRef>
+          <a:effectRef idx="0">
+            <a:schemeClr val="accent1"/>
+          </a:effectRef>
+          <a:fontRef idx="minor">
+            <a:schemeClr val="lt1"/>
+          </a:fontRef>
+        </p:style>
+        <p:txBody>
+          <a:bodyPr rtlCol="0" anchor="ctr"/>
+          <a:lstStyle/>
+          <a:p>
+            <a:pPr algn="ctr"/>
+            <a:endParaRPr kumimoji="1" lang="ja-JP" altLang="en-US"/>
+          </a:p>
+        </p:txBody>
+      </p:sp>
+      <p:sp>
+        <p:nvSpPr>
+          <p:cNvPr id="5" name="二等辺三角形 4">
+            <a:extLst>
+              <a:ext uri="{FF2B5EF4-FFF2-40B4-BE49-F238E27FC236}">
+                <a16:creationId xmlns:a16="http://schemas.microsoft.com/office/drawing/2014/main" id="{7B32C2D8-717B-A888-EE96-D03B4DF36A8C}"/>
+              </a:ext>
+            </a:extLst>
+          </p:cNvPr>
+          <p:cNvSpPr/>
+          <p:nvPr/>
+        </p:nvSpPr>
+        <p:spPr>
+          <a:xfrm rot="5400000">
+            <a:off x="2660074" y="2415640"/>
+            <a:ext cx="2838200" cy="2291938"/>
+          </a:xfrm>
+          <a:prstGeom prst="triangle">
+            <a:avLst/>
+          </a:prstGeom>
+          <a:solidFill>
+            <a:schemeClr val="tx1">
+              <a:lumMod val="50000"/>
+              <a:lumOff val="50000"/>
+            </a:schemeClr>
+          </a:solidFill>
+          <a:ln>
+            <a:noFill/>
+          </a:ln>
+        </p:spPr>
+        <p:style>
+          <a:lnRef idx="2">
+            <a:schemeClr val="accent1">
+              <a:shade val="50000"/>
+            </a:schemeClr>
+          </a:lnRef>
+          <a:fillRef idx="1">
+            <a:schemeClr val="accent1"/>
+          </a:fillRef>
+          <a:effectRef idx="0">
+            <a:schemeClr val="accent1"/>
+          </a:effectRef>
+          <a:fontRef idx="minor">
+            <a:schemeClr val="lt1"/>
+          </a:fontRef>
+        </p:style>
+        <p:txBody>
+          <a:bodyPr rtlCol="0" anchor="ctr"/>
+          <a:lstStyle/>
+          <a:p>
+            <a:pPr algn="ctr"/>
+            <a:endParaRPr kumimoji="1" lang="ja-JP" altLang="en-US"/>
+          </a:p>
+        </p:txBody>
+      </p:sp>
+      <p:sp>
+        <p:nvSpPr>
+          <p:cNvPr id="4" name="二等辺三角形 3">
+            <a:extLst>
+              <a:ext uri="{FF2B5EF4-FFF2-40B4-BE49-F238E27FC236}">
+                <a16:creationId xmlns:a16="http://schemas.microsoft.com/office/drawing/2014/main" id="{279C1745-DC52-A033-1E90-004D80491F94}"/>
+              </a:ext>
+            </a:extLst>
+          </p:cNvPr>
+          <p:cNvSpPr/>
+          <p:nvPr/>
+        </p:nvSpPr>
+        <p:spPr>
+          <a:xfrm rot="5400000">
+            <a:off x="2660074" y="2339440"/>
+            <a:ext cx="2838200" cy="2291938"/>
+          </a:xfrm>
+          <a:prstGeom prst="triangle">
+            <a:avLst/>
+          </a:prstGeom>
+          <a:solidFill>
+            <a:schemeClr val="bg1"/>
+          </a:solidFill>
+          <a:ln>
+            <a:noFill/>
+          </a:ln>
+        </p:spPr>
+        <p:style>
+          <a:lnRef idx="2">
+            <a:schemeClr val="accent1">
+              <a:shade val="50000"/>
+            </a:schemeClr>
+          </a:lnRef>
+          <a:fillRef idx="1">
+            <a:schemeClr val="accent1"/>
+          </a:fillRef>
+          <a:effectRef idx="0">
+            <a:schemeClr val="accent1"/>
+          </a:effectRef>
+          <a:fontRef idx="minor">
+            <a:schemeClr val="lt1"/>
+          </a:fontRef>
+        </p:style>
+        <p:txBody>
+          <a:bodyPr rtlCol="0" anchor="ctr"/>
+          <a:lstStyle/>
+          <a:p>
+            <a:pPr algn="ctr"/>
+            <a:endParaRPr kumimoji="1" lang="ja-JP" altLang="en-US"/>
+          </a:p>
+        </p:txBody>
+      </p:sp>
+      <p:sp>
+        <p:nvSpPr>
+          <p:cNvPr id="7" name="斜め縞 6">
+            <a:extLst>
+              <a:ext uri="{FF2B5EF4-FFF2-40B4-BE49-F238E27FC236}">
+                <a16:creationId xmlns:a16="http://schemas.microsoft.com/office/drawing/2014/main" id="{821D482E-F497-75CA-1337-6CBBF3186DAD}"/>
+              </a:ext>
+            </a:extLst>
+          </p:cNvPr>
+          <p:cNvSpPr/>
+          <p:nvPr/>
+        </p:nvSpPr>
+        <p:spPr>
+          <a:xfrm>
+            <a:off x="8098971" y="3531920"/>
+            <a:ext cx="2185061" cy="1146958"/>
+          </a:xfrm>
+          <a:prstGeom prst="diagStripe">
+            <a:avLst>
+              <a:gd name="adj" fmla="val 26042"/>
+            </a:avLst>
+          </a:prstGeom>
+          <a:solidFill>
+            <a:schemeClr val="bg2">
+              <a:lumMod val="90000"/>
+            </a:schemeClr>
+          </a:solidFill>
+          <a:ln>
+            <a:noFill/>
+          </a:ln>
+        </p:spPr>
+        <p:style>
+          <a:lnRef idx="2">
+            <a:schemeClr val="accent1">
+              <a:shade val="50000"/>
+            </a:schemeClr>
+          </a:lnRef>
+          <a:fillRef idx="1">
+            <a:schemeClr val="accent1"/>
+          </a:fillRef>
+          <a:effectRef idx="0">
+            <a:schemeClr val="accent1"/>
+          </a:effectRef>
+          <a:fontRef idx="minor">
+            <a:schemeClr val="lt1"/>
+          </a:fontRef>
+        </p:style>
+        <p:txBody>
+          <a:bodyPr rtlCol="0" anchor="ctr"/>
+          <a:lstStyle/>
+          <a:p>
+            <a:pPr algn="ctr"/>
+            <a:endParaRPr kumimoji="1" lang="ja-JP" altLang="en-US">
+              <a:solidFill>
+                <a:schemeClr val="tx1"/>
+              </a:solidFill>
+            </a:endParaRPr>
+          </a:p>
+        </p:txBody>
+      </p:sp>
+      <p:sp>
+        <p:nvSpPr>
+          <p:cNvPr id="9" name="斜め縞 8">
+            <a:extLst>
+              <a:ext uri="{FF2B5EF4-FFF2-40B4-BE49-F238E27FC236}">
+                <a16:creationId xmlns:a16="http://schemas.microsoft.com/office/drawing/2014/main" id="{06E15CEC-3FCD-2977-F1D5-305E0F62D503}"/>
+              </a:ext>
+            </a:extLst>
+          </p:cNvPr>
+          <p:cNvSpPr/>
+          <p:nvPr/>
+        </p:nvSpPr>
+        <p:spPr>
+          <a:xfrm flipV="1">
+            <a:off x="8098970" y="2391888"/>
+            <a:ext cx="2185061" cy="1146958"/>
+          </a:xfrm>
+          <a:prstGeom prst="diagStripe">
+            <a:avLst>
+              <a:gd name="adj" fmla="val 26042"/>
+            </a:avLst>
+          </a:prstGeom>
+          <a:solidFill>
+            <a:schemeClr val="bg2">
+              <a:lumMod val="90000"/>
+            </a:schemeClr>
+          </a:solidFill>
+          <a:ln>
+            <a:noFill/>
+          </a:ln>
+        </p:spPr>
+        <p:style>
+          <a:lnRef idx="2">
+            <a:schemeClr val="accent1">
+              <a:shade val="50000"/>
+            </a:schemeClr>
+          </a:lnRef>
+          <a:fillRef idx="1">
+            <a:schemeClr val="accent1"/>
+          </a:fillRef>
+          <a:effectRef idx="0">
+            <a:schemeClr val="accent1"/>
+          </a:effectRef>
+          <a:fontRef idx="minor">
+            <a:schemeClr val="lt1"/>
+          </a:fontRef>
+        </p:style>
+        <p:txBody>
+          <a:bodyPr rtlCol="0" anchor="ctr"/>
+          <a:lstStyle/>
+          <a:p>
+            <a:pPr algn="ctr"/>
+            <a:endParaRPr kumimoji="1" lang="ja-JP" altLang="en-US">
+              <a:solidFill>
+                <a:schemeClr val="tx1"/>
+              </a:solidFill>
+            </a:endParaRPr>
+          </a:p>
+        </p:txBody>
+      </p:sp>
+      <p:pic>
+        <p:nvPicPr>
+          <p:cNvPr id="14" name="図 13">
+            <a:extLst>
+              <a:ext uri="{FF2B5EF4-FFF2-40B4-BE49-F238E27FC236}">
+                <a16:creationId xmlns:a16="http://schemas.microsoft.com/office/drawing/2014/main" id="{963D0584-1448-F8A1-D6D5-0EB251B8D40A}"/>
+              </a:ext>
+            </a:extLst>
+          </p:cNvPr>
+          <p:cNvPicPr>
+            <a:picLocks noChangeAspect="1"/>
+          </p:cNvPicPr>
+          <p:nvPr/>
+        </p:nvPicPr>
+        <p:blipFill>
+          <a:blip r:embed="rId2"/>
+          <a:stretch>
+            <a:fillRect/>
+          </a:stretch>
+        </p:blipFill>
+        <p:spPr>
+          <a:xfrm>
+            <a:off x="5644635" y="1644375"/>
+            <a:ext cx="2182557" cy="2292295"/>
+          </a:xfrm>
+          <a:prstGeom prst="rect">
+            <a:avLst/>
+          </a:prstGeom>
+        </p:spPr>
+      </p:pic>
+      <p:pic>
+        <p:nvPicPr>
+          <p:cNvPr id="12" name="図 11">
+            <a:extLst>
+              <a:ext uri="{FF2B5EF4-FFF2-40B4-BE49-F238E27FC236}">
+                <a16:creationId xmlns:a16="http://schemas.microsoft.com/office/drawing/2014/main" id="{610ACE5F-CA20-D969-6683-798E7D88B682}"/>
+              </a:ext>
+            </a:extLst>
+          </p:cNvPr>
+          <p:cNvPicPr>
+            <a:picLocks noChangeAspect="1"/>
+          </p:cNvPicPr>
+          <p:nvPr/>
+        </p:nvPicPr>
+        <p:blipFill>
+          <a:blip r:embed="rId3"/>
+          <a:stretch>
+            <a:fillRect/>
+          </a:stretch>
+        </p:blipFill>
+        <p:spPr>
+          <a:xfrm>
+            <a:off x="5562861" y="1510956"/>
+            <a:ext cx="2182557" cy="2292295"/>
+          </a:xfrm>
+          <a:prstGeom prst="rect">
+            <a:avLst/>
+          </a:prstGeom>
+        </p:spPr>
+      </p:pic>
+    </p:spTree>
+    <p:extLst>
+      <p:ext uri="{BB962C8B-B14F-4D97-AF65-F5344CB8AC3E}">
+        <p14:creationId xmlns:p14="http://schemas.microsoft.com/office/powerpoint/2010/main" val="3676091649"/>
       </p:ext>
     </p:extLst>
   </p:cSld>

--- a/button_design.pptx
+++ b/button_design.pptx
@@ -27,16 +27,17 @@
     <p:sldId id="273" r:id="rId21"/>
     <p:sldId id="274" r:id="rId22"/>
     <p:sldId id="275" r:id="rId23"/>
-    <p:sldId id="276" r:id="rId24"/>
-    <p:sldId id="292" r:id="rId25"/>
-    <p:sldId id="293" r:id="rId26"/>
-    <p:sldId id="299" r:id="rId27"/>
-    <p:sldId id="298" r:id="rId28"/>
-    <p:sldId id="301" r:id="rId29"/>
-    <p:sldId id="302" r:id="rId30"/>
-    <p:sldId id="303" r:id="rId31"/>
-    <p:sldId id="304" r:id="rId32"/>
-    <p:sldId id="305" r:id="rId33"/>
+    <p:sldId id="306" r:id="rId24"/>
+    <p:sldId id="276" r:id="rId25"/>
+    <p:sldId id="292" r:id="rId26"/>
+    <p:sldId id="293" r:id="rId27"/>
+    <p:sldId id="299" r:id="rId28"/>
+    <p:sldId id="298" r:id="rId29"/>
+    <p:sldId id="301" r:id="rId30"/>
+    <p:sldId id="302" r:id="rId31"/>
+    <p:sldId id="303" r:id="rId32"/>
+    <p:sldId id="304" r:id="rId33"/>
+    <p:sldId id="305" r:id="rId34"/>
   </p:sldIdLst>
   <p:sldSz cx="12192000" cy="6858000"/>
   <p:notesSz cx="6858000" cy="9144000"/>
@@ -290,7 +291,7 @@
           <a:p>
             <a:fld id="{99066E6C-854B-4ACE-AADA-F759C3D6E6D7}" type="datetimeFigureOut">
               <a:rPr kumimoji="1" lang="ja-JP" altLang="en-US" smtClean="0"/>
-              <a:t>2022/9/21</a:t>
+              <a:t>2022/9/24</a:t>
             </a:fld>
             <a:endParaRPr kumimoji="1" lang="ja-JP" altLang="en-US"/>
           </a:p>
@@ -520,7 +521,7 @@
           <a:p>
             <a:fld id="{99066E6C-854B-4ACE-AADA-F759C3D6E6D7}" type="datetimeFigureOut">
               <a:rPr kumimoji="1" lang="ja-JP" altLang="en-US" smtClean="0"/>
-              <a:t>2022/9/21</a:t>
+              <a:t>2022/9/24</a:t>
             </a:fld>
             <a:endParaRPr kumimoji="1" lang="ja-JP" altLang="en-US"/>
           </a:p>
@@ -760,7 +761,7 @@
           <a:p>
             <a:fld id="{99066E6C-854B-4ACE-AADA-F759C3D6E6D7}" type="datetimeFigureOut">
               <a:rPr kumimoji="1" lang="ja-JP" altLang="en-US" smtClean="0"/>
-              <a:t>2022/9/21</a:t>
+              <a:t>2022/9/24</a:t>
             </a:fld>
             <a:endParaRPr kumimoji="1" lang="ja-JP" altLang="en-US"/>
           </a:p>
@@ -990,7 +991,7 @@
           <a:p>
             <a:fld id="{99066E6C-854B-4ACE-AADA-F759C3D6E6D7}" type="datetimeFigureOut">
               <a:rPr kumimoji="1" lang="ja-JP" altLang="en-US" smtClean="0"/>
-              <a:t>2022/9/21</a:t>
+              <a:t>2022/9/24</a:t>
             </a:fld>
             <a:endParaRPr kumimoji="1" lang="ja-JP" altLang="en-US"/>
           </a:p>
@@ -1265,7 +1266,7 @@
           <a:p>
             <a:fld id="{99066E6C-854B-4ACE-AADA-F759C3D6E6D7}" type="datetimeFigureOut">
               <a:rPr kumimoji="1" lang="ja-JP" altLang="en-US" smtClean="0"/>
-              <a:t>2022/9/21</a:t>
+              <a:t>2022/9/24</a:t>
             </a:fld>
             <a:endParaRPr kumimoji="1" lang="ja-JP" altLang="en-US"/>
           </a:p>
@@ -1594,7 +1595,7 @@
           <a:p>
             <a:fld id="{99066E6C-854B-4ACE-AADA-F759C3D6E6D7}" type="datetimeFigureOut">
               <a:rPr kumimoji="1" lang="ja-JP" altLang="en-US" smtClean="0"/>
-              <a:t>2022/9/21</a:t>
+              <a:t>2022/9/24</a:t>
             </a:fld>
             <a:endParaRPr kumimoji="1" lang="ja-JP" altLang="en-US"/>
           </a:p>
@@ -2070,7 +2071,7 @@
           <a:p>
             <a:fld id="{99066E6C-854B-4ACE-AADA-F759C3D6E6D7}" type="datetimeFigureOut">
               <a:rPr kumimoji="1" lang="ja-JP" altLang="en-US" smtClean="0"/>
-              <a:t>2022/9/21</a:t>
+              <a:t>2022/9/24</a:t>
             </a:fld>
             <a:endParaRPr kumimoji="1" lang="ja-JP" altLang="en-US"/>
           </a:p>
@@ -2211,7 +2212,7 @@
           <a:p>
             <a:fld id="{99066E6C-854B-4ACE-AADA-F759C3D6E6D7}" type="datetimeFigureOut">
               <a:rPr kumimoji="1" lang="ja-JP" altLang="en-US" smtClean="0"/>
-              <a:t>2022/9/21</a:t>
+              <a:t>2022/9/24</a:t>
             </a:fld>
             <a:endParaRPr kumimoji="1" lang="ja-JP" altLang="en-US"/>
           </a:p>
@@ -2324,7 +2325,7 @@
           <a:p>
             <a:fld id="{99066E6C-854B-4ACE-AADA-F759C3D6E6D7}" type="datetimeFigureOut">
               <a:rPr kumimoji="1" lang="ja-JP" altLang="en-US" smtClean="0"/>
-              <a:t>2022/9/21</a:t>
+              <a:t>2022/9/24</a:t>
             </a:fld>
             <a:endParaRPr kumimoji="1" lang="ja-JP" altLang="en-US"/>
           </a:p>
@@ -2667,7 +2668,7 @@
           <a:p>
             <a:fld id="{99066E6C-854B-4ACE-AADA-F759C3D6E6D7}" type="datetimeFigureOut">
               <a:rPr kumimoji="1" lang="ja-JP" altLang="en-US" smtClean="0"/>
-              <a:t>2022/9/21</a:t>
+              <a:t>2022/9/24</a:t>
             </a:fld>
             <a:endParaRPr kumimoji="1" lang="ja-JP" altLang="en-US"/>
           </a:p>
@@ -2955,7 +2956,7 @@
           <a:p>
             <a:fld id="{99066E6C-854B-4ACE-AADA-F759C3D6E6D7}" type="datetimeFigureOut">
               <a:rPr kumimoji="1" lang="ja-JP" altLang="en-US" smtClean="0"/>
-              <a:t>2022/9/21</a:t>
+              <a:t>2022/9/24</a:t>
             </a:fld>
             <a:endParaRPr kumimoji="1" lang="ja-JP" altLang="en-US"/>
           </a:p>
@@ -3228,7 +3229,7 @@
           <a:p>
             <a:fld id="{99066E6C-854B-4ACE-AADA-F759C3D6E6D7}" type="datetimeFigureOut">
               <a:rPr kumimoji="1" lang="ja-JP" altLang="en-US" smtClean="0"/>
-              <a:t>2022/9/21</a:t>
+              <a:t>2022/9/24</a:t>
             </a:fld>
             <a:endParaRPr kumimoji="1" lang="ja-JP" altLang="en-US"/>
           </a:p>
@@ -13837,6 +13838,287 @@
           <a:chExt cx="0" cy="0"/>
         </a:xfrm>
       </p:grpSpPr>
+      <p:sp>
+        <p:nvSpPr>
+          <p:cNvPr id="2" name="四角形: 角を丸くする 1">
+            <a:extLst>
+              <a:ext uri="{FF2B5EF4-FFF2-40B4-BE49-F238E27FC236}">
+                <a16:creationId xmlns:a16="http://schemas.microsoft.com/office/drawing/2014/main" id="{2778DBC1-03C3-44F3-A8EB-C6CBAEEC35F4}"/>
+              </a:ext>
+            </a:extLst>
+          </p:cNvPr>
+          <p:cNvSpPr/>
+          <p:nvPr/>
+        </p:nvSpPr>
+        <p:spPr>
+          <a:xfrm>
+            <a:off x="3184435" y="1767841"/>
+            <a:ext cx="4671712" cy="1569720"/>
+          </a:xfrm>
+          <a:prstGeom prst="roundRect">
+            <a:avLst>
+              <a:gd name="adj" fmla="val 11536"/>
+            </a:avLst>
+          </a:prstGeom>
+          <a:solidFill>
+            <a:schemeClr val="bg2">
+              <a:lumMod val="25000"/>
+            </a:schemeClr>
+          </a:solidFill>
+          <a:ln w="57150">
+            <a:noFill/>
+          </a:ln>
+        </p:spPr>
+        <p:style>
+          <a:lnRef idx="2">
+            <a:schemeClr val="accent1">
+              <a:shade val="50000"/>
+            </a:schemeClr>
+          </a:lnRef>
+          <a:fillRef idx="1">
+            <a:schemeClr val="accent1"/>
+          </a:fillRef>
+          <a:effectRef idx="0">
+            <a:schemeClr val="accent1"/>
+          </a:effectRef>
+          <a:fontRef idx="minor">
+            <a:schemeClr val="lt1"/>
+          </a:fontRef>
+        </p:style>
+        <p:txBody>
+          <a:bodyPr rtlCol="0" anchor="ctr"/>
+          <a:lstStyle/>
+          <a:p>
+            <a:pPr algn="ctr"/>
+            <a:endParaRPr kumimoji="1" lang="ja-JP" altLang="en-US" dirty="0"/>
+          </a:p>
+        </p:txBody>
+      </p:sp>
+      <p:sp>
+        <p:nvSpPr>
+          <p:cNvPr id="4" name="四角形: 角を丸くする 3">
+            <a:extLst>
+              <a:ext uri="{FF2B5EF4-FFF2-40B4-BE49-F238E27FC236}">
+                <a16:creationId xmlns:a16="http://schemas.microsoft.com/office/drawing/2014/main" id="{288D87A3-7D50-4202-FF50-2FB86BA9DD74}"/>
+              </a:ext>
+            </a:extLst>
+          </p:cNvPr>
+          <p:cNvSpPr/>
+          <p:nvPr/>
+        </p:nvSpPr>
+        <p:spPr>
+          <a:xfrm>
+            <a:off x="3213010" y="1787802"/>
+            <a:ext cx="4622336" cy="1462424"/>
+          </a:xfrm>
+          <a:prstGeom prst="roundRect">
+            <a:avLst>
+              <a:gd name="adj" fmla="val 12306"/>
+            </a:avLst>
+          </a:prstGeom>
+          <a:solidFill>
+            <a:schemeClr val="bg2">
+              <a:lumMod val="90000"/>
+            </a:schemeClr>
+          </a:solidFill>
+          <a:ln w="57150">
+            <a:noFill/>
+          </a:ln>
+        </p:spPr>
+        <p:style>
+          <a:lnRef idx="2">
+            <a:schemeClr val="accent1">
+              <a:shade val="50000"/>
+            </a:schemeClr>
+          </a:lnRef>
+          <a:fillRef idx="1">
+            <a:schemeClr val="accent1"/>
+          </a:fillRef>
+          <a:effectRef idx="0">
+            <a:schemeClr val="accent1"/>
+          </a:effectRef>
+          <a:fontRef idx="minor">
+            <a:schemeClr val="lt1"/>
+          </a:fontRef>
+        </p:style>
+        <p:txBody>
+          <a:bodyPr rtlCol="0" anchor="ctr"/>
+          <a:lstStyle/>
+          <a:p>
+            <a:pPr algn="ctr"/>
+            <a:endParaRPr kumimoji="1" lang="ja-JP" altLang="en-US" dirty="0"/>
+          </a:p>
+        </p:txBody>
+      </p:sp>
+      <p:sp>
+        <p:nvSpPr>
+          <p:cNvPr id="5" name="四角形: 角を丸くする 4">
+            <a:extLst>
+              <a:ext uri="{FF2B5EF4-FFF2-40B4-BE49-F238E27FC236}">
+                <a16:creationId xmlns:a16="http://schemas.microsoft.com/office/drawing/2014/main" id="{B76C067E-9ECA-1BB9-2D2B-BA5881B5D5A8}"/>
+              </a:ext>
+            </a:extLst>
+          </p:cNvPr>
+          <p:cNvSpPr/>
+          <p:nvPr/>
+        </p:nvSpPr>
+        <p:spPr>
+          <a:xfrm>
+            <a:off x="3291839" y="1860193"/>
+            <a:ext cx="4478387" cy="1319548"/>
+          </a:xfrm>
+          <a:prstGeom prst="roundRect">
+            <a:avLst>
+              <a:gd name="adj" fmla="val 5210"/>
+            </a:avLst>
+          </a:prstGeom>
+          <a:solidFill>
+            <a:schemeClr val="bg1"/>
+          </a:solidFill>
+          <a:ln w="57150">
+            <a:noFill/>
+          </a:ln>
+        </p:spPr>
+        <p:style>
+          <a:lnRef idx="2">
+            <a:schemeClr val="accent1">
+              <a:shade val="50000"/>
+            </a:schemeClr>
+          </a:lnRef>
+          <a:fillRef idx="1">
+            <a:schemeClr val="accent1"/>
+          </a:fillRef>
+          <a:effectRef idx="0">
+            <a:schemeClr val="accent1"/>
+          </a:effectRef>
+          <a:fontRef idx="minor">
+            <a:schemeClr val="lt1"/>
+          </a:fontRef>
+        </p:style>
+        <p:txBody>
+          <a:bodyPr rtlCol="0" anchor="ctr"/>
+          <a:lstStyle/>
+          <a:p>
+            <a:pPr algn="ctr"/>
+            <a:endParaRPr kumimoji="1" lang="ja-JP" altLang="en-US" dirty="0"/>
+          </a:p>
+        </p:txBody>
+      </p:sp>
+      <p:sp>
+        <p:nvSpPr>
+          <p:cNvPr id="3" name="テキスト ボックス 2">
+            <a:extLst>
+              <a:ext uri="{FF2B5EF4-FFF2-40B4-BE49-F238E27FC236}">
+                <a16:creationId xmlns:a16="http://schemas.microsoft.com/office/drawing/2014/main" id="{28AEA8D1-8401-E8CF-6EBC-D75071C0E9B2}"/>
+              </a:ext>
+            </a:extLst>
+          </p:cNvPr>
+          <p:cNvSpPr txBox="1"/>
+          <p:nvPr/>
+        </p:nvSpPr>
+        <p:spPr>
+          <a:xfrm>
+            <a:off x="4356653" y="2218642"/>
+            <a:ext cx="3478693" cy="707886"/>
+          </a:xfrm>
+          <a:prstGeom prst="rect">
+            <a:avLst/>
+          </a:prstGeom>
+          <a:noFill/>
+        </p:spPr>
+        <p:txBody>
+          <a:bodyPr wrap="square" rtlCol="0">
+            <a:spAutoFit/>
+          </a:bodyPr>
+          <a:lstStyle/>
+          <a:p>
+            <a:pPr algn="ctr"/>
+            <a:r>
+              <a:rPr lang="ja-JP" altLang="en-US" sz="4000" dirty="0">
+                <a:solidFill>
+                  <a:srgbClr val="333333"/>
+                </a:solidFill>
+                <a:latin typeface="メイリオ" panose="020B0604030504040204" pitchFamily="50" charset="-128"/>
+                <a:ea typeface="メイリオ" panose="020B0604030504040204" pitchFamily="50" charset="-128"/>
+              </a:rPr>
+              <a:t>ログアウト</a:t>
+            </a:r>
+            <a:endParaRPr kumimoji="1" lang="ja-JP" altLang="en-US" sz="4000" dirty="0">
+              <a:solidFill>
+                <a:srgbClr val="333333"/>
+              </a:solidFill>
+              <a:latin typeface="メイリオ" panose="020B0604030504040204" pitchFamily="50" charset="-128"/>
+              <a:ea typeface="メイリオ" panose="020B0604030504040204" pitchFamily="50" charset="-128"/>
+            </a:endParaRPr>
+          </a:p>
+        </p:txBody>
+      </p:sp>
+      <p:pic>
+        <p:nvPicPr>
+          <p:cNvPr id="7" name="図 6" descr="アイコン&#10;&#10;自動的に生成された説明">
+            <a:extLst>
+              <a:ext uri="{FF2B5EF4-FFF2-40B4-BE49-F238E27FC236}">
+                <a16:creationId xmlns:a16="http://schemas.microsoft.com/office/drawing/2014/main" id="{5D67DC0F-0E45-5ED4-AED8-A6ED966B580B}"/>
+              </a:ext>
+            </a:extLst>
+          </p:cNvPr>
+          <p:cNvPicPr>
+            <a:picLocks noChangeAspect="1"/>
+          </p:cNvPicPr>
+          <p:nvPr/>
+        </p:nvPicPr>
+        <p:blipFill>
+          <a:blip r:embed="rId2">
+            <a:extLst>
+              <a:ext uri="{28A0092B-C50C-407E-A947-70E740481C1C}">
+                <a14:useLocalDpi xmlns:a14="http://schemas.microsoft.com/office/drawing/2010/main" val="0"/>
+              </a:ext>
+            </a:extLst>
+          </a:blip>
+          <a:stretch>
+            <a:fillRect/>
+          </a:stretch>
+        </p:blipFill>
+        <p:spPr>
+          <a:xfrm>
+            <a:off x="3467970" y="1994748"/>
+            <a:ext cx="1115905" cy="1115905"/>
+          </a:xfrm>
+          <a:prstGeom prst="rect">
+            <a:avLst/>
+          </a:prstGeom>
+        </p:spPr>
+      </p:pic>
+    </p:spTree>
+    <p:extLst>
+      <p:ext uri="{BB962C8B-B14F-4D97-AF65-F5344CB8AC3E}">
+        <p14:creationId xmlns:p14="http://schemas.microsoft.com/office/powerpoint/2010/main" val="1935112801"/>
+      </p:ext>
+    </p:extLst>
+  </p:cSld>
+  <p:clrMapOvr>
+    <a:masterClrMapping/>
+  </p:clrMapOvr>
+</p:sld>
+</file>
+
+<file path=ppt/slides/slide24.xml><?xml version="1.0" encoding="utf-8"?>
+<p:sld xmlns:a="http://schemas.openxmlformats.org/drawingml/2006/main" xmlns:r="http://schemas.openxmlformats.org/officeDocument/2006/relationships" xmlns:p="http://schemas.openxmlformats.org/presentationml/2006/main">
+  <p:cSld>
+    <p:spTree>
+      <p:nvGrpSpPr>
+        <p:cNvPr id="1" name=""/>
+        <p:cNvGrpSpPr/>
+        <p:nvPr/>
+      </p:nvGrpSpPr>
+      <p:grpSpPr>
+        <a:xfrm>
+          <a:off x="0" y="0"/>
+          <a:ext cx="0" cy="0"/>
+          <a:chOff x="0" y="0"/>
+          <a:chExt cx="0" cy="0"/>
+        </a:xfrm>
+      </p:grpSpPr>
       <p:pic>
         <p:nvPicPr>
           <p:cNvPr id="5" name="コンテンツ プレースホルダー 4" descr="ロゴ, アイコン&#10;&#10;自動的に生成された説明">
@@ -14245,1499 +14527,6 @@
 </p:sld>
 </file>
 
-<file path=ppt/slides/slide24.xml><?xml version="1.0" encoding="utf-8"?>
-<p:sld xmlns:a="http://schemas.openxmlformats.org/drawingml/2006/main" xmlns:r="http://schemas.openxmlformats.org/officeDocument/2006/relationships" xmlns:p="http://schemas.openxmlformats.org/presentationml/2006/main">
-  <p:cSld>
-    <p:spTree>
-      <p:nvGrpSpPr>
-        <p:cNvPr id="1" name=""/>
-        <p:cNvGrpSpPr/>
-        <p:nvPr/>
-      </p:nvGrpSpPr>
-      <p:grpSpPr>
-        <a:xfrm>
-          <a:off x="0" y="0"/>
-          <a:ext cx="0" cy="0"/>
-          <a:chOff x="0" y="0"/>
-          <a:chExt cx="0" cy="0"/>
-        </a:xfrm>
-      </p:grpSpPr>
-      <p:sp>
-        <p:nvSpPr>
-          <p:cNvPr id="52" name="四角形: 上の 2 つの角を丸める 51">
-            <a:extLst>
-              <a:ext uri="{FF2B5EF4-FFF2-40B4-BE49-F238E27FC236}">
-                <a16:creationId xmlns:a16="http://schemas.microsoft.com/office/drawing/2014/main" id="{57BF6E82-F766-D180-1A9B-4AA56997EA1E}"/>
-              </a:ext>
-            </a:extLst>
-          </p:cNvPr>
-          <p:cNvSpPr/>
-          <p:nvPr/>
-        </p:nvSpPr>
-        <p:spPr>
-          <a:xfrm flipV="1">
-            <a:off x="3314700" y="3426550"/>
-            <a:ext cx="2160000" cy="720000"/>
-          </a:xfrm>
-          <a:prstGeom prst="round2SameRect">
-            <a:avLst/>
-          </a:prstGeom>
-          <a:solidFill>
-            <a:srgbClr val="3ABFF8"/>
-          </a:solidFill>
-          <a:ln w="38100">
-            <a:noFill/>
-          </a:ln>
-        </p:spPr>
-        <p:style>
-          <a:lnRef idx="2">
-            <a:schemeClr val="accent1">
-              <a:shade val="50000"/>
-            </a:schemeClr>
-          </a:lnRef>
-          <a:fillRef idx="1">
-            <a:schemeClr val="accent1"/>
-          </a:fillRef>
-          <a:effectRef idx="0">
-            <a:schemeClr val="accent1"/>
-          </a:effectRef>
-          <a:fontRef idx="minor">
-            <a:schemeClr val="lt1"/>
-          </a:fontRef>
-        </p:style>
-        <p:txBody>
-          <a:bodyPr rtlCol="0" anchor="ctr"/>
-          <a:lstStyle/>
-          <a:p>
-            <a:pPr algn="ctr"/>
-            <a:endParaRPr kumimoji="1" lang="ja-JP" altLang="en-US"/>
-          </a:p>
-        </p:txBody>
-      </p:sp>
-      <p:sp>
-        <p:nvSpPr>
-          <p:cNvPr id="49" name="四角形: 角を丸くする 48">
-            <a:extLst>
-              <a:ext uri="{FF2B5EF4-FFF2-40B4-BE49-F238E27FC236}">
-                <a16:creationId xmlns:a16="http://schemas.microsoft.com/office/drawing/2014/main" id="{1442714E-49C4-97DF-8F04-5B46FC876E9E}"/>
-              </a:ext>
-            </a:extLst>
-          </p:cNvPr>
-          <p:cNvSpPr/>
-          <p:nvPr/>
-        </p:nvSpPr>
-        <p:spPr>
-          <a:xfrm>
-            <a:off x="3314700" y="2343150"/>
-            <a:ext cx="2160000" cy="1803400"/>
-          </a:xfrm>
-          <a:prstGeom prst="roundRect">
-            <a:avLst>
-              <a:gd name="adj" fmla="val 9026"/>
-            </a:avLst>
-          </a:prstGeom>
-          <a:noFill/>
-          <a:ln w="38100">
-            <a:solidFill>
-              <a:srgbClr val="373535"/>
-            </a:solidFill>
-          </a:ln>
-        </p:spPr>
-        <p:style>
-          <a:lnRef idx="2">
-            <a:schemeClr val="accent1">
-              <a:shade val="50000"/>
-            </a:schemeClr>
-          </a:lnRef>
-          <a:fillRef idx="1">
-            <a:schemeClr val="accent1"/>
-          </a:fillRef>
-          <a:effectRef idx="0">
-            <a:schemeClr val="accent1"/>
-          </a:effectRef>
-          <a:fontRef idx="minor">
-            <a:schemeClr val="lt1"/>
-          </a:fontRef>
-        </p:style>
-        <p:txBody>
-          <a:bodyPr rtlCol="0" anchor="ctr"/>
-          <a:lstStyle/>
-          <a:p>
-            <a:pPr algn="ctr"/>
-            <a:endParaRPr kumimoji="1" lang="ja-JP" altLang="en-US"/>
-          </a:p>
-        </p:txBody>
-      </p:sp>
-      <p:sp>
-        <p:nvSpPr>
-          <p:cNvPr id="53" name="L 字 52">
-            <a:extLst>
-              <a:ext uri="{FF2B5EF4-FFF2-40B4-BE49-F238E27FC236}">
-                <a16:creationId xmlns:a16="http://schemas.microsoft.com/office/drawing/2014/main" id="{5F8027BC-D38A-EAA3-B26B-CD7D7F0D8941}"/>
-              </a:ext>
-            </a:extLst>
-          </p:cNvPr>
-          <p:cNvSpPr>
-            <a:spLocks noChangeAspect="1"/>
-          </p:cNvSpPr>
-          <p:nvPr/>
-        </p:nvSpPr>
-        <p:spPr>
-          <a:xfrm rot="8220467">
-            <a:off x="3388096" y="3524418"/>
-            <a:ext cx="77931" cy="77931"/>
-          </a:xfrm>
-          <a:prstGeom prst="corner">
-            <a:avLst>
-              <a:gd name="adj1" fmla="val 29094"/>
-              <a:gd name="adj2" fmla="val 25610"/>
-            </a:avLst>
-          </a:prstGeom>
-          <a:solidFill>
-            <a:schemeClr val="bg1">
-              <a:lumMod val="95000"/>
-            </a:schemeClr>
-          </a:solidFill>
-          <a:ln>
-            <a:noFill/>
-          </a:ln>
-        </p:spPr>
-        <p:style>
-          <a:lnRef idx="2">
-            <a:schemeClr val="accent1">
-              <a:shade val="50000"/>
-            </a:schemeClr>
-          </a:lnRef>
-          <a:fillRef idx="1">
-            <a:schemeClr val="accent1"/>
-          </a:fillRef>
-          <a:effectRef idx="0">
-            <a:schemeClr val="accent1"/>
-          </a:effectRef>
-          <a:fontRef idx="minor">
-            <a:schemeClr val="lt1"/>
-          </a:fontRef>
-        </p:style>
-        <p:txBody>
-          <a:bodyPr rtlCol="0" anchor="ctr"/>
-          <a:lstStyle/>
-          <a:p>
-            <a:pPr algn="ctr"/>
-            <a:endParaRPr kumimoji="1" lang="ja-JP" altLang="en-US"/>
-          </a:p>
-        </p:txBody>
-      </p:sp>
-      <p:sp>
-        <p:nvSpPr>
-          <p:cNvPr id="59" name="L 字 58">
-            <a:extLst>
-              <a:ext uri="{FF2B5EF4-FFF2-40B4-BE49-F238E27FC236}">
-                <a16:creationId xmlns:a16="http://schemas.microsoft.com/office/drawing/2014/main" id="{3E2D07EA-BAA1-CE7E-4389-DCAA3B2B1114}"/>
-              </a:ext>
-            </a:extLst>
-          </p:cNvPr>
-          <p:cNvSpPr>
-            <a:spLocks noChangeAspect="1"/>
-          </p:cNvSpPr>
-          <p:nvPr/>
-        </p:nvSpPr>
-        <p:spPr>
-          <a:xfrm rot="8220467">
-            <a:off x="3555529" y="3524417"/>
-            <a:ext cx="77931" cy="77931"/>
-          </a:xfrm>
-          <a:prstGeom prst="corner">
-            <a:avLst>
-              <a:gd name="adj1" fmla="val 29094"/>
-              <a:gd name="adj2" fmla="val 25610"/>
-            </a:avLst>
-          </a:prstGeom>
-          <a:solidFill>
-            <a:schemeClr val="bg1">
-              <a:lumMod val="95000"/>
-            </a:schemeClr>
-          </a:solidFill>
-          <a:ln>
-            <a:noFill/>
-          </a:ln>
-        </p:spPr>
-        <p:style>
-          <a:lnRef idx="2">
-            <a:schemeClr val="accent1">
-              <a:shade val="50000"/>
-            </a:schemeClr>
-          </a:lnRef>
-          <a:fillRef idx="1">
-            <a:schemeClr val="accent1"/>
-          </a:fillRef>
-          <a:effectRef idx="0">
-            <a:schemeClr val="accent1"/>
-          </a:effectRef>
-          <a:fontRef idx="minor">
-            <a:schemeClr val="lt1"/>
-          </a:fontRef>
-        </p:style>
-        <p:txBody>
-          <a:bodyPr rtlCol="0" anchor="ctr"/>
-          <a:lstStyle/>
-          <a:p>
-            <a:pPr algn="ctr"/>
-            <a:endParaRPr kumimoji="1" lang="ja-JP" altLang="en-US"/>
-          </a:p>
-        </p:txBody>
-      </p:sp>
-      <p:sp>
-        <p:nvSpPr>
-          <p:cNvPr id="60" name="L 字 59">
-            <a:extLst>
-              <a:ext uri="{FF2B5EF4-FFF2-40B4-BE49-F238E27FC236}">
-                <a16:creationId xmlns:a16="http://schemas.microsoft.com/office/drawing/2014/main" id="{47940975-54AE-5E5C-58CD-1BDE0198B606}"/>
-              </a:ext>
-            </a:extLst>
-          </p:cNvPr>
-          <p:cNvSpPr>
-            <a:spLocks noChangeAspect="1"/>
-          </p:cNvSpPr>
-          <p:nvPr/>
-        </p:nvSpPr>
-        <p:spPr>
-          <a:xfrm rot="8220467">
-            <a:off x="3718103" y="3524418"/>
-            <a:ext cx="77931" cy="77931"/>
-          </a:xfrm>
-          <a:prstGeom prst="corner">
-            <a:avLst>
-              <a:gd name="adj1" fmla="val 29094"/>
-              <a:gd name="adj2" fmla="val 25610"/>
-            </a:avLst>
-          </a:prstGeom>
-          <a:solidFill>
-            <a:schemeClr val="bg1">
-              <a:lumMod val="95000"/>
-            </a:schemeClr>
-          </a:solidFill>
-          <a:ln>
-            <a:noFill/>
-          </a:ln>
-        </p:spPr>
-        <p:style>
-          <a:lnRef idx="2">
-            <a:schemeClr val="accent1">
-              <a:shade val="50000"/>
-            </a:schemeClr>
-          </a:lnRef>
-          <a:fillRef idx="1">
-            <a:schemeClr val="accent1"/>
-          </a:fillRef>
-          <a:effectRef idx="0">
-            <a:schemeClr val="accent1"/>
-          </a:effectRef>
-          <a:fontRef idx="minor">
-            <a:schemeClr val="lt1"/>
-          </a:fontRef>
-        </p:style>
-        <p:txBody>
-          <a:bodyPr rtlCol="0" anchor="ctr"/>
-          <a:lstStyle/>
-          <a:p>
-            <a:pPr algn="ctr"/>
-            <a:endParaRPr kumimoji="1" lang="ja-JP" altLang="en-US"/>
-          </a:p>
-        </p:txBody>
-      </p:sp>
-      <p:sp>
-        <p:nvSpPr>
-          <p:cNvPr id="61" name="L 字 60">
-            <a:extLst>
-              <a:ext uri="{FF2B5EF4-FFF2-40B4-BE49-F238E27FC236}">
-                <a16:creationId xmlns:a16="http://schemas.microsoft.com/office/drawing/2014/main" id="{9EF6BD18-38B2-5F29-C96B-7DF8CA25822C}"/>
-              </a:ext>
-            </a:extLst>
-          </p:cNvPr>
-          <p:cNvSpPr>
-            <a:spLocks noChangeAspect="1"/>
-          </p:cNvSpPr>
-          <p:nvPr/>
-        </p:nvSpPr>
-        <p:spPr>
-          <a:xfrm rot="8220467">
-            <a:off x="3880677" y="3524417"/>
-            <a:ext cx="77931" cy="77931"/>
-          </a:xfrm>
-          <a:prstGeom prst="corner">
-            <a:avLst>
-              <a:gd name="adj1" fmla="val 29094"/>
-              <a:gd name="adj2" fmla="val 25610"/>
-            </a:avLst>
-          </a:prstGeom>
-          <a:solidFill>
-            <a:schemeClr val="bg1">
-              <a:lumMod val="95000"/>
-            </a:schemeClr>
-          </a:solidFill>
-          <a:ln>
-            <a:noFill/>
-          </a:ln>
-        </p:spPr>
-        <p:style>
-          <a:lnRef idx="2">
-            <a:schemeClr val="accent1">
-              <a:shade val="50000"/>
-            </a:schemeClr>
-          </a:lnRef>
-          <a:fillRef idx="1">
-            <a:schemeClr val="accent1"/>
-          </a:fillRef>
-          <a:effectRef idx="0">
-            <a:schemeClr val="accent1"/>
-          </a:effectRef>
-          <a:fontRef idx="minor">
-            <a:schemeClr val="lt1"/>
-          </a:fontRef>
-        </p:style>
-        <p:txBody>
-          <a:bodyPr rtlCol="0" anchor="ctr"/>
-          <a:lstStyle/>
-          <a:p>
-            <a:pPr algn="ctr"/>
-            <a:endParaRPr kumimoji="1" lang="ja-JP" altLang="en-US"/>
-          </a:p>
-        </p:txBody>
-      </p:sp>
-      <p:sp>
-        <p:nvSpPr>
-          <p:cNvPr id="62" name="L 字 61">
-            <a:extLst>
-              <a:ext uri="{FF2B5EF4-FFF2-40B4-BE49-F238E27FC236}">
-                <a16:creationId xmlns:a16="http://schemas.microsoft.com/office/drawing/2014/main" id="{E63BC075-F1A9-3486-38A8-C02D46F01D18}"/>
-              </a:ext>
-            </a:extLst>
-          </p:cNvPr>
-          <p:cNvSpPr>
-            <a:spLocks noChangeAspect="1"/>
-          </p:cNvSpPr>
-          <p:nvPr/>
-        </p:nvSpPr>
-        <p:spPr>
-          <a:xfrm rot="8220467">
-            <a:off x="4043250" y="3524416"/>
-            <a:ext cx="77931" cy="77931"/>
-          </a:xfrm>
-          <a:prstGeom prst="corner">
-            <a:avLst>
-              <a:gd name="adj1" fmla="val 29094"/>
-              <a:gd name="adj2" fmla="val 25610"/>
-            </a:avLst>
-          </a:prstGeom>
-          <a:solidFill>
-            <a:schemeClr val="bg1">
-              <a:lumMod val="95000"/>
-            </a:schemeClr>
-          </a:solidFill>
-          <a:ln>
-            <a:noFill/>
-          </a:ln>
-        </p:spPr>
-        <p:style>
-          <a:lnRef idx="2">
-            <a:schemeClr val="accent1">
-              <a:shade val="50000"/>
-            </a:schemeClr>
-          </a:lnRef>
-          <a:fillRef idx="1">
-            <a:schemeClr val="accent1"/>
-          </a:fillRef>
-          <a:effectRef idx="0">
-            <a:schemeClr val="accent1"/>
-          </a:effectRef>
-          <a:fontRef idx="minor">
-            <a:schemeClr val="lt1"/>
-          </a:fontRef>
-        </p:style>
-        <p:txBody>
-          <a:bodyPr rtlCol="0" anchor="ctr"/>
-          <a:lstStyle/>
-          <a:p>
-            <a:pPr algn="ctr"/>
-            <a:endParaRPr kumimoji="1" lang="ja-JP" altLang="en-US"/>
-          </a:p>
-        </p:txBody>
-      </p:sp>
-      <p:sp>
-        <p:nvSpPr>
-          <p:cNvPr id="63" name="L 字 62">
-            <a:extLst>
-              <a:ext uri="{FF2B5EF4-FFF2-40B4-BE49-F238E27FC236}">
-                <a16:creationId xmlns:a16="http://schemas.microsoft.com/office/drawing/2014/main" id="{3E31D73C-4EE8-1691-15B8-0BD45CAA780B}"/>
-              </a:ext>
-            </a:extLst>
-          </p:cNvPr>
-          <p:cNvSpPr>
-            <a:spLocks noChangeAspect="1"/>
-          </p:cNvSpPr>
-          <p:nvPr/>
-        </p:nvSpPr>
-        <p:spPr>
-          <a:xfrm rot="8220467">
-            <a:off x="3469645" y="3634560"/>
-            <a:ext cx="77931" cy="77931"/>
-          </a:xfrm>
-          <a:prstGeom prst="corner">
-            <a:avLst>
-              <a:gd name="adj1" fmla="val 29094"/>
-              <a:gd name="adj2" fmla="val 25610"/>
-            </a:avLst>
-          </a:prstGeom>
-          <a:solidFill>
-            <a:schemeClr val="bg1">
-              <a:lumMod val="95000"/>
-            </a:schemeClr>
-          </a:solidFill>
-          <a:ln>
-            <a:noFill/>
-          </a:ln>
-        </p:spPr>
-        <p:style>
-          <a:lnRef idx="2">
-            <a:schemeClr val="accent1">
-              <a:shade val="50000"/>
-            </a:schemeClr>
-          </a:lnRef>
-          <a:fillRef idx="1">
-            <a:schemeClr val="accent1"/>
-          </a:fillRef>
-          <a:effectRef idx="0">
-            <a:schemeClr val="accent1"/>
-          </a:effectRef>
-          <a:fontRef idx="minor">
-            <a:schemeClr val="lt1"/>
-          </a:fontRef>
-        </p:style>
-        <p:txBody>
-          <a:bodyPr rtlCol="0" anchor="ctr"/>
-          <a:lstStyle/>
-          <a:p>
-            <a:pPr algn="ctr"/>
-            <a:endParaRPr kumimoji="1" lang="ja-JP" altLang="en-US"/>
-          </a:p>
-        </p:txBody>
-      </p:sp>
-      <p:sp>
-        <p:nvSpPr>
-          <p:cNvPr id="64" name="L 字 63">
-            <a:extLst>
-              <a:ext uri="{FF2B5EF4-FFF2-40B4-BE49-F238E27FC236}">
-                <a16:creationId xmlns:a16="http://schemas.microsoft.com/office/drawing/2014/main" id="{84F3E3CA-2A2B-D3CB-0E64-91B9F4E4649F}"/>
-              </a:ext>
-            </a:extLst>
-          </p:cNvPr>
-          <p:cNvSpPr>
-            <a:spLocks noChangeAspect="1"/>
-          </p:cNvSpPr>
-          <p:nvPr/>
-        </p:nvSpPr>
-        <p:spPr>
-          <a:xfrm rot="8220467">
-            <a:off x="3642814" y="3639073"/>
-            <a:ext cx="77931" cy="77931"/>
-          </a:xfrm>
-          <a:prstGeom prst="corner">
-            <a:avLst>
-              <a:gd name="adj1" fmla="val 29094"/>
-              <a:gd name="adj2" fmla="val 25610"/>
-            </a:avLst>
-          </a:prstGeom>
-          <a:solidFill>
-            <a:schemeClr val="bg1">
-              <a:lumMod val="95000"/>
-            </a:schemeClr>
-          </a:solidFill>
-          <a:ln>
-            <a:noFill/>
-          </a:ln>
-        </p:spPr>
-        <p:style>
-          <a:lnRef idx="2">
-            <a:schemeClr val="accent1">
-              <a:shade val="50000"/>
-            </a:schemeClr>
-          </a:lnRef>
-          <a:fillRef idx="1">
-            <a:schemeClr val="accent1"/>
-          </a:fillRef>
-          <a:effectRef idx="0">
-            <a:schemeClr val="accent1"/>
-          </a:effectRef>
-          <a:fontRef idx="minor">
-            <a:schemeClr val="lt1"/>
-          </a:fontRef>
-        </p:style>
-        <p:txBody>
-          <a:bodyPr rtlCol="0" anchor="ctr"/>
-          <a:lstStyle/>
-          <a:p>
-            <a:pPr algn="ctr"/>
-            <a:endParaRPr kumimoji="1" lang="ja-JP" altLang="en-US"/>
-          </a:p>
-        </p:txBody>
-      </p:sp>
-      <p:sp>
-        <p:nvSpPr>
-          <p:cNvPr id="65" name="L 字 64">
-            <a:extLst>
-              <a:ext uri="{FF2B5EF4-FFF2-40B4-BE49-F238E27FC236}">
-                <a16:creationId xmlns:a16="http://schemas.microsoft.com/office/drawing/2014/main" id="{321C412A-EC2A-8D16-9934-7436AEB814A2}"/>
-              </a:ext>
-            </a:extLst>
-          </p:cNvPr>
-          <p:cNvSpPr>
-            <a:spLocks noChangeAspect="1"/>
-          </p:cNvSpPr>
-          <p:nvPr/>
-        </p:nvSpPr>
-        <p:spPr>
-          <a:xfrm rot="8220467">
-            <a:off x="3803987" y="3634559"/>
-            <a:ext cx="77931" cy="77931"/>
-          </a:xfrm>
-          <a:prstGeom prst="corner">
-            <a:avLst>
-              <a:gd name="adj1" fmla="val 29094"/>
-              <a:gd name="adj2" fmla="val 25610"/>
-            </a:avLst>
-          </a:prstGeom>
-          <a:solidFill>
-            <a:schemeClr val="bg1">
-              <a:lumMod val="95000"/>
-            </a:schemeClr>
-          </a:solidFill>
-          <a:ln>
-            <a:noFill/>
-          </a:ln>
-        </p:spPr>
-        <p:style>
-          <a:lnRef idx="2">
-            <a:schemeClr val="accent1">
-              <a:shade val="50000"/>
-            </a:schemeClr>
-          </a:lnRef>
-          <a:fillRef idx="1">
-            <a:schemeClr val="accent1"/>
-          </a:fillRef>
-          <a:effectRef idx="0">
-            <a:schemeClr val="accent1"/>
-          </a:effectRef>
-          <a:fontRef idx="minor">
-            <a:schemeClr val="lt1"/>
-          </a:fontRef>
-        </p:style>
-        <p:txBody>
-          <a:bodyPr rtlCol="0" anchor="ctr"/>
-          <a:lstStyle/>
-          <a:p>
-            <a:pPr algn="ctr"/>
-            <a:endParaRPr kumimoji="1" lang="ja-JP" altLang="en-US"/>
-          </a:p>
-        </p:txBody>
-      </p:sp>
-      <p:sp>
-        <p:nvSpPr>
-          <p:cNvPr id="66" name="L 字 65">
-            <a:extLst>
-              <a:ext uri="{FF2B5EF4-FFF2-40B4-BE49-F238E27FC236}">
-                <a16:creationId xmlns:a16="http://schemas.microsoft.com/office/drawing/2014/main" id="{4C2652C5-8B95-C98E-8DF7-3A55ECE62851}"/>
-              </a:ext>
-            </a:extLst>
-          </p:cNvPr>
-          <p:cNvSpPr>
-            <a:spLocks noChangeAspect="1"/>
-          </p:cNvSpPr>
-          <p:nvPr/>
-        </p:nvSpPr>
-        <p:spPr>
-          <a:xfrm rot="8220467">
-            <a:off x="3967459" y="3634560"/>
-            <a:ext cx="77931" cy="77931"/>
-          </a:xfrm>
-          <a:prstGeom prst="corner">
-            <a:avLst>
-              <a:gd name="adj1" fmla="val 29094"/>
-              <a:gd name="adj2" fmla="val 25610"/>
-            </a:avLst>
-          </a:prstGeom>
-          <a:solidFill>
-            <a:schemeClr val="bg1">
-              <a:lumMod val="95000"/>
-            </a:schemeClr>
-          </a:solidFill>
-          <a:ln>
-            <a:noFill/>
-          </a:ln>
-        </p:spPr>
-        <p:style>
-          <a:lnRef idx="2">
-            <a:schemeClr val="accent1">
-              <a:shade val="50000"/>
-            </a:schemeClr>
-          </a:lnRef>
-          <a:fillRef idx="1">
-            <a:schemeClr val="accent1"/>
-          </a:fillRef>
-          <a:effectRef idx="0">
-            <a:schemeClr val="accent1"/>
-          </a:effectRef>
-          <a:fontRef idx="minor">
-            <a:schemeClr val="lt1"/>
-          </a:fontRef>
-        </p:style>
-        <p:txBody>
-          <a:bodyPr rtlCol="0" anchor="ctr"/>
-          <a:lstStyle/>
-          <a:p>
-            <a:pPr algn="ctr"/>
-            <a:endParaRPr kumimoji="1" lang="ja-JP" altLang="en-US"/>
-          </a:p>
-        </p:txBody>
-      </p:sp>
-      <p:sp>
-        <p:nvSpPr>
-          <p:cNvPr id="68" name="L 字 67">
-            <a:extLst>
-              <a:ext uri="{FF2B5EF4-FFF2-40B4-BE49-F238E27FC236}">
-                <a16:creationId xmlns:a16="http://schemas.microsoft.com/office/drawing/2014/main" id="{CD2023E6-5B7C-4851-5B08-7D6A3C7467D3}"/>
-              </a:ext>
-            </a:extLst>
-          </p:cNvPr>
-          <p:cNvSpPr>
-            <a:spLocks noChangeAspect="1"/>
-          </p:cNvSpPr>
-          <p:nvPr/>
-        </p:nvSpPr>
-        <p:spPr>
-          <a:xfrm rot="8220467">
-            <a:off x="3388098" y="3753728"/>
-            <a:ext cx="77931" cy="77931"/>
-          </a:xfrm>
-          <a:prstGeom prst="corner">
-            <a:avLst>
-              <a:gd name="adj1" fmla="val 29094"/>
-              <a:gd name="adj2" fmla="val 25610"/>
-            </a:avLst>
-          </a:prstGeom>
-          <a:solidFill>
-            <a:schemeClr val="bg1">
-              <a:lumMod val="95000"/>
-            </a:schemeClr>
-          </a:solidFill>
-          <a:ln>
-            <a:noFill/>
-          </a:ln>
-        </p:spPr>
-        <p:style>
-          <a:lnRef idx="2">
-            <a:schemeClr val="accent1">
-              <a:shade val="50000"/>
-            </a:schemeClr>
-          </a:lnRef>
-          <a:fillRef idx="1">
-            <a:schemeClr val="accent1"/>
-          </a:fillRef>
-          <a:effectRef idx="0">
-            <a:schemeClr val="accent1"/>
-          </a:effectRef>
-          <a:fontRef idx="minor">
-            <a:schemeClr val="lt1"/>
-          </a:fontRef>
-        </p:style>
-        <p:txBody>
-          <a:bodyPr rtlCol="0" anchor="ctr"/>
-          <a:lstStyle/>
-          <a:p>
-            <a:pPr algn="ctr"/>
-            <a:endParaRPr kumimoji="1" lang="ja-JP" altLang="en-US"/>
-          </a:p>
-        </p:txBody>
-      </p:sp>
-      <p:sp>
-        <p:nvSpPr>
-          <p:cNvPr id="69" name="L 字 68">
-            <a:extLst>
-              <a:ext uri="{FF2B5EF4-FFF2-40B4-BE49-F238E27FC236}">
-                <a16:creationId xmlns:a16="http://schemas.microsoft.com/office/drawing/2014/main" id="{2231C39F-73A7-AC09-0F90-45304BEB21C2}"/>
-              </a:ext>
-            </a:extLst>
-          </p:cNvPr>
-          <p:cNvSpPr>
-            <a:spLocks noChangeAspect="1"/>
-          </p:cNvSpPr>
-          <p:nvPr/>
-        </p:nvSpPr>
-        <p:spPr>
-          <a:xfrm rot="8220467">
-            <a:off x="3555531" y="3753727"/>
-            <a:ext cx="77931" cy="77931"/>
-          </a:xfrm>
-          <a:prstGeom prst="corner">
-            <a:avLst>
-              <a:gd name="adj1" fmla="val 29094"/>
-              <a:gd name="adj2" fmla="val 25610"/>
-            </a:avLst>
-          </a:prstGeom>
-          <a:solidFill>
-            <a:schemeClr val="bg1">
-              <a:lumMod val="95000"/>
-            </a:schemeClr>
-          </a:solidFill>
-          <a:ln>
-            <a:noFill/>
-          </a:ln>
-        </p:spPr>
-        <p:style>
-          <a:lnRef idx="2">
-            <a:schemeClr val="accent1">
-              <a:shade val="50000"/>
-            </a:schemeClr>
-          </a:lnRef>
-          <a:fillRef idx="1">
-            <a:schemeClr val="accent1"/>
-          </a:fillRef>
-          <a:effectRef idx="0">
-            <a:schemeClr val="accent1"/>
-          </a:effectRef>
-          <a:fontRef idx="minor">
-            <a:schemeClr val="lt1"/>
-          </a:fontRef>
-        </p:style>
-        <p:txBody>
-          <a:bodyPr rtlCol="0" anchor="ctr"/>
-          <a:lstStyle/>
-          <a:p>
-            <a:pPr algn="ctr"/>
-            <a:endParaRPr kumimoji="1" lang="ja-JP" altLang="en-US"/>
-          </a:p>
-        </p:txBody>
-      </p:sp>
-      <p:sp>
-        <p:nvSpPr>
-          <p:cNvPr id="70" name="L 字 69">
-            <a:extLst>
-              <a:ext uri="{FF2B5EF4-FFF2-40B4-BE49-F238E27FC236}">
-                <a16:creationId xmlns:a16="http://schemas.microsoft.com/office/drawing/2014/main" id="{698A5178-99D4-5A1B-9043-E13EE4F0163F}"/>
-              </a:ext>
-            </a:extLst>
-          </p:cNvPr>
-          <p:cNvSpPr>
-            <a:spLocks noChangeAspect="1"/>
-          </p:cNvSpPr>
-          <p:nvPr/>
-        </p:nvSpPr>
-        <p:spPr>
-          <a:xfrm rot="8220467">
-            <a:off x="3718105" y="3753728"/>
-            <a:ext cx="77931" cy="77931"/>
-          </a:xfrm>
-          <a:prstGeom prst="corner">
-            <a:avLst>
-              <a:gd name="adj1" fmla="val 29094"/>
-              <a:gd name="adj2" fmla="val 25610"/>
-            </a:avLst>
-          </a:prstGeom>
-          <a:solidFill>
-            <a:schemeClr val="bg1">
-              <a:lumMod val="95000"/>
-            </a:schemeClr>
-          </a:solidFill>
-          <a:ln>
-            <a:noFill/>
-          </a:ln>
-        </p:spPr>
-        <p:style>
-          <a:lnRef idx="2">
-            <a:schemeClr val="accent1">
-              <a:shade val="50000"/>
-            </a:schemeClr>
-          </a:lnRef>
-          <a:fillRef idx="1">
-            <a:schemeClr val="accent1"/>
-          </a:fillRef>
-          <a:effectRef idx="0">
-            <a:schemeClr val="accent1"/>
-          </a:effectRef>
-          <a:fontRef idx="minor">
-            <a:schemeClr val="lt1"/>
-          </a:fontRef>
-        </p:style>
-        <p:txBody>
-          <a:bodyPr rtlCol="0" anchor="ctr"/>
-          <a:lstStyle/>
-          <a:p>
-            <a:pPr algn="ctr"/>
-            <a:endParaRPr kumimoji="1" lang="ja-JP" altLang="en-US"/>
-          </a:p>
-        </p:txBody>
-      </p:sp>
-      <p:sp>
-        <p:nvSpPr>
-          <p:cNvPr id="71" name="L 字 70">
-            <a:extLst>
-              <a:ext uri="{FF2B5EF4-FFF2-40B4-BE49-F238E27FC236}">
-                <a16:creationId xmlns:a16="http://schemas.microsoft.com/office/drawing/2014/main" id="{8C10D47C-B800-96ED-0F61-A9E069BC758F}"/>
-              </a:ext>
-            </a:extLst>
-          </p:cNvPr>
-          <p:cNvSpPr>
-            <a:spLocks noChangeAspect="1"/>
-          </p:cNvSpPr>
-          <p:nvPr/>
-        </p:nvSpPr>
-        <p:spPr>
-          <a:xfrm rot="8220467">
-            <a:off x="3880679" y="3753727"/>
-            <a:ext cx="77931" cy="77931"/>
-          </a:xfrm>
-          <a:prstGeom prst="corner">
-            <a:avLst>
-              <a:gd name="adj1" fmla="val 29094"/>
-              <a:gd name="adj2" fmla="val 25610"/>
-            </a:avLst>
-          </a:prstGeom>
-          <a:solidFill>
-            <a:schemeClr val="bg1">
-              <a:lumMod val="95000"/>
-            </a:schemeClr>
-          </a:solidFill>
-          <a:ln>
-            <a:noFill/>
-          </a:ln>
-        </p:spPr>
-        <p:style>
-          <a:lnRef idx="2">
-            <a:schemeClr val="accent1">
-              <a:shade val="50000"/>
-            </a:schemeClr>
-          </a:lnRef>
-          <a:fillRef idx="1">
-            <a:schemeClr val="accent1"/>
-          </a:fillRef>
-          <a:effectRef idx="0">
-            <a:schemeClr val="accent1"/>
-          </a:effectRef>
-          <a:fontRef idx="minor">
-            <a:schemeClr val="lt1"/>
-          </a:fontRef>
-        </p:style>
-        <p:txBody>
-          <a:bodyPr rtlCol="0" anchor="ctr"/>
-          <a:lstStyle/>
-          <a:p>
-            <a:pPr algn="ctr"/>
-            <a:endParaRPr kumimoji="1" lang="ja-JP" altLang="en-US"/>
-          </a:p>
-        </p:txBody>
-      </p:sp>
-      <p:sp>
-        <p:nvSpPr>
-          <p:cNvPr id="72" name="L 字 71">
-            <a:extLst>
-              <a:ext uri="{FF2B5EF4-FFF2-40B4-BE49-F238E27FC236}">
-                <a16:creationId xmlns:a16="http://schemas.microsoft.com/office/drawing/2014/main" id="{6875177F-2111-029E-7787-7D9C97219968}"/>
-              </a:ext>
-            </a:extLst>
-          </p:cNvPr>
-          <p:cNvSpPr>
-            <a:spLocks noChangeAspect="1"/>
-          </p:cNvSpPr>
-          <p:nvPr/>
-        </p:nvSpPr>
-        <p:spPr>
-          <a:xfrm rot="8220467">
-            <a:off x="4043252" y="3753726"/>
-            <a:ext cx="77931" cy="77931"/>
-          </a:xfrm>
-          <a:prstGeom prst="corner">
-            <a:avLst>
-              <a:gd name="adj1" fmla="val 29094"/>
-              <a:gd name="adj2" fmla="val 25610"/>
-            </a:avLst>
-          </a:prstGeom>
-          <a:solidFill>
-            <a:schemeClr val="bg1">
-              <a:lumMod val="95000"/>
-            </a:schemeClr>
-          </a:solidFill>
-          <a:ln>
-            <a:noFill/>
-          </a:ln>
-        </p:spPr>
-        <p:style>
-          <a:lnRef idx="2">
-            <a:schemeClr val="accent1">
-              <a:shade val="50000"/>
-            </a:schemeClr>
-          </a:lnRef>
-          <a:fillRef idx="1">
-            <a:schemeClr val="accent1"/>
-          </a:fillRef>
-          <a:effectRef idx="0">
-            <a:schemeClr val="accent1"/>
-          </a:effectRef>
-          <a:fontRef idx="minor">
-            <a:schemeClr val="lt1"/>
-          </a:fontRef>
-        </p:style>
-        <p:txBody>
-          <a:bodyPr rtlCol="0" anchor="ctr"/>
-          <a:lstStyle/>
-          <a:p>
-            <a:pPr algn="ctr"/>
-            <a:endParaRPr kumimoji="1" lang="ja-JP" altLang="en-US"/>
-          </a:p>
-        </p:txBody>
-      </p:sp>
-      <p:sp>
-        <p:nvSpPr>
-          <p:cNvPr id="73" name="L 字 72">
-            <a:extLst>
-              <a:ext uri="{FF2B5EF4-FFF2-40B4-BE49-F238E27FC236}">
-                <a16:creationId xmlns:a16="http://schemas.microsoft.com/office/drawing/2014/main" id="{06CC9E45-8A04-B5F9-039A-9254C97E71ED}"/>
-              </a:ext>
-            </a:extLst>
-          </p:cNvPr>
-          <p:cNvSpPr>
-            <a:spLocks noChangeAspect="1"/>
-          </p:cNvSpPr>
-          <p:nvPr/>
-        </p:nvSpPr>
-        <p:spPr>
-          <a:xfrm rot="8220467">
-            <a:off x="3473554" y="3865709"/>
-            <a:ext cx="77931" cy="77931"/>
-          </a:xfrm>
-          <a:prstGeom prst="corner">
-            <a:avLst>
-              <a:gd name="adj1" fmla="val 29094"/>
-              <a:gd name="adj2" fmla="val 25610"/>
-            </a:avLst>
-          </a:prstGeom>
-          <a:solidFill>
-            <a:schemeClr val="bg1">
-              <a:lumMod val="95000"/>
-            </a:schemeClr>
-          </a:solidFill>
-          <a:ln>
-            <a:noFill/>
-          </a:ln>
-        </p:spPr>
-        <p:style>
-          <a:lnRef idx="2">
-            <a:schemeClr val="accent1">
-              <a:shade val="50000"/>
-            </a:schemeClr>
-          </a:lnRef>
-          <a:fillRef idx="1">
-            <a:schemeClr val="accent1"/>
-          </a:fillRef>
-          <a:effectRef idx="0">
-            <a:schemeClr val="accent1"/>
-          </a:effectRef>
-          <a:fontRef idx="minor">
-            <a:schemeClr val="lt1"/>
-          </a:fontRef>
-        </p:style>
-        <p:txBody>
-          <a:bodyPr rtlCol="0" anchor="ctr"/>
-          <a:lstStyle/>
-          <a:p>
-            <a:pPr algn="ctr"/>
-            <a:endParaRPr kumimoji="1" lang="ja-JP" altLang="en-US"/>
-          </a:p>
-        </p:txBody>
-      </p:sp>
-      <p:sp>
-        <p:nvSpPr>
-          <p:cNvPr id="74" name="L 字 73">
-            <a:extLst>
-              <a:ext uri="{FF2B5EF4-FFF2-40B4-BE49-F238E27FC236}">
-                <a16:creationId xmlns:a16="http://schemas.microsoft.com/office/drawing/2014/main" id="{44FD60EE-8C32-E41C-E397-8AFA85A5B667}"/>
-              </a:ext>
-            </a:extLst>
-          </p:cNvPr>
-          <p:cNvSpPr>
-            <a:spLocks noChangeAspect="1"/>
-          </p:cNvSpPr>
-          <p:nvPr/>
-        </p:nvSpPr>
-        <p:spPr>
-          <a:xfrm rot="8220467">
-            <a:off x="3646723" y="3870222"/>
-            <a:ext cx="77931" cy="77931"/>
-          </a:xfrm>
-          <a:prstGeom prst="corner">
-            <a:avLst>
-              <a:gd name="adj1" fmla="val 29094"/>
-              <a:gd name="adj2" fmla="val 25610"/>
-            </a:avLst>
-          </a:prstGeom>
-          <a:solidFill>
-            <a:schemeClr val="bg1">
-              <a:lumMod val="95000"/>
-            </a:schemeClr>
-          </a:solidFill>
-          <a:ln>
-            <a:noFill/>
-          </a:ln>
-        </p:spPr>
-        <p:style>
-          <a:lnRef idx="2">
-            <a:schemeClr val="accent1">
-              <a:shade val="50000"/>
-            </a:schemeClr>
-          </a:lnRef>
-          <a:fillRef idx="1">
-            <a:schemeClr val="accent1"/>
-          </a:fillRef>
-          <a:effectRef idx="0">
-            <a:schemeClr val="accent1"/>
-          </a:effectRef>
-          <a:fontRef idx="minor">
-            <a:schemeClr val="lt1"/>
-          </a:fontRef>
-        </p:style>
-        <p:txBody>
-          <a:bodyPr rtlCol="0" anchor="ctr"/>
-          <a:lstStyle/>
-          <a:p>
-            <a:pPr algn="ctr"/>
-            <a:endParaRPr kumimoji="1" lang="ja-JP" altLang="en-US"/>
-          </a:p>
-        </p:txBody>
-      </p:sp>
-      <p:sp>
-        <p:nvSpPr>
-          <p:cNvPr id="75" name="L 字 74">
-            <a:extLst>
-              <a:ext uri="{FF2B5EF4-FFF2-40B4-BE49-F238E27FC236}">
-                <a16:creationId xmlns:a16="http://schemas.microsoft.com/office/drawing/2014/main" id="{936DCD4F-78B3-B89F-21D0-52DD53CADF6C}"/>
-              </a:ext>
-            </a:extLst>
-          </p:cNvPr>
-          <p:cNvSpPr>
-            <a:spLocks noChangeAspect="1"/>
-          </p:cNvSpPr>
-          <p:nvPr/>
-        </p:nvSpPr>
-        <p:spPr>
-          <a:xfrm rot="8220467">
-            <a:off x="3807896" y="3865708"/>
-            <a:ext cx="77931" cy="77931"/>
-          </a:xfrm>
-          <a:prstGeom prst="corner">
-            <a:avLst>
-              <a:gd name="adj1" fmla="val 29094"/>
-              <a:gd name="adj2" fmla="val 25610"/>
-            </a:avLst>
-          </a:prstGeom>
-          <a:solidFill>
-            <a:schemeClr val="bg1">
-              <a:lumMod val="95000"/>
-            </a:schemeClr>
-          </a:solidFill>
-          <a:ln>
-            <a:noFill/>
-          </a:ln>
-        </p:spPr>
-        <p:style>
-          <a:lnRef idx="2">
-            <a:schemeClr val="accent1">
-              <a:shade val="50000"/>
-            </a:schemeClr>
-          </a:lnRef>
-          <a:fillRef idx="1">
-            <a:schemeClr val="accent1"/>
-          </a:fillRef>
-          <a:effectRef idx="0">
-            <a:schemeClr val="accent1"/>
-          </a:effectRef>
-          <a:fontRef idx="minor">
-            <a:schemeClr val="lt1"/>
-          </a:fontRef>
-        </p:style>
-        <p:txBody>
-          <a:bodyPr rtlCol="0" anchor="ctr"/>
-          <a:lstStyle/>
-          <a:p>
-            <a:pPr algn="ctr"/>
-            <a:endParaRPr kumimoji="1" lang="ja-JP" altLang="en-US"/>
-          </a:p>
-        </p:txBody>
-      </p:sp>
-      <p:sp>
-        <p:nvSpPr>
-          <p:cNvPr id="76" name="L 字 75">
-            <a:extLst>
-              <a:ext uri="{FF2B5EF4-FFF2-40B4-BE49-F238E27FC236}">
-                <a16:creationId xmlns:a16="http://schemas.microsoft.com/office/drawing/2014/main" id="{744213E7-8966-6EB9-389C-26A43937ABA2}"/>
-              </a:ext>
-            </a:extLst>
-          </p:cNvPr>
-          <p:cNvSpPr>
-            <a:spLocks noChangeAspect="1"/>
-          </p:cNvSpPr>
-          <p:nvPr/>
-        </p:nvSpPr>
-        <p:spPr>
-          <a:xfrm rot="8220467">
-            <a:off x="3971368" y="3865709"/>
-            <a:ext cx="77931" cy="77931"/>
-          </a:xfrm>
-          <a:prstGeom prst="corner">
-            <a:avLst>
-              <a:gd name="adj1" fmla="val 29094"/>
-              <a:gd name="adj2" fmla="val 25610"/>
-            </a:avLst>
-          </a:prstGeom>
-          <a:solidFill>
-            <a:schemeClr val="bg1">
-              <a:lumMod val="95000"/>
-            </a:schemeClr>
-          </a:solidFill>
-          <a:ln>
-            <a:noFill/>
-          </a:ln>
-        </p:spPr>
-        <p:style>
-          <a:lnRef idx="2">
-            <a:schemeClr val="accent1">
-              <a:shade val="50000"/>
-            </a:schemeClr>
-          </a:lnRef>
-          <a:fillRef idx="1">
-            <a:schemeClr val="accent1"/>
-          </a:fillRef>
-          <a:effectRef idx="0">
-            <a:schemeClr val="accent1"/>
-          </a:effectRef>
-          <a:fontRef idx="minor">
-            <a:schemeClr val="lt1"/>
-          </a:fontRef>
-        </p:style>
-        <p:txBody>
-          <a:bodyPr rtlCol="0" anchor="ctr"/>
-          <a:lstStyle/>
-          <a:p>
-            <a:pPr algn="ctr"/>
-            <a:endParaRPr kumimoji="1" lang="ja-JP" altLang="en-US"/>
-          </a:p>
-        </p:txBody>
-      </p:sp>
-      <p:sp>
-        <p:nvSpPr>
-          <p:cNvPr id="81" name="L 字 80">
-            <a:extLst>
-              <a:ext uri="{FF2B5EF4-FFF2-40B4-BE49-F238E27FC236}">
-                <a16:creationId xmlns:a16="http://schemas.microsoft.com/office/drawing/2014/main" id="{314846C1-6B44-20E6-5385-0E385AA90B31}"/>
-              </a:ext>
-            </a:extLst>
-          </p:cNvPr>
-          <p:cNvSpPr>
-            <a:spLocks noChangeAspect="1"/>
-          </p:cNvSpPr>
-          <p:nvPr/>
-        </p:nvSpPr>
-        <p:spPr>
-          <a:xfrm rot="8220467">
-            <a:off x="3388097" y="3982202"/>
-            <a:ext cx="77931" cy="77931"/>
-          </a:xfrm>
-          <a:prstGeom prst="corner">
-            <a:avLst>
-              <a:gd name="adj1" fmla="val 29094"/>
-              <a:gd name="adj2" fmla="val 25610"/>
-            </a:avLst>
-          </a:prstGeom>
-          <a:solidFill>
-            <a:schemeClr val="bg1">
-              <a:lumMod val="95000"/>
-            </a:schemeClr>
-          </a:solidFill>
-          <a:ln>
-            <a:noFill/>
-          </a:ln>
-        </p:spPr>
-        <p:style>
-          <a:lnRef idx="2">
-            <a:schemeClr val="accent1">
-              <a:shade val="50000"/>
-            </a:schemeClr>
-          </a:lnRef>
-          <a:fillRef idx="1">
-            <a:schemeClr val="accent1"/>
-          </a:fillRef>
-          <a:effectRef idx="0">
-            <a:schemeClr val="accent1"/>
-          </a:effectRef>
-          <a:fontRef idx="minor">
-            <a:schemeClr val="lt1"/>
-          </a:fontRef>
-        </p:style>
-        <p:txBody>
-          <a:bodyPr rtlCol="0" anchor="ctr"/>
-          <a:lstStyle/>
-          <a:p>
-            <a:pPr algn="ctr"/>
-            <a:endParaRPr kumimoji="1" lang="ja-JP" altLang="en-US"/>
-          </a:p>
-        </p:txBody>
-      </p:sp>
-      <p:sp>
-        <p:nvSpPr>
-          <p:cNvPr id="82" name="L 字 81">
-            <a:extLst>
-              <a:ext uri="{FF2B5EF4-FFF2-40B4-BE49-F238E27FC236}">
-                <a16:creationId xmlns:a16="http://schemas.microsoft.com/office/drawing/2014/main" id="{DC84E7A6-66A6-67F2-9EE5-38C87831E3B4}"/>
-              </a:ext>
-            </a:extLst>
-          </p:cNvPr>
-          <p:cNvSpPr>
-            <a:spLocks noChangeAspect="1"/>
-          </p:cNvSpPr>
-          <p:nvPr/>
-        </p:nvSpPr>
-        <p:spPr>
-          <a:xfrm rot="8220467">
-            <a:off x="3555530" y="3982201"/>
-            <a:ext cx="77931" cy="77931"/>
-          </a:xfrm>
-          <a:prstGeom prst="corner">
-            <a:avLst>
-              <a:gd name="adj1" fmla="val 29094"/>
-              <a:gd name="adj2" fmla="val 25610"/>
-            </a:avLst>
-          </a:prstGeom>
-          <a:solidFill>
-            <a:schemeClr val="bg1">
-              <a:lumMod val="95000"/>
-            </a:schemeClr>
-          </a:solidFill>
-          <a:ln>
-            <a:noFill/>
-          </a:ln>
-        </p:spPr>
-        <p:style>
-          <a:lnRef idx="2">
-            <a:schemeClr val="accent1">
-              <a:shade val="50000"/>
-            </a:schemeClr>
-          </a:lnRef>
-          <a:fillRef idx="1">
-            <a:schemeClr val="accent1"/>
-          </a:fillRef>
-          <a:effectRef idx="0">
-            <a:schemeClr val="accent1"/>
-          </a:effectRef>
-          <a:fontRef idx="minor">
-            <a:schemeClr val="lt1"/>
-          </a:fontRef>
-        </p:style>
-        <p:txBody>
-          <a:bodyPr rtlCol="0" anchor="ctr"/>
-          <a:lstStyle/>
-          <a:p>
-            <a:pPr algn="ctr"/>
-            <a:endParaRPr kumimoji="1" lang="ja-JP" altLang="en-US"/>
-          </a:p>
-        </p:txBody>
-      </p:sp>
-      <p:sp>
-        <p:nvSpPr>
-          <p:cNvPr id="83" name="L 字 82">
-            <a:extLst>
-              <a:ext uri="{FF2B5EF4-FFF2-40B4-BE49-F238E27FC236}">
-                <a16:creationId xmlns:a16="http://schemas.microsoft.com/office/drawing/2014/main" id="{03A3F901-CB11-A563-1669-5508712A9CA9}"/>
-              </a:ext>
-            </a:extLst>
-          </p:cNvPr>
-          <p:cNvSpPr>
-            <a:spLocks noChangeAspect="1"/>
-          </p:cNvSpPr>
-          <p:nvPr/>
-        </p:nvSpPr>
-        <p:spPr>
-          <a:xfrm rot="8220467">
-            <a:off x="3718104" y="3982202"/>
-            <a:ext cx="77931" cy="77931"/>
-          </a:xfrm>
-          <a:prstGeom prst="corner">
-            <a:avLst>
-              <a:gd name="adj1" fmla="val 29094"/>
-              <a:gd name="adj2" fmla="val 25610"/>
-            </a:avLst>
-          </a:prstGeom>
-          <a:solidFill>
-            <a:schemeClr val="bg1">
-              <a:lumMod val="95000"/>
-            </a:schemeClr>
-          </a:solidFill>
-          <a:ln>
-            <a:noFill/>
-          </a:ln>
-        </p:spPr>
-        <p:style>
-          <a:lnRef idx="2">
-            <a:schemeClr val="accent1">
-              <a:shade val="50000"/>
-            </a:schemeClr>
-          </a:lnRef>
-          <a:fillRef idx="1">
-            <a:schemeClr val="accent1"/>
-          </a:fillRef>
-          <a:effectRef idx="0">
-            <a:schemeClr val="accent1"/>
-          </a:effectRef>
-          <a:fontRef idx="minor">
-            <a:schemeClr val="lt1"/>
-          </a:fontRef>
-        </p:style>
-        <p:txBody>
-          <a:bodyPr rtlCol="0" anchor="ctr"/>
-          <a:lstStyle/>
-          <a:p>
-            <a:pPr algn="ctr"/>
-            <a:endParaRPr kumimoji="1" lang="ja-JP" altLang="en-US"/>
-          </a:p>
-        </p:txBody>
-      </p:sp>
-      <p:sp>
-        <p:nvSpPr>
-          <p:cNvPr id="84" name="L 字 83">
-            <a:extLst>
-              <a:ext uri="{FF2B5EF4-FFF2-40B4-BE49-F238E27FC236}">
-                <a16:creationId xmlns:a16="http://schemas.microsoft.com/office/drawing/2014/main" id="{7635DCE0-456A-35C7-2AFD-F3622BC4547E}"/>
-              </a:ext>
-            </a:extLst>
-          </p:cNvPr>
-          <p:cNvSpPr>
-            <a:spLocks noChangeAspect="1"/>
-          </p:cNvSpPr>
-          <p:nvPr/>
-        </p:nvSpPr>
-        <p:spPr>
-          <a:xfrm rot="8220467">
-            <a:off x="3880678" y="3982201"/>
-            <a:ext cx="77931" cy="77931"/>
-          </a:xfrm>
-          <a:prstGeom prst="corner">
-            <a:avLst>
-              <a:gd name="adj1" fmla="val 29094"/>
-              <a:gd name="adj2" fmla="val 25610"/>
-            </a:avLst>
-          </a:prstGeom>
-          <a:solidFill>
-            <a:schemeClr val="bg1">
-              <a:lumMod val="95000"/>
-            </a:schemeClr>
-          </a:solidFill>
-          <a:ln>
-            <a:noFill/>
-          </a:ln>
-        </p:spPr>
-        <p:style>
-          <a:lnRef idx="2">
-            <a:schemeClr val="accent1">
-              <a:shade val="50000"/>
-            </a:schemeClr>
-          </a:lnRef>
-          <a:fillRef idx="1">
-            <a:schemeClr val="accent1"/>
-          </a:fillRef>
-          <a:effectRef idx="0">
-            <a:schemeClr val="accent1"/>
-          </a:effectRef>
-          <a:fontRef idx="minor">
-            <a:schemeClr val="lt1"/>
-          </a:fontRef>
-        </p:style>
-        <p:txBody>
-          <a:bodyPr rtlCol="0" anchor="ctr"/>
-          <a:lstStyle/>
-          <a:p>
-            <a:pPr algn="ctr"/>
-            <a:endParaRPr kumimoji="1" lang="ja-JP" altLang="en-US"/>
-          </a:p>
-        </p:txBody>
-      </p:sp>
-      <p:sp>
-        <p:nvSpPr>
-          <p:cNvPr id="85" name="L 字 84">
-            <a:extLst>
-              <a:ext uri="{FF2B5EF4-FFF2-40B4-BE49-F238E27FC236}">
-                <a16:creationId xmlns:a16="http://schemas.microsoft.com/office/drawing/2014/main" id="{9282D0CD-EDD9-5538-711D-4C27730B86B5}"/>
-              </a:ext>
-            </a:extLst>
-          </p:cNvPr>
-          <p:cNvSpPr>
-            <a:spLocks noChangeAspect="1"/>
-          </p:cNvSpPr>
-          <p:nvPr/>
-        </p:nvSpPr>
-        <p:spPr>
-          <a:xfrm rot="8220467">
-            <a:off x="4043251" y="3982200"/>
-            <a:ext cx="77931" cy="77931"/>
-          </a:xfrm>
-          <a:prstGeom prst="corner">
-            <a:avLst>
-              <a:gd name="adj1" fmla="val 29094"/>
-              <a:gd name="adj2" fmla="val 25610"/>
-            </a:avLst>
-          </a:prstGeom>
-          <a:solidFill>
-            <a:schemeClr val="bg1">
-              <a:lumMod val="95000"/>
-            </a:schemeClr>
-          </a:solidFill>
-          <a:ln>
-            <a:noFill/>
-          </a:ln>
-        </p:spPr>
-        <p:style>
-          <a:lnRef idx="2">
-            <a:schemeClr val="accent1">
-              <a:shade val="50000"/>
-            </a:schemeClr>
-          </a:lnRef>
-          <a:fillRef idx="1">
-            <a:schemeClr val="accent1"/>
-          </a:fillRef>
-          <a:effectRef idx="0">
-            <a:schemeClr val="accent1"/>
-          </a:effectRef>
-          <a:fontRef idx="minor">
-            <a:schemeClr val="lt1"/>
-          </a:fontRef>
-        </p:style>
-        <p:txBody>
-          <a:bodyPr rtlCol="0" anchor="ctr"/>
-          <a:lstStyle/>
-          <a:p>
-            <a:pPr algn="ctr"/>
-            <a:endParaRPr kumimoji="1" lang="ja-JP" altLang="en-US"/>
-          </a:p>
-        </p:txBody>
-      </p:sp>
-    </p:spTree>
-    <p:extLst>
-      <p:ext uri="{BB962C8B-B14F-4D97-AF65-F5344CB8AC3E}">
-        <p14:creationId xmlns:p14="http://schemas.microsoft.com/office/powerpoint/2010/main" val="2102292559"/>
-      </p:ext>
-    </p:extLst>
-  </p:cSld>
-  <p:clrMapOvr>
-    <a:masterClrMapping/>
-  </p:clrMapOvr>
-</p:sld>
-</file>
-
 <file path=ppt/slides/slide25.xml><?xml version="1.0" encoding="utf-8"?>
 <p:sld xmlns:a="http://schemas.openxmlformats.org/drawingml/2006/main" xmlns:r="http://schemas.openxmlformats.org/officeDocument/2006/relationships" xmlns:p="http://schemas.openxmlformats.org/presentationml/2006/main">
   <p:cSld>
@@ -15776,6 +14565,1499 @@
             <a:avLst/>
           </a:prstGeom>
           <a:solidFill>
+            <a:srgbClr val="3ABFF8"/>
+          </a:solidFill>
+          <a:ln w="38100">
+            <a:noFill/>
+          </a:ln>
+        </p:spPr>
+        <p:style>
+          <a:lnRef idx="2">
+            <a:schemeClr val="accent1">
+              <a:shade val="50000"/>
+            </a:schemeClr>
+          </a:lnRef>
+          <a:fillRef idx="1">
+            <a:schemeClr val="accent1"/>
+          </a:fillRef>
+          <a:effectRef idx="0">
+            <a:schemeClr val="accent1"/>
+          </a:effectRef>
+          <a:fontRef idx="minor">
+            <a:schemeClr val="lt1"/>
+          </a:fontRef>
+        </p:style>
+        <p:txBody>
+          <a:bodyPr rtlCol="0" anchor="ctr"/>
+          <a:lstStyle/>
+          <a:p>
+            <a:pPr algn="ctr"/>
+            <a:endParaRPr kumimoji="1" lang="ja-JP" altLang="en-US"/>
+          </a:p>
+        </p:txBody>
+      </p:sp>
+      <p:sp>
+        <p:nvSpPr>
+          <p:cNvPr id="49" name="四角形: 角を丸くする 48">
+            <a:extLst>
+              <a:ext uri="{FF2B5EF4-FFF2-40B4-BE49-F238E27FC236}">
+                <a16:creationId xmlns:a16="http://schemas.microsoft.com/office/drawing/2014/main" id="{1442714E-49C4-97DF-8F04-5B46FC876E9E}"/>
+              </a:ext>
+            </a:extLst>
+          </p:cNvPr>
+          <p:cNvSpPr/>
+          <p:nvPr/>
+        </p:nvSpPr>
+        <p:spPr>
+          <a:xfrm>
+            <a:off x="3314700" y="2343150"/>
+            <a:ext cx="2160000" cy="1803400"/>
+          </a:xfrm>
+          <a:prstGeom prst="roundRect">
+            <a:avLst>
+              <a:gd name="adj" fmla="val 9026"/>
+            </a:avLst>
+          </a:prstGeom>
+          <a:noFill/>
+          <a:ln w="38100">
+            <a:solidFill>
+              <a:srgbClr val="373535"/>
+            </a:solidFill>
+          </a:ln>
+        </p:spPr>
+        <p:style>
+          <a:lnRef idx="2">
+            <a:schemeClr val="accent1">
+              <a:shade val="50000"/>
+            </a:schemeClr>
+          </a:lnRef>
+          <a:fillRef idx="1">
+            <a:schemeClr val="accent1"/>
+          </a:fillRef>
+          <a:effectRef idx="0">
+            <a:schemeClr val="accent1"/>
+          </a:effectRef>
+          <a:fontRef idx="minor">
+            <a:schemeClr val="lt1"/>
+          </a:fontRef>
+        </p:style>
+        <p:txBody>
+          <a:bodyPr rtlCol="0" anchor="ctr"/>
+          <a:lstStyle/>
+          <a:p>
+            <a:pPr algn="ctr"/>
+            <a:endParaRPr kumimoji="1" lang="ja-JP" altLang="en-US"/>
+          </a:p>
+        </p:txBody>
+      </p:sp>
+      <p:sp>
+        <p:nvSpPr>
+          <p:cNvPr id="53" name="L 字 52">
+            <a:extLst>
+              <a:ext uri="{FF2B5EF4-FFF2-40B4-BE49-F238E27FC236}">
+                <a16:creationId xmlns:a16="http://schemas.microsoft.com/office/drawing/2014/main" id="{5F8027BC-D38A-EAA3-B26B-CD7D7F0D8941}"/>
+              </a:ext>
+            </a:extLst>
+          </p:cNvPr>
+          <p:cNvSpPr>
+            <a:spLocks noChangeAspect="1"/>
+          </p:cNvSpPr>
+          <p:nvPr/>
+        </p:nvSpPr>
+        <p:spPr>
+          <a:xfrm rot="8220467">
+            <a:off x="3388096" y="3524418"/>
+            <a:ext cx="77931" cy="77931"/>
+          </a:xfrm>
+          <a:prstGeom prst="corner">
+            <a:avLst>
+              <a:gd name="adj1" fmla="val 29094"/>
+              <a:gd name="adj2" fmla="val 25610"/>
+            </a:avLst>
+          </a:prstGeom>
+          <a:solidFill>
+            <a:schemeClr val="bg1">
+              <a:lumMod val="95000"/>
+            </a:schemeClr>
+          </a:solidFill>
+          <a:ln>
+            <a:noFill/>
+          </a:ln>
+        </p:spPr>
+        <p:style>
+          <a:lnRef idx="2">
+            <a:schemeClr val="accent1">
+              <a:shade val="50000"/>
+            </a:schemeClr>
+          </a:lnRef>
+          <a:fillRef idx="1">
+            <a:schemeClr val="accent1"/>
+          </a:fillRef>
+          <a:effectRef idx="0">
+            <a:schemeClr val="accent1"/>
+          </a:effectRef>
+          <a:fontRef idx="minor">
+            <a:schemeClr val="lt1"/>
+          </a:fontRef>
+        </p:style>
+        <p:txBody>
+          <a:bodyPr rtlCol="0" anchor="ctr"/>
+          <a:lstStyle/>
+          <a:p>
+            <a:pPr algn="ctr"/>
+            <a:endParaRPr kumimoji="1" lang="ja-JP" altLang="en-US"/>
+          </a:p>
+        </p:txBody>
+      </p:sp>
+      <p:sp>
+        <p:nvSpPr>
+          <p:cNvPr id="59" name="L 字 58">
+            <a:extLst>
+              <a:ext uri="{FF2B5EF4-FFF2-40B4-BE49-F238E27FC236}">
+                <a16:creationId xmlns:a16="http://schemas.microsoft.com/office/drawing/2014/main" id="{3E2D07EA-BAA1-CE7E-4389-DCAA3B2B1114}"/>
+              </a:ext>
+            </a:extLst>
+          </p:cNvPr>
+          <p:cNvSpPr>
+            <a:spLocks noChangeAspect="1"/>
+          </p:cNvSpPr>
+          <p:nvPr/>
+        </p:nvSpPr>
+        <p:spPr>
+          <a:xfrm rot="8220467">
+            <a:off x="3555529" y="3524417"/>
+            <a:ext cx="77931" cy="77931"/>
+          </a:xfrm>
+          <a:prstGeom prst="corner">
+            <a:avLst>
+              <a:gd name="adj1" fmla="val 29094"/>
+              <a:gd name="adj2" fmla="val 25610"/>
+            </a:avLst>
+          </a:prstGeom>
+          <a:solidFill>
+            <a:schemeClr val="bg1">
+              <a:lumMod val="95000"/>
+            </a:schemeClr>
+          </a:solidFill>
+          <a:ln>
+            <a:noFill/>
+          </a:ln>
+        </p:spPr>
+        <p:style>
+          <a:lnRef idx="2">
+            <a:schemeClr val="accent1">
+              <a:shade val="50000"/>
+            </a:schemeClr>
+          </a:lnRef>
+          <a:fillRef idx="1">
+            <a:schemeClr val="accent1"/>
+          </a:fillRef>
+          <a:effectRef idx="0">
+            <a:schemeClr val="accent1"/>
+          </a:effectRef>
+          <a:fontRef idx="minor">
+            <a:schemeClr val="lt1"/>
+          </a:fontRef>
+        </p:style>
+        <p:txBody>
+          <a:bodyPr rtlCol="0" anchor="ctr"/>
+          <a:lstStyle/>
+          <a:p>
+            <a:pPr algn="ctr"/>
+            <a:endParaRPr kumimoji="1" lang="ja-JP" altLang="en-US"/>
+          </a:p>
+        </p:txBody>
+      </p:sp>
+      <p:sp>
+        <p:nvSpPr>
+          <p:cNvPr id="60" name="L 字 59">
+            <a:extLst>
+              <a:ext uri="{FF2B5EF4-FFF2-40B4-BE49-F238E27FC236}">
+                <a16:creationId xmlns:a16="http://schemas.microsoft.com/office/drawing/2014/main" id="{47940975-54AE-5E5C-58CD-1BDE0198B606}"/>
+              </a:ext>
+            </a:extLst>
+          </p:cNvPr>
+          <p:cNvSpPr>
+            <a:spLocks noChangeAspect="1"/>
+          </p:cNvSpPr>
+          <p:nvPr/>
+        </p:nvSpPr>
+        <p:spPr>
+          <a:xfrm rot="8220467">
+            <a:off x="3718103" y="3524418"/>
+            <a:ext cx="77931" cy="77931"/>
+          </a:xfrm>
+          <a:prstGeom prst="corner">
+            <a:avLst>
+              <a:gd name="adj1" fmla="val 29094"/>
+              <a:gd name="adj2" fmla="val 25610"/>
+            </a:avLst>
+          </a:prstGeom>
+          <a:solidFill>
+            <a:schemeClr val="bg1">
+              <a:lumMod val="95000"/>
+            </a:schemeClr>
+          </a:solidFill>
+          <a:ln>
+            <a:noFill/>
+          </a:ln>
+        </p:spPr>
+        <p:style>
+          <a:lnRef idx="2">
+            <a:schemeClr val="accent1">
+              <a:shade val="50000"/>
+            </a:schemeClr>
+          </a:lnRef>
+          <a:fillRef idx="1">
+            <a:schemeClr val="accent1"/>
+          </a:fillRef>
+          <a:effectRef idx="0">
+            <a:schemeClr val="accent1"/>
+          </a:effectRef>
+          <a:fontRef idx="minor">
+            <a:schemeClr val="lt1"/>
+          </a:fontRef>
+        </p:style>
+        <p:txBody>
+          <a:bodyPr rtlCol="0" anchor="ctr"/>
+          <a:lstStyle/>
+          <a:p>
+            <a:pPr algn="ctr"/>
+            <a:endParaRPr kumimoji="1" lang="ja-JP" altLang="en-US"/>
+          </a:p>
+        </p:txBody>
+      </p:sp>
+      <p:sp>
+        <p:nvSpPr>
+          <p:cNvPr id="61" name="L 字 60">
+            <a:extLst>
+              <a:ext uri="{FF2B5EF4-FFF2-40B4-BE49-F238E27FC236}">
+                <a16:creationId xmlns:a16="http://schemas.microsoft.com/office/drawing/2014/main" id="{9EF6BD18-38B2-5F29-C96B-7DF8CA25822C}"/>
+              </a:ext>
+            </a:extLst>
+          </p:cNvPr>
+          <p:cNvSpPr>
+            <a:spLocks noChangeAspect="1"/>
+          </p:cNvSpPr>
+          <p:nvPr/>
+        </p:nvSpPr>
+        <p:spPr>
+          <a:xfrm rot="8220467">
+            <a:off x="3880677" y="3524417"/>
+            <a:ext cx="77931" cy="77931"/>
+          </a:xfrm>
+          <a:prstGeom prst="corner">
+            <a:avLst>
+              <a:gd name="adj1" fmla="val 29094"/>
+              <a:gd name="adj2" fmla="val 25610"/>
+            </a:avLst>
+          </a:prstGeom>
+          <a:solidFill>
+            <a:schemeClr val="bg1">
+              <a:lumMod val="95000"/>
+            </a:schemeClr>
+          </a:solidFill>
+          <a:ln>
+            <a:noFill/>
+          </a:ln>
+        </p:spPr>
+        <p:style>
+          <a:lnRef idx="2">
+            <a:schemeClr val="accent1">
+              <a:shade val="50000"/>
+            </a:schemeClr>
+          </a:lnRef>
+          <a:fillRef idx="1">
+            <a:schemeClr val="accent1"/>
+          </a:fillRef>
+          <a:effectRef idx="0">
+            <a:schemeClr val="accent1"/>
+          </a:effectRef>
+          <a:fontRef idx="minor">
+            <a:schemeClr val="lt1"/>
+          </a:fontRef>
+        </p:style>
+        <p:txBody>
+          <a:bodyPr rtlCol="0" anchor="ctr"/>
+          <a:lstStyle/>
+          <a:p>
+            <a:pPr algn="ctr"/>
+            <a:endParaRPr kumimoji="1" lang="ja-JP" altLang="en-US"/>
+          </a:p>
+        </p:txBody>
+      </p:sp>
+      <p:sp>
+        <p:nvSpPr>
+          <p:cNvPr id="62" name="L 字 61">
+            <a:extLst>
+              <a:ext uri="{FF2B5EF4-FFF2-40B4-BE49-F238E27FC236}">
+                <a16:creationId xmlns:a16="http://schemas.microsoft.com/office/drawing/2014/main" id="{E63BC075-F1A9-3486-38A8-C02D46F01D18}"/>
+              </a:ext>
+            </a:extLst>
+          </p:cNvPr>
+          <p:cNvSpPr>
+            <a:spLocks noChangeAspect="1"/>
+          </p:cNvSpPr>
+          <p:nvPr/>
+        </p:nvSpPr>
+        <p:spPr>
+          <a:xfrm rot="8220467">
+            <a:off x="4043250" y="3524416"/>
+            <a:ext cx="77931" cy="77931"/>
+          </a:xfrm>
+          <a:prstGeom prst="corner">
+            <a:avLst>
+              <a:gd name="adj1" fmla="val 29094"/>
+              <a:gd name="adj2" fmla="val 25610"/>
+            </a:avLst>
+          </a:prstGeom>
+          <a:solidFill>
+            <a:schemeClr val="bg1">
+              <a:lumMod val="95000"/>
+            </a:schemeClr>
+          </a:solidFill>
+          <a:ln>
+            <a:noFill/>
+          </a:ln>
+        </p:spPr>
+        <p:style>
+          <a:lnRef idx="2">
+            <a:schemeClr val="accent1">
+              <a:shade val="50000"/>
+            </a:schemeClr>
+          </a:lnRef>
+          <a:fillRef idx="1">
+            <a:schemeClr val="accent1"/>
+          </a:fillRef>
+          <a:effectRef idx="0">
+            <a:schemeClr val="accent1"/>
+          </a:effectRef>
+          <a:fontRef idx="minor">
+            <a:schemeClr val="lt1"/>
+          </a:fontRef>
+        </p:style>
+        <p:txBody>
+          <a:bodyPr rtlCol="0" anchor="ctr"/>
+          <a:lstStyle/>
+          <a:p>
+            <a:pPr algn="ctr"/>
+            <a:endParaRPr kumimoji="1" lang="ja-JP" altLang="en-US"/>
+          </a:p>
+        </p:txBody>
+      </p:sp>
+      <p:sp>
+        <p:nvSpPr>
+          <p:cNvPr id="63" name="L 字 62">
+            <a:extLst>
+              <a:ext uri="{FF2B5EF4-FFF2-40B4-BE49-F238E27FC236}">
+                <a16:creationId xmlns:a16="http://schemas.microsoft.com/office/drawing/2014/main" id="{3E31D73C-4EE8-1691-15B8-0BD45CAA780B}"/>
+              </a:ext>
+            </a:extLst>
+          </p:cNvPr>
+          <p:cNvSpPr>
+            <a:spLocks noChangeAspect="1"/>
+          </p:cNvSpPr>
+          <p:nvPr/>
+        </p:nvSpPr>
+        <p:spPr>
+          <a:xfrm rot="8220467">
+            <a:off x="3469645" y="3634560"/>
+            <a:ext cx="77931" cy="77931"/>
+          </a:xfrm>
+          <a:prstGeom prst="corner">
+            <a:avLst>
+              <a:gd name="adj1" fmla="val 29094"/>
+              <a:gd name="adj2" fmla="val 25610"/>
+            </a:avLst>
+          </a:prstGeom>
+          <a:solidFill>
+            <a:schemeClr val="bg1">
+              <a:lumMod val="95000"/>
+            </a:schemeClr>
+          </a:solidFill>
+          <a:ln>
+            <a:noFill/>
+          </a:ln>
+        </p:spPr>
+        <p:style>
+          <a:lnRef idx="2">
+            <a:schemeClr val="accent1">
+              <a:shade val="50000"/>
+            </a:schemeClr>
+          </a:lnRef>
+          <a:fillRef idx="1">
+            <a:schemeClr val="accent1"/>
+          </a:fillRef>
+          <a:effectRef idx="0">
+            <a:schemeClr val="accent1"/>
+          </a:effectRef>
+          <a:fontRef idx="minor">
+            <a:schemeClr val="lt1"/>
+          </a:fontRef>
+        </p:style>
+        <p:txBody>
+          <a:bodyPr rtlCol="0" anchor="ctr"/>
+          <a:lstStyle/>
+          <a:p>
+            <a:pPr algn="ctr"/>
+            <a:endParaRPr kumimoji="1" lang="ja-JP" altLang="en-US"/>
+          </a:p>
+        </p:txBody>
+      </p:sp>
+      <p:sp>
+        <p:nvSpPr>
+          <p:cNvPr id="64" name="L 字 63">
+            <a:extLst>
+              <a:ext uri="{FF2B5EF4-FFF2-40B4-BE49-F238E27FC236}">
+                <a16:creationId xmlns:a16="http://schemas.microsoft.com/office/drawing/2014/main" id="{84F3E3CA-2A2B-D3CB-0E64-91B9F4E4649F}"/>
+              </a:ext>
+            </a:extLst>
+          </p:cNvPr>
+          <p:cNvSpPr>
+            <a:spLocks noChangeAspect="1"/>
+          </p:cNvSpPr>
+          <p:nvPr/>
+        </p:nvSpPr>
+        <p:spPr>
+          <a:xfrm rot="8220467">
+            <a:off x="3642814" y="3639073"/>
+            <a:ext cx="77931" cy="77931"/>
+          </a:xfrm>
+          <a:prstGeom prst="corner">
+            <a:avLst>
+              <a:gd name="adj1" fmla="val 29094"/>
+              <a:gd name="adj2" fmla="val 25610"/>
+            </a:avLst>
+          </a:prstGeom>
+          <a:solidFill>
+            <a:schemeClr val="bg1">
+              <a:lumMod val="95000"/>
+            </a:schemeClr>
+          </a:solidFill>
+          <a:ln>
+            <a:noFill/>
+          </a:ln>
+        </p:spPr>
+        <p:style>
+          <a:lnRef idx="2">
+            <a:schemeClr val="accent1">
+              <a:shade val="50000"/>
+            </a:schemeClr>
+          </a:lnRef>
+          <a:fillRef idx="1">
+            <a:schemeClr val="accent1"/>
+          </a:fillRef>
+          <a:effectRef idx="0">
+            <a:schemeClr val="accent1"/>
+          </a:effectRef>
+          <a:fontRef idx="minor">
+            <a:schemeClr val="lt1"/>
+          </a:fontRef>
+        </p:style>
+        <p:txBody>
+          <a:bodyPr rtlCol="0" anchor="ctr"/>
+          <a:lstStyle/>
+          <a:p>
+            <a:pPr algn="ctr"/>
+            <a:endParaRPr kumimoji="1" lang="ja-JP" altLang="en-US"/>
+          </a:p>
+        </p:txBody>
+      </p:sp>
+      <p:sp>
+        <p:nvSpPr>
+          <p:cNvPr id="65" name="L 字 64">
+            <a:extLst>
+              <a:ext uri="{FF2B5EF4-FFF2-40B4-BE49-F238E27FC236}">
+                <a16:creationId xmlns:a16="http://schemas.microsoft.com/office/drawing/2014/main" id="{321C412A-EC2A-8D16-9934-7436AEB814A2}"/>
+              </a:ext>
+            </a:extLst>
+          </p:cNvPr>
+          <p:cNvSpPr>
+            <a:spLocks noChangeAspect="1"/>
+          </p:cNvSpPr>
+          <p:nvPr/>
+        </p:nvSpPr>
+        <p:spPr>
+          <a:xfrm rot="8220467">
+            <a:off x="3803987" y="3634559"/>
+            <a:ext cx="77931" cy="77931"/>
+          </a:xfrm>
+          <a:prstGeom prst="corner">
+            <a:avLst>
+              <a:gd name="adj1" fmla="val 29094"/>
+              <a:gd name="adj2" fmla="val 25610"/>
+            </a:avLst>
+          </a:prstGeom>
+          <a:solidFill>
+            <a:schemeClr val="bg1">
+              <a:lumMod val="95000"/>
+            </a:schemeClr>
+          </a:solidFill>
+          <a:ln>
+            <a:noFill/>
+          </a:ln>
+        </p:spPr>
+        <p:style>
+          <a:lnRef idx="2">
+            <a:schemeClr val="accent1">
+              <a:shade val="50000"/>
+            </a:schemeClr>
+          </a:lnRef>
+          <a:fillRef idx="1">
+            <a:schemeClr val="accent1"/>
+          </a:fillRef>
+          <a:effectRef idx="0">
+            <a:schemeClr val="accent1"/>
+          </a:effectRef>
+          <a:fontRef idx="minor">
+            <a:schemeClr val="lt1"/>
+          </a:fontRef>
+        </p:style>
+        <p:txBody>
+          <a:bodyPr rtlCol="0" anchor="ctr"/>
+          <a:lstStyle/>
+          <a:p>
+            <a:pPr algn="ctr"/>
+            <a:endParaRPr kumimoji="1" lang="ja-JP" altLang="en-US"/>
+          </a:p>
+        </p:txBody>
+      </p:sp>
+      <p:sp>
+        <p:nvSpPr>
+          <p:cNvPr id="66" name="L 字 65">
+            <a:extLst>
+              <a:ext uri="{FF2B5EF4-FFF2-40B4-BE49-F238E27FC236}">
+                <a16:creationId xmlns:a16="http://schemas.microsoft.com/office/drawing/2014/main" id="{4C2652C5-8B95-C98E-8DF7-3A55ECE62851}"/>
+              </a:ext>
+            </a:extLst>
+          </p:cNvPr>
+          <p:cNvSpPr>
+            <a:spLocks noChangeAspect="1"/>
+          </p:cNvSpPr>
+          <p:nvPr/>
+        </p:nvSpPr>
+        <p:spPr>
+          <a:xfrm rot="8220467">
+            <a:off x="3967459" y="3634560"/>
+            <a:ext cx="77931" cy="77931"/>
+          </a:xfrm>
+          <a:prstGeom prst="corner">
+            <a:avLst>
+              <a:gd name="adj1" fmla="val 29094"/>
+              <a:gd name="adj2" fmla="val 25610"/>
+            </a:avLst>
+          </a:prstGeom>
+          <a:solidFill>
+            <a:schemeClr val="bg1">
+              <a:lumMod val="95000"/>
+            </a:schemeClr>
+          </a:solidFill>
+          <a:ln>
+            <a:noFill/>
+          </a:ln>
+        </p:spPr>
+        <p:style>
+          <a:lnRef idx="2">
+            <a:schemeClr val="accent1">
+              <a:shade val="50000"/>
+            </a:schemeClr>
+          </a:lnRef>
+          <a:fillRef idx="1">
+            <a:schemeClr val="accent1"/>
+          </a:fillRef>
+          <a:effectRef idx="0">
+            <a:schemeClr val="accent1"/>
+          </a:effectRef>
+          <a:fontRef idx="minor">
+            <a:schemeClr val="lt1"/>
+          </a:fontRef>
+        </p:style>
+        <p:txBody>
+          <a:bodyPr rtlCol="0" anchor="ctr"/>
+          <a:lstStyle/>
+          <a:p>
+            <a:pPr algn="ctr"/>
+            <a:endParaRPr kumimoji="1" lang="ja-JP" altLang="en-US"/>
+          </a:p>
+        </p:txBody>
+      </p:sp>
+      <p:sp>
+        <p:nvSpPr>
+          <p:cNvPr id="68" name="L 字 67">
+            <a:extLst>
+              <a:ext uri="{FF2B5EF4-FFF2-40B4-BE49-F238E27FC236}">
+                <a16:creationId xmlns:a16="http://schemas.microsoft.com/office/drawing/2014/main" id="{CD2023E6-5B7C-4851-5B08-7D6A3C7467D3}"/>
+              </a:ext>
+            </a:extLst>
+          </p:cNvPr>
+          <p:cNvSpPr>
+            <a:spLocks noChangeAspect="1"/>
+          </p:cNvSpPr>
+          <p:nvPr/>
+        </p:nvSpPr>
+        <p:spPr>
+          <a:xfrm rot="8220467">
+            <a:off x="3388098" y="3753728"/>
+            <a:ext cx="77931" cy="77931"/>
+          </a:xfrm>
+          <a:prstGeom prst="corner">
+            <a:avLst>
+              <a:gd name="adj1" fmla="val 29094"/>
+              <a:gd name="adj2" fmla="val 25610"/>
+            </a:avLst>
+          </a:prstGeom>
+          <a:solidFill>
+            <a:schemeClr val="bg1">
+              <a:lumMod val="95000"/>
+            </a:schemeClr>
+          </a:solidFill>
+          <a:ln>
+            <a:noFill/>
+          </a:ln>
+        </p:spPr>
+        <p:style>
+          <a:lnRef idx="2">
+            <a:schemeClr val="accent1">
+              <a:shade val="50000"/>
+            </a:schemeClr>
+          </a:lnRef>
+          <a:fillRef idx="1">
+            <a:schemeClr val="accent1"/>
+          </a:fillRef>
+          <a:effectRef idx="0">
+            <a:schemeClr val="accent1"/>
+          </a:effectRef>
+          <a:fontRef idx="minor">
+            <a:schemeClr val="lt1"/>
+          </a:fontRef>
+        </p:style>
+        <p:txBody>
+          <a:bodyPr rtlCol="0" anchor="ctr"/>
+          <a:lstStyle/>
+          <a:p>
+            <a:pPr algn="ctr"/>
+            <a:endParaRPr kumimoji="1" lang="ja-JP" altLang="en-US"/>
+          </a:p>
+        </p:txBody>
+      </p:sp>
+      <p:sp>
+        <p:nvSpPr>
+          <p:cNvPr id="69" name="L 字 68">
+            <a:extLst>
+              <a:ext uri="{FF2B5EF4-FFF2-40B4-BE49-F238E27FC236}">
+                <a16:creationId xmlns:a16="http://schemas.microsoft.com/office/drawing/2014/main" id="{2231C39F-73A7-AC09-0F90-45304BEB21C2}"/>
+              </a:ext>
+            </a:extLst>
+          </p:cNvPr>
+          <p:cNvSpPr>
+            <a:spLocks noChangeAspect="1"/>
+          </p:cNvSpPr>
+          <p:nvPr/>
+        </p:nvSpPr>
+        <p:spPr>
+          <a:xfrm rot="8220467">
+            <a:off x="3555531" y="3753727"/>
+            <a:ext cx="77931" cy="77931"/>
+          </a:xfrm>
+          <a:prstGeom prst="corner">
+            <a:avLst>
+              <a:gd name="adj1" fmla="val 29094"/>
+              <a:gd name="adj2" fmla="val 25610"/>
+            </a:avLst>
+          </a:prstGeom>
+          <a:solidFill>
+            <a:schemeClr val="bg1">
+              <a:lumMod val="95000"/>
+            </a:schemeClr>
+          </a:solidFill>
+          <a:ln>
+            <a:noFill/>
+          </a:ln>
+        </p:spPr>
+        <p:style>
+          <a:lnRef idx="2">
+            <a:schemeClr val="accent1">
+              <a:shade val="50000"/>
+            </a:schemeClr>
+          </a:lnRef>
+          <a:fillRef idx="1">
+            <a:schemeClr val="accent1"/>
+          </a:fillRef>
+          <a:effectRef idx="0">
+            <a:schemeClr val="accent1"/>
+          </a:effectRef>
+          <a:fontRef idx="minor">
+            <a:schemeClr val="lt1"/>
+          </a:fontRef>
+        </p:style>
+        <p:txBody>
+          <a:bodyPr rtlCol="0" anchor="ctr"/>
+          <a:lstStyle/>
+          <a:p>
+            <a:pPr algn="ctr"/>
+            <a:endParaRPr kumimoji="1" lang="ja-JP" altLang="en-US"/>
+          </a:p>
+        </p:txBody>
+      </p:sp>
+      <p:sp>
+        <p:nvSpPr>
+          <p:cNvPr id="70" name="L 字 69">
+            <a:extLst>
+              <a:ext uri="{FF2B5EF4-FFF2-40B4-BE49-F238E27FC236}">
+                <a16:creationId xmlns:a16="http://schemas.microsoft.com/office/drawing/2014/main" id="{698A5178-99D4-5A1B-9043-E13EE4F0163F}"/>
+              </a:ext>
+            </a:extLst>
+          </p:cNvPr>
+          <p:cNvSpPr>
+            <a:spLocks noChangeAspect="1"/>
+          </p:cNvSpPr>
+          <p:nvPr/>
+        </p:nvSpPr>
+        <p:spPr>
+          <a:xfrm rot="8220467">
+            <a:off x="3718105" y="3753728"/>
+            <a:ext cx="77931" cy="77931"/>
+          </a:xfrm>
+          <a:prstGeom prst="corner">
+            <a:avLst>
+              <a:gd name="adj1" fmla="val 29094"/>
+              <a:gd name="adj2" fmla="val 25610"/>
+            </a:avLst>
+          </a:prstGeom>
+          <a:solidFill>
+            <a:schemeClr val="bg1">
+              <a:lumMod val="95000"/>
+            </a:schemeClr>
+          </a:solidFill>
+          <a:ln>
+            <a:noFill/>
+          </a:ln>
+        </p:spPr>
+        <p:style>
+          <a:lnRef idx="2">
+            <a:schemeClr val="accent1">
+              <a:shade val="50000"/>
+            </a:schemeClr>
+          </a:lnRef>
+          <a:fillRef idx="1">
+            <a:schemeClr val="accent1"/>
+          </a:fillRef>
+          <a:effectRef idx="0">
+            <a:schemeClr val="accent1"/>
+          </a:effectRef>
+          <a:fontRef idx="minor">
+            <a:schemeClr val="lt1"/>
+          </a:fontRef>
+        </p:style>
+        <p:txBody>
+          <a:bodyPr rtlCol="0" anchor="ctr"/>
+          <a:lstStyle/>
+          <a:p>
+            <a:pPr algn="ctr"/>
+            <a:endParaRPr kumimoji="1" lang="ja-JP" altLang="en-US"/>
+          </a:p>
+        </p:txBody>
+      </p:sp>
+      <p:sp>
+        <p:nvSpPr>
+          <p:cNvPr id="71" name="L 字 70">
+            <a:extLst>
+              <a:ext uri="{FF2B5EF4-FFF2-40B4-BE49-F238E27FC236}">
+                <a16:creationId xmlns:a16="http://schemas.microsoft.com/office/drawing/2014/main" id="{8C10D47C-B800-96ED-0F61-A9E069BC758F}"/>
+              </a:ext>
+            </a:extLst>
+          </p:cNvPr>
+          <p:cNvSpPr>
+            <a:spLocks noChangeAspect="1"/>
+          </p:cNvSpPr>
+          <p:nvPr/>
+        </p:nvSpPr>
+        <p:spPr>
+          <a:xfrm rot="8220467">
+            <a:off x="3880679" y="3753727"/>
+            <a:ext cx="77931" cy="77931"/>
+          </a:xfrm>
+          <a:prstGeom prst="corner">
+            <a:avLst>
+              <a:gd name="adj1" fmla="val 29094"/>
+              <a:gd name="adj2" fmla="val 25610"/>
+            </a:avLst>
+          </a:prstGeom>
+          <a:solidFill>
+            <a:schemeClr val="bg1">
+              <a:lumMod val="95000"/>
+            </a:schemeClr>
+          </a:solidFill>
+          <a:ln>
+            <a:noFill/>
+          </a:ln>
+        </p:spPr>
+        <p:style>
+          <a:lnRef idx="2">
+            <a:schemeClr val="accent1">
+              <a:shade val="50000"/>
+            </a:schemeClr>
+          </a:lnRef>
+          <a:fillRef idx="1">
+            <a:schemeClr val="accent1"/>
+          </a:fillRef>
+          <a:effectRef idx="0">
+            <a:schemeClr val="accent1"/>
+          </a:effectRef>
+          <a:fontRef idx="minor">
+            <a:schemeClr val="lt1"/>
+          </a:fontRef>
+        </p:style>
+        <p:txBody>
+          <a:bodyPr rtlCol="0" anchor="ctr"/>
+          <a:lstStyle/>
+          <a:p>
+            <a:pPr algn="ctr"/>
+            <a:endParaRPr kumimoji="1" lang="ja-JP" altLang="en-US"/>
+          </a:p>
+        </p:txBody>
+      </p:sp>
+      <p:sp>
+        <p:nvSpPr>
+          <p:cNvPr id="72" name="L 字 71">
+            <a:extLst>
+              <a:ext uri="{FF2B5EF4-FFF2-40B4-BE49-F238E27FC236}">
+                <a16:creationId xmlns:a16="http://schemas.microsoft.com/office/drawing/2014/main" id="{6875177F-2111-029E-7787-7D9C97219968}"/>
+              </a:ext>
+            </a:extLst>
+          </p:cNvPr>
+          <p:cNvSpPr>
+            <a:spLocks noChangeAspect="1"/>
+          </p:cNvSpPr>
+          <p:nvPr/>
+        </p:nvSpPr>
+        <p:spPr>
+          <a:xfrm rot="8220467">
+            <a:off x="4043252" y="3753726"/>
+            <a:ext cx="77931" cy="77931"/>
+          </a:xfrm>
+          <a:prstGeom prst="corner">
+            <a:avLst>
+              <a:gd name="adj1" fmla="val 29094"/>
+              <a:gd name="adj2" fmla="val 25610"/>
+            </a:avLst>
+          </a:prstGeom>
+          <a:solidFill>
+            <a:schemeClr val="bg1">
+              <a:lumMod val="95000"/>
+            </a:schemeClr>
+          </a:solidFill>
+          <a:ln>
+            <a:noFill/>
+          </a:ln>
+        </p:spPr>
+        <p:style>
+          <a:lnRef idx="2">
+            <a:schemeClr val="accent1">
+              <a:shade val="50000"/>
+            </a:schemeClr>
+          </a:lnRef>
+          <a:fillRef idx="1">
+            <a:schemeClr val="accent1"/>
+          </a:fillRef>
+          <a:effectRef idx="0">
+            <a:schemeClr val="accent1"/>
+          </a:effectRef>
+          <a:fontRef idx="minor">
+            <a:schemeClr val="lt1"/>
+          </a:fontRef>
+        </p:style>
+        <p:txBody>
+          <a:bodyPr rtlCol="0" anchor="ctr"/>
+          <a:lstStyle/>
+          <a:p>
+            <a:pPr algn="ctr"/>
+            <a:endParaRPr kumimoji="1" lang="ja-JP" altLang="en-US"/>
+          </a:p>
+        </p:txBody>
+      </p:sp>
+      <p:sp>
+        <p:nvSpPr>
+          <p:cNvPr id="73" name="L 字 72">
+            <a:extLst>
+              <a:ext uri="{FF2B5EF4-FFF2-40B4-BE49-F238E27FC236}">
+                <a16:creationId xmlns:a16="http://schemas.microsoft.com/office/drawing/2014/main" id="{06CC9E45-8A04-B5F9-039A-9254C97E71ED}"/>
+              </a:ext>
+            </a:extLst>
+          </p:cNvPr>
+          <p:cNvSpPr>
+            <a:spLocks noChangeAspect="1"/>
+          </p:cNvSpPr>
+          <p:nvPr/>
+        </p:nvSpPr>
+        <p:spPr>
+          <a:xfrm rot="8220467">
+            <a:off x="3473554" y="3865709"/>
+            <a:ext cx="77931" cy="77931"/>
+          </a:xfrm>
+          <a:prstGeom prst="corner">
+            <a:avLst>
+              <a:gd name="adj1" fmla="val 29094"/>
+              <a:gd name="adj2" fmla="val 25610"/>
+            </a:avLst>
+          </a:prstGeom>
+          <a:solidFill>
+            <a:schemeClr val="bg1">
+              <a:lumMod val="95000"/>
+            </a:schemeClr>
+          </a:solidFill>
+          <a:ln>
+            <a:noFill/>
+          </a:ln>
+        </p:spPr>
+        <p:style>
+          <a:lnRef idx="2">
+            <a:schemeClr val="accent1">
+              <a:shade val="50000"/>
+            </a:schemeClr>
+          </a:lnRef>
+          <a:fillRef idx="1">
+            <a:schemeClr val="accent1"/>
+          </a:fillRef>
+          <a:effectRef idx="0">
+            <a:schemeClr val="accent1"/>
+          </a:effectRef>
+          <a:fontRef idx="minor">
+            <a:schemeClr val="lt1"/>
+          </a:fontRef>
+        </p:style>
+        <p:txBody>
+          <a:bodyPr rtlCol="0" anchor="ctr"/>
+          <a:lstStyle/>
+          <a:p>
+            <a:pPr algn="ctr"/>
+            <a:endParaRPr kumimoji="1" lang="ja-JP" altLang="en-US"/>
+          </a:p>
+        </p:txBody>
+      </p:sp>
+      <p:sp>
+        <p:nvSpPr>
+          <p:cNvPr id="74" name="L 字 73">
+            <a:extLst>
+              <a:ext uri="{FF2B5EF4-FFF2-40B4-BE49-F238E27FC236}">
+                <a16:creationId xmlns:a16="http://schemas.microsoft.com/office/drawing/2014/main" id="{44FD60EE-8C32-E41C-E397-8AFA85A5B667}"/>
+              </a:ext>
+            </a:extLst>
+          </p:cNvPr>
+          <p:cNvSpPr>
+            <a:spLocks noChangeAspect="1"/>
+          </p:cNvSpPr>
+          <p:nvPr/>
+        </p:nvSpPr>
+        <p:spPr>
+          <a:xfrm rot="8220467">
+            <a:off x="3646723" y="3870222"/>
+            <a:ext cx="77931" cy="77931"/>
+          </a:xfrm>
+          <a:prstGeom prst="corner">
+            <a:avLst>
+              <a:gd name="adj1" fmla="val 29094"/>
+              <a:gd name="adj2" fmla="val 25610"/>
+            </a:avLst>
+          </a:prstGeom>
+          <a:solidFill>
+            <a:schemeClr val="bg1">
+              <a:lumMod val="95000"/>
+            </a:schemeClr>
+          </a:solidFill>
+          <a:ln>
+            <a:noFill/>
+          </a:ln>
+        </p:spPr>
+        <p:style>
+          <a:lnRef idx="2">
+            <a:schemeClr val="accent1">
+              <a:shade val="50000"/>
+            </a:schemeClr>
+          </a:lnRef>
+          <a:fillRef idx="1">
+            <a:schemeClr val="accent1"/>
+          </a:fillRef>
+          <a:effectRef idx="0">
+            <a:schemeClr val="accent1"/>
+          </a:effectRef>
+          <a:fontRef idx="minor">
+            <a:schemeClr val="lt1"/>
+          </a:fontRef>
+        </p:style>
+        <p:txBody>
+          <a:bodyPr rtlCol="0" anchor="ctr"/>
+          <a:lstStyle/>
+          <a:p>
+            <a:pPr algn="ctr"/>
+            <a:endParaRPr kumimoji="1" lang="ja-JP" altLang="en-US"/>
+          </a:p>
+        </p:txBody>
+      </p:sp>
+      <p:sp>
+        <p:nvSpPr>
+          <p:cNvPr id="75" name="L 字 74">
+            <a:extLst>
+              <a:ext uri="{FF2B5EF4-FFF2-40B4-BE49-F238E27FC236}">
+                <a16:creationId xmlns:a16="http://schemas.microsoft.com/office/drawing/2014/main" id="{936DCD4F-78B3-B89F-21D0-52DD53CADF6C}"/>
+              </a:ext>
+            </a:extLst>
+          </p:cNvPr>
+          <p:cNvSpPr>
+            <a:spLocks noChangeAspect="1"/>
+          </p:cNvSpPr>
+          <p:nvPr/>
+        </p:nvSpPr>
+        <p:spPr>
+          <a:xfrm rot="8220467">
+            <a:off x="3807896" y="3865708"/>
+            <a:ext cx="77931" cy="77931"/>
+          </a:xfrm>
+          <a:prstGeom prst="corner">
+            <a:avLst>
+              <a:gd name="adj1" fmla="val 29094"/>
+              <a:gd name="adj2" fmla="val 25610"/>
+            </a:avLst>
+          </a:prstGeom>
+          <a:solidFill>
+            <a:schemeClr val="bg1">
+              <a:lumMod val="95000"/>
+            </a:schemeClr>
+          </a:solidFill>
+          <a:ln>
+            <a:noFill/>
+          </a:ln>
+        </p:spPr>
+        <p:style>
+          <a:lnRef idx="2">
+            <a:schemeClr val="accent1">
+              <a:shade val="50000"/>
+            </a:schemeClr>
+          </a:lnRef>
+          <a:fillRef idx="1">
+            <a:schemeClr val="accent1"/>
+          </a:fillRef>
+          <a:effectRef idx="0">
+            <a:schemeClr val="accent1"/>
+          </a:effectRef>
+          <a:fontRef idx="minor">
+            <a:schemeClr val="lt1"/>
+          </a:fontRef>
+        </p:style>
+        <p:txBody>
+          <a:bodyPr rtlCol="0" anchor="ctr"/>
+          <a:lstStyle/>
+          <a:p>
+            <a:pPr algn="ctr"/>
+            <a:endParaRPr kumimoji="1" lang="ja-JP" altLang="en-US"/>
+          </a:p>
+        </p:txBody>
+      </p:sp>
+      <p:sp>
+        <p:nvSpPr>
+          <p:cNvPr id="76" name="L 字 75">
+            <a:extLst>
+              <a:ext uri="{FF2B5EF4-FFF2-40B4-BE49-F238E27FC236}">
+                <a16:creationId xmlns:a16="http://schemas.microsoft.com/office/drawing/2014/main" id="{744213E7-8966-6EB9-389C-26A43937ABA2}"/>
+              </a:ext>
+            </a:extLst>
+          </p:cNvPr>
+          <p:cNvSpPr>
+            <a:spLocks noChangeAspect="1"/>
+          </p:cNvSpPr>
+          <p:nvPr/>
+        </p:nvSpPr>
+        <p:spPr>
+          <a:xfrm rot="8220467">
+            <a:off x="3971368" y="3865709"/>
+            <a:ext cx="77931" cy="77931"/>
+          </a:xfrm>
+          <a:prstGeom prst="corner">
+            <a:avLst>
+              <a:gd name="adj1" fmla="val 29094"/>
+              <a:gd name="adj2" fmla="val 25610"/>
+            </a:avLst>
+          </a:prstGeom>
+          <a:solidFill>
+            <a:schemeClr val="bg1">
+              <a:lumMod val="95000"/>
+            </a:schemeClr>
+          </a:solidFill>
+          <a:ln>
+            <a:noFill/>
+          </a:ln>
+        </p:spPr>
+        <p:style>
+          <a:lnRef idx="2">
+            <a:schemeClr val="accent1">
+              <a:shade val="50000"/>
+            </a:schemeClr>
+          </a:lnRef>
+          <a:fillRef idx="1">
+            <a:schemeClr val="accent1"/>
+          </a:fillRef>
+          <a:effectRef idx="0">
+            <a:schemeClr val="accent1"/>
+          </a:effectRef>
+          <a:fontRef idx="minor">
+            <a:schemeClr val="lt1"/>
+          </a:fontRef>
+        </p:style>
+        <p:txBody>
+          <a:bodyPr rtlCol="0" anchor="ctr"/>
+          <a:lstStyle/>
+          <a:p>
+            <a:pPr algn="ctr"/>
+            <a:endParaRPr kumimoji="1" lang="ja-JP" altLang="en-US"/>
+          </a:p>
+        </p:txBody>
+      </p:sp>
+      <p:sp>
+        <p:nvSpPr>
+          <p:cNvPr id="81" name="L 字 80">
+            <a:extLst>
+              <a:ext uri="{FF2B5EF4-FFF2-40B4-BE49-F238E27FC236}">
+                <a16:creationId xmlns:a16="http://schemas.microsoft.com/office/drawing/2014/main" id="{314846C1-6B44-20E6-5385-0E385AA90B31}"/>
+              </a:ext>
+            </a:extLst>
+          </p:cNvPr>
+          <p:cNvSpPr>
+            <a:spLocks noChangeAspect="1"/>
+          </p:cNvSpPr>
+          <p:nvPr/>
+        </p:nvSpPr>
+        <p:spPr>
+          <a:xfrm rot="8220467">
+            <a:off x="3388097" y="3982202"/>
+            <a:ext cx="77931" cy="77931"/>
+          </a:xfrm>
+          <a:prstGeom prst="corner">
+            <a:avLst>
+              <a:gd name="adj1" fmla="val 29094"/>
+              <a:gd name="adj2" fmla="val 25610"/>
+            </a:avLst>
+          </a:prstGeom>
+          <a:solidFill>
+            <a:schemeClr val="bg1">
+              <a:lumMod val="95000"/>
+            </a:schemeClr>
+          </a:solidFill>
+          <a:ln>
+            <a:noFill/>
+          </a:ln>
+        </p:spPr>
+        <p:style>
+          <a:lnRef idx="2">
+            <a:schemeClr val="accent1">
+              <a:shade val="50000"/>
+            </a:schemeClr>
+          </a:lnRef>
+          <a:fillRef idx="1">
+            <a:schemeClr val="accent1"/>
+          </a:fillRef>
+          <a:effectRef idx="0">
+            <a:schemeClr val="accent1"/>
+          </a:effectRef>
+          <a:fontRef idx="minor">
+            <a:schemeClr val="lt1"/>
+          </a:fontRef>
+        </p:style>
+        <p:txBody>
+          <a:bodyPr rtlCol="0" anchor="ctr"/>
+          <a:lstStyle/>
+          <a:p>
+            <a:pPr algn="ctr"/>
+            <a:endParaRPr kumimoji="1" lang="ja-JP" altLang="en-US"/>
+          </a:p>
+        </p:txBody>
+      </p:sp>
+      <p:sp>
+        <p:nvSpPr>
+          <p:cNvPr id="82" name="L 字 81">
+            <a:extLst>
+              <a:ext uri="{FF2B5EF4-FFF2-40B4-BE49-F238E27FC236}">
+                <a16:creationId xmlns:a16="http://schemas.microsoft.com/office/drawing/2014/main" id="{DC84E7A6-66A6-67F2-9EE5-38C87831E3B4}"/>
+              </a:ext>
+            </a:extLst>
+          </p:cNvPr>
+          <p:cNvSpPr>
+            <a:spLocks noChangeAspect="1"/>
+          </p:cNvSpPr>
+          <p:nvPr/>
+        </p:nvSpPr>
+        <p:spPr>
+          <a:xfrm rot="8220467">
+            <a:off x="3555530" y="3982201"/>
+            <a:ext cx="77931" cy="77931"/>
+          </a:xfrm>
+          <a:prstGeom prst="corner">
+            <a:avLst>
+              <a:gd name="adj1" fmla="val 29094"/>
+              <a:gd name="adj2" fmla="val 25610"/>
+            </a:avLst>
+          </a:prstGeom>
+          <a:solidFill>
+            <a:schemeClr val="bg1">
+              <a:lumMod val="95000"/>
+            </a:schemeClr>
+          </a:solidFill>
+          <a:ln>
+            <a:noFill/>
+          </a:ln>
+        </p:spPr>
+        <p:style>
+          <a:lnRef idx="2">
+            <a:schemeClr val="accent1">
+              <a:shade val="50000"/>
+            </a:schemeClr>
+          </a:lnRef>
+          <a:fillRef idx="1">
+            <a:schemeClr val="accent1"/>
+          </a:fillRef>
+          <a:effectRef idx="0">
+            <a:schemeClr val="accent1"/>
+          </a:effectRef>
+          <a:fontRef idx="minor">
+            <a:schemeClr val="lt1"/>
+          </a:fontRef>
+        </p:style>
+        <p:txBody>
+          <a:bodyPr rtlCol="0" anchor="ctr"/>
+          <a:lstStyle/>
+          <a:p>
+            <a:pPr algn="ctr"/>
+            <a:endParaRPr kumimoji="1" lang="ja-JP" altLang="en-US"/>
+          </a:p>
+        </p:txBody>
+      </p:sp>
+      <p:sp>
+        <p:nvSpPr>
+          <p:cNvPr id="83" name="L 字 82">
+            <a:extLst>
+              <a:ext uri="{FF2B5EF4-FFF2-40B4-BE49-F238E27FC236}">
+                <a16:creationId xmlns:a16="http://schemas.microsoft.com/office/drawing/2014/main" id="{03A3F901-CB11-A563-1669-5508712A9CA9}"/>
+              </a:ext>
+            </a:extLst>
+          </p:cNvPr>
+          <p:cNvSpPr>
+            <a:spLocks noChangeAspect="1"/>
+          </p:cNvSpPr>
+          <p:nvPr/>
+        </p:nvSpPr>
+        <p:spPr>
+          <a:xfrm rot="8220467">
+            <a:off x="3718104" y="3982202"/>
+            <a:ext cx="77931" cy="77931"/>
+          </a:xfrm>
+          <a:prstGeom prst="corner">
+            <a:avLst>
+              <a:gd name="adj1" fmla="val 29094"/>
+              <a:gd name="adj2" fmla="val 25610"/>
+            </a:avLst>
+          </a:prstGeom>
+          <a:solidFill>
+            <a:schemeClr val="bg1">
+              <a:lumMod val="95000"/>
+            </a:schemeClr>
+          </a:solidFill>
+          <a:ln>
+            <a:noFill/>
+          </a:ln>
+        </p:spPr>
+        <p:style>
+          <a:lnRef idx="2">
+            <a:schemeClr val="accent1">
+              <a:shade val="50000"/>
+            </a:schemeClr>
+          </a:lnRef>
+          <a:fillRef idx="1">
+            <a:schemeClr val="accent1"/>
+          </a:fillRef>
+          <a:effectRef idx="0">
+            <a:schemeClr val="accent1"/>
+          </a:effectRef>
+          <a:fontRef idx="minor">
+            <a:schemeClr val="lt1"/>
+          </a:fontRef>
+        </p:style>
+        <p:txBody>
+          <a:bodyPr rtlCol="0" anchor="ctr"/>
+          <a:lstStyle/>
+          <a:p>
+            <a:pPr algn="ctr"/>
+            <a:endParaRPr kumimoji="1" lang="ja-JP" altLang="en-US"/>
+          </a:p>
+        </p:txBody>
+      </p:sp>
+      <p:sp>
+        <p:nvSpPr>
+          <p:cNvPr id="84" name="L 字 83">
+            <a:extLst>
+              <a:ext uri="{FF2B5EF4-FFF2-40B4-BE49-F238E27FC236}">
+                <a16:creationId xmlns:a16="http://schemas.microsoft.com/office/drawing/2014/main" id="{7635DCE0-456A-35C7-2AFD-F3622BC4547E}"/>
+              </a:ext>
+            </a:extLst>
+          </p:cNvPr>
+          <p:cNvSpPr>
+            <a:spLocks noChangeAspect="1"/>
+          </p:cNvSpPr>
+          <p:nvPr/>
+        </p:nvSpPr>
+        <p:spPr>
+          <a:xfrm rot="8220467">
+            <a:off x="3880678" y="3982201"/>
+            <a:ext cx="77931" cy="77931"/>
+          </a:xfrm>
+          <a:prstGeom prst="corner">
+            <a:avLst>
+              <a:gd name="adj1" fmla="val 29094"/>
+              <a:gd name="adj2" fmla="val 25610"/>
+            </a:avLst>
+          </a:prstGeom>
+          <a:solidFill>
+            <a:schemeClr val="bg1">
+              <a:lumMod val="95000"/>
+            </a:schemeClr>
+          </a:solidFill>
+          <a:ln>
+            <a:noFill/>
+          </a:ln>
+        </p:spPr>
+        <p:style>
+          <a:lnRef idx="2">
+            <a:schemeClr val="accent1">
+              <a:shade val="50000"/>
+            </a:schemeClr>
+          </a:lnRef>
+          <a:fillRef idx="1">
+            <a:schemeClr val="accent1"/>
+          </a:fillRef>
+          <a:effectRef idx="0">
+            <a:schemeClr val="accent1"/>
+          </a:effectRef>
+          <a:fontRef idx="minor">
+            <a:schemeClr val="lt1"/>
+          </a:fontRef>
+        </p:style>
+        <p:txBody>
+          <a:bodyPr rtlCol="0" anchor="ctr"/>
+          <a:lstStyle/>
+          <a:p>
+            <a:pPr algn="ctr"/>
+            <a:endParaRPr kumimoji="1" lang="ja-JP" altLang="en-US"/>
+          </a:p>
+        </p:txBody>
+      </p:sp>
+      <p:sp>
+        <p:nvSpPr>
+          <p:cNvPr id="85" name="L 字 84">
+            <a:extLst>
+              <a:ext uri="{FF2B5EF4-FFF2-40B4-BE49-F238E27FC236}">
+                <a16:creationId xmlns:a16="http://schemas.microsoft.com/office/drawing/2014/main" id="{9282D0CD-EDD9-5538-711D-4C27730B86B5}"/>
+              </a:ext>
+            </a:extLst>
+          </p:cNvPr>
+          <p:cNvSpPr>
+            <a:spLocks noChangeAspect="1"/>
+          </p:cNvSpPr>
+          <p:nvPr/>
+        </p:nvSpPr>
+        <p:spPr>
+          <a:xfrm rot="8220467">
+            <a:off x="4043251" y="3982200"/>
+            <a:ext cx="77931" cy="77931"/>
+          </a:xfrm>
+          <a:prstGeom prst="corner">
+            <a:avLst>
+              <a:gd name="adj1" fmla="val 29094"/>
+              <a:gd name="adj2" fmla="val 25610"/>
+            </a:avLst>
+          </a:prstGeom>
+          <a:solidFill>
+            <a:schemeClr val="bg1">
+              <a:lumMod val="95000"/>
+            </a:schemeClr>
+          </a:solidFill>
+          <a:ln>
+            <a:noFill/>
+          </a:ln>
+        </p:spPr>
+        <p:style>
+          <a:lnRef idx="2">
+            <a:schemeClr val="accent1">
+              <a:shade val="50000"/>
+            </a:schemeClr>
+          </a:lnRef>
+          <a:fillRef idx="1">
+            <a:schemeClr val="accent1"/>
+          </a:fillRef>
+          <a:effectRef idx="0">
+            <a:schemeClr val="accent1"/>
+          </a:effectRef>
+          <a:fontRef idx="minor">
+            <a:schemeClr val="lt1"/>
+          </a:fontRef>
+        </p:style>
+        <p:txBody>
+          <a:bodyPr rtlCol="0" anchor="ctr"/>
+          <a:lstStyle/>
+          <a:p>
+            <a:pPr algn="ctr"/>
+            <a:endParaRPr kumimoji="1" lang="ja-JP" altLang="en-US"/>
+          </a:p>
+        </p:txBody>
+      </p:sp>
+    </p:spTree>
+    <p:extLst>
+      <p:ext uri="{BB962C8B-B14F-4D97-AF65-F5344CB8AC3E}">
+        <p14:creationId xmlns:p14="http://schemas.microsoft.com/office/powerpoint/2010/main" val="2102292559"/>
+      </p:ext>
+    </p:extLst>
+  </p:cSld>
+  <p:clrMapOvr>
+    <a:masterClrMapping/>
+  </p:clrMapOvr>
+</p:sld>
+</file>
+
+<file path=ppt/slides/slide26.xml><?xml version="1.0" encoding="utf-8"?>
+<p:sld xmlns:a="http://schemas.openxmlformats.org/drawingml/2006/main" xmlns:r="http://schemas.openxmlformats.org/officeDocument/2006/relationships" xmlns:p="http://schemas.openxmlformats.org/presentationml/2006/main">
+  <p:cSld>
+    <p:spTree>
+      <p:nvGrpSpPr>
+        <p:cNvPr id="1" name=""/>
+        <p:cNvGrpSpPr/>
+        <p:nvPr/>
+      </p:nvGrpSpPr>
+      <p:grpSpPr>
+        <a:xfrm>
+          <a:off x="0" y="0"/>
+          <a:ext cx="0" cy="0"/>
+          <a:chOff x="0" y="0"/>
+          <a:chExt cx="0" cy="0"/>
+        </a:xfrm>
+      </p:grpSpPr>
+      <p:sp>
+        <p:nvSpPr>
+          <p:cNvPr id="52" name="四角形: 上の 2 つの角を丸める 51">
+            <a:extLst>
+              <a:ext uri="{FF2B5EF4-FFF2-40B4-BE49-F238E27FC236}">
+                <a16:creationId xmlns:a16="http://schemas.microsoft.com/office/drawing/2014/main" id="{57BF6E82-F766-D180-1A9B-4AA56997EA1E}"/>
+              </a:ext>
+            </a:extLst>
+          </p:cNvPr>
+          <p:cNvSpPr/>
+          <p:nvPr/>
+        </p:nvSpPr>
+        <p:spPr>
+          <a:xfrm flipV="1">
+            <a:off x="3314700" y="3426550"/>
+            <a:ext cx="2160000" cy="720000"/>
+          </a:xfrm>
+          <a:prstGeom prst="round2SameRect">
+            <a:avLst/>
+          </a:prstGeom>
+          <a:solidFill>
             <a:srgbClr val="13DB39"/>
           </a:solidFill>
           <a:ln w="38100">
@@ -17231,7 +17513,7 @@
 </p:sld>
 </file>
 
-<file path=ppt/slides/slide26.xml><?xml version="1.0" encoding="utf-8"?>
+<file path=ppt/slides/slide27.xml><?xml version="1.0" encoding="utf-8"?>
 <p:sld xmlns:a="http://schemas.openxmlformats.org/drawingml/2006/main" xmlns:r="http://schemas.openxmlformats.org/officeDocument/2006/relationships" xmlns:p="http://schemas.openxmlformats.org/presentationml/2006/main">
   <p:cSld>
     <p:spTree>
@@ -19107,7 +19389,7 @@
 </p:sld>
 </file>
 
-<file path=ppt/slides/slide27.xml><?xml version="1.0" encoding="utf-8"?>
+<file path=ppt/slides/slide28.xml><?xml version="1.0" encoding="utf-8"?>
 <p:sld xmlns:a="http://schemas.openxmlformats.org/drawingml/2006/main" xmlns:r="http://schemas.openxmlformats.org/officeDocument/2006/relationships" xmlns:p="http://schemas.openxmlformats.org/presentationml/2006/main">
   <p:cSld>
     <p:spTree>
@@ -19664,7 +19946,7 @@
 </p:sld>
 </file>
 
-<file path=ppt/slides/slide28.xml><?xml version="1.0" encoding="utf-8"?>
+<file path=ppt/slides/slide29.xml><?xml version="1.0" encoding="utf-8"?>
 <p:sld xmlns:a="http://schemas.openxmlformats.org/drawingml/2006/main" xmlns:r="http://schemas.openxmlformats.org/officeDocument/2006/relationships" xmlns:p="http://schemas.openxmlformats.org/presentationml/2006/main">
   <p:cSld>
     <p:spTree>
@@ -20202,7 +20484,1856 @@
 </p:sld>
 </file>
 
-<file path=ppt/slides/slide29.xml><?xml version="1.0" encoding="utf-8"?>
+<file path=ppt/slides/slide3.xml><?xml version="1.0" encoding="utf-8"?>
+<p:sld xmlns:a="http://schemas.openxmlformats.org/drawingml/2006/main" xmlns:r="http://schemas.openxmlformats.org/officeDocument/2006/relationships" xmlns:p="http://schemas.openxmlformats.org/presentationml/2006/main">
+  <p:cSld>
+    <p:spTree>
+      <p:nvGrpSpPr>
+        <p:cNvPr id="1" name=""/>
+        <p:cNvGrpSpPr/>
+        <p:nvPr/>
+      </p:nvGrpSpPr>
+      <p:grpSpPr>
+        <a:xfrm>
+          <a:off x="0" y="0"/>
+          <a:ext cx="0" cy="0"/>
+          <a:chOff x="0" y="0"/>
+          <a:chExt cx="0" cy="0"/>
+        </a:xfrm>
+      </p:grpSpPr>
+      <p:sp>
+        <p:nvSpPr>
+          <p:cNvPr id="213" name="四角形: 角を丸くする 212">
+            <a:extLst>
+              <a:ext uri="{FF2B5EF4-FFF2-40B4-BE49-F238E27FC236}">
+                <a16:creationId xmlns:a16="http://schemas.microsoft.com/office/drawing/2014/main" id="{993620B0-A494-5FA6-C219-007DBC9CECE4}"/>
+              </a:ext>
+            </a:extLst>
+          </p:cNvPr>
+          <p:cNvSpPr/>
+          <p:nvPr/>
+        </p:nvSpPr>
+        <p:spPr>
+          <a:xfrm>
+            <a:off x="3178720" y="1767841"/>
+            <a:ext cx="3656420" cy="1569720"/>
+          </a:xfrm>
+          <a:prstGeom prst="roundRect">
+            <a:avLst>
+              <a:gd name="adj" fmla="val 11536"/>
+            </a:avLst>
+          </a:prstGeom>
+          <a:solidFill>
+            <a:schemeClr val="bg2">
+              <a:lumMod val="25000"/>
+            </a:schemeClr>
+          </a:solidFill>
+          <a:ln w="57150">
+            <a:noFill/>
+          </a:ln>
+        </p:spPr>
+        <p:style>
+          <a:lnRef idx="2">
+            <a:schemeClr val="accent1">
+              <a:shade val="50000"/>
+            </a:schemeClr>
+          </a:lnRef>
+          <a:fillRef idx="1">
+            <a:schemeClr val="accent1"/>
+          </a:fillRef>
+          <a:effectRef idx="0">
+            <a:schemeClr val="accent1"/>
+          </a:effectRef>
+          <a:fontRef idx="minor">
+            <a:schemeClr val="lt1"/>
+          </a:fontRef>
+        </p:style>
+        <p:txBody>
+          <a:bodyPr rtlCol="0" anchor="ctr"/>
+          <a:lstStyle/>
+          <a:p>
+            <a:pPr algn="ctr"/>
+            <a:endParaRPr kumimoji="1" lang="ja-JP" altLang="en-US" dirty="0"/>
+          </a:p>
+        </p:txBody>
+      </p:sp>
+      <p:sp>
+        <p:nvSpPr>
+          <p:cNvPr id="214" name="四角形: 角を丸くする 213">
+            <a:extLst>
+              <a:ext uri="{FF2B5EF4-FFF2-40B4-BE49-F238E27FC236}">
+                <a16:creationId xmlns:a16="http://schemas.microsoft.com/office/drawing/2014/main" id="{AC2D99DA-466C-3432-DEB6-D4C655273941}"/>
+              </a:ext>
+            </a:extLst>
+          </p:cNvPr>
+          <p:cNvSpPr/>
+          <p:nvPr/>
+        </p:nvSpPr>
+        <p:spPr>
+          <a:xfrm>
+            <a:off x="3213010" y="1787802"/>
+            <a:ext cx="3580862" cy="1462424"/>
+          </a:xfrm>
+          <a:prstGeom prst="roundRect">
+            <a:avLst>
+              <a:gd name="adj" fmla="val 12306"/>
+            </a:avLst>
+          </a:prstGeom>
+          <a:solidFill>
+            <a:schemeClr val="bg2">
+              <a:lumMod val="90000"/>
+            </a:schemeClr>
+          </a:solidFill>
+          <a:ln w="57150">
+            <a:noFill/>
+          </a:ln>
+        </p:spPr>
+        <p:style>
+          <a:lnRef idx="2">
+            <a:schemeClr val="accent1">
+              <a:shade val="50000"/>
+            </a:schemeClr>
+          </a:lnRef>
+          <a:fillRef idx="1">
+            <a:schemeClr val="accent1"/>
+          </a:fillRef>
+          <a:effectRef idx="0">
+            <a:schemeClr val="accent1"/>
+          </a:effectRef>
+          <a:fontRef idx="minor">
+            <a:schemeClr val="lt1"/>
+          </a:fontRef>
+        </p:style>
+        <p:txBody>
+          <a:bodyPr rtlCol="0" anchor="ctr"/>
+          <a:lstStyle/>
+          <a:p>
+            <a:pPr algn="ctr"/>
+            <a:endParaRPr kumimoji="1" lang="ja-JP" altLang="en-US" dirty="0"/>
+          </a:p>
+        </p:txBody>
+      </p:sp>
+      <p:sp>
+        <p:nvSpPr>
+          <p:cNvPr id="215" name="四角形: 角を丸くする 214">
+            <a:extLst>
+              <a:ext uri="{FF2B5EF4-FFF2-40B4-BE49-F238E27FC236}">
+                <a16:creationId xmlns:a16="http://schemas.microsoft.com/office/drawing/2014/main" id="{FEE83064-B5A2-3074-6F63-74B0817A66A0}"/>
+              </a:ext>
+            </a:extLst>
+          </p:cNvPr>
+          <p:cNvSpPr/>
+          <p:nvPr/>
+        </p:nvSpPr>
+        <p:spPr>
+          <a:xfrm>
+            <a:off x="3291840" y="1860193"/>
+            <a:ext cx="3429000" cy="1319548"/>
+          </a:xfrm>
+          <a:prstGeom prst="roundRect">
+            <a:avLst>
+              <a:gd name="adj" fmla="val 5210"/>
+            </a:avLst>
+          </a:prstGeom>
+          <a:solidFill>
+            <a:schemeClr val="bg1"/>
+          </a:solidFill>
+          <a:ln w="57150">
+            <a:noFill/>
+          </a:ln>
+        </p:spPr>
+        <p:style>
+          <a:lnRef idx="2">
+            <a:schemeClr val="accent1">
+              <a:shade val="50000"/>
+            </a:schemeClr>
+          </a:lnRef>
+          <a:fillRef idx="1">
+            <a:schemeClr val="accent1"/>
+          </a:fillRef>
+          <a:effectRef idx="0">
+            <a:schemeClr val="accent1"/>
+          </a:effectRef>
+          <a:fontRef idx="minor">
+            <a:schemeClr val="lt1"/>
+          </a:fontRef>
+        </p:style>
+        <p:txBody>
+          <a:bodyPr rtlCol="0" anchor="ctr"/>
+          <a:lstStyle/>
+          <a:p>
+            <a:pPr algn="ctr"/>
+            <a:endParaRPr kumimoji="1" lang="ja-JP" altLang="en-US" dirty="0"/>
+          </a:p>
+        </p:txBody>
+      </p:sp>
+      <p:sp>
+        <p:nvSpPr>
+          <p:cNvPr id="219" name="L 字 218">
+            <a:extLst>
+              <a:ext uri="{FF2B5EF4-FFF2-40B4-BE49-F238E27FC236}">
+                <a16:creationId xmlns:a16="http://schemas.microsoft.com/office/drawing/2014/main" id="{2C4B04DF-13C0-2B59-46CA-09A5859B4D01}"/>
+              </a:ext>
+            </a:extLst>
+          </p:cNvPr>
+          <p:cNvSpPr>
+            <a:spLocks noChangeAspect="1"/>
+          </p:cNvSpPr>
+          <p:nvPr/>
+        </p:nvSpPr>
+        <p:spPr>
+          <a:xfrm rot="8220467">
+            <a:off x="6506600" y="2303680"/>
+            <a:ext cx="130638" cy="130638"/>
+          </a:xfrm>
+          <a:prstGeom prst="corner">
+            <a:avLst>
+              <a:gd name="adj1" fmla="val 29094"/>
+              <a:gd name="adj2" fmla="val 25610"/>
+            </a:avLst>
+          </a:prstGeom>
+          <a:solidFill>
+            <a:srgbClr val="D0CECE"/>
+          </a:solidFill>
+          <a:ln>
+            <a:noFill/>
+          </a:ln>
+        </p:spPr>
+        <p:style>
+          <a:lnRef idx="2">
+            <a:schemeClr val="accent1">
+              <a:shade val="50000"/>
+            </a:schemeClr>
+          </a:lnRef>
+          <a:fillRef idx="1">
+            <a:schemeClr val="accent1"/>
+          </a:fillRef>
+          <a:effectRef idx="0">
+            <a:schemeClr val="accent1"/>
+          </a:effectRef>
+          <a:fontRef idx="minor">
+            <a:schemeClr val="lt1"/>
+          </a:fontRef>
+        </p:style>
+        <p:txBody>
+          <a:bodyPr rtlCol="0" anchor="ctr"/>
+          <a:lstStyle/>
+          <a:p>
+            <a:pPr algn="ctr"/>
+            <a:endParaRPr kumimoji="1" lang="ja-JP" altLang="en-US"/>
+          </a:p>
+        </p:txBody>
+      </p:sp>
+      <p:sp>
+        <p:nvSpPr>
+          <p:cNvPr id="220" name="L 字 219">
+            <a:extLst>
+              <a:ext uri="{FF2B5EF4-FFF2-40B4-BE49-F238E27FC236}">
+                <a16:creationId xmlns:a16="http://schemas.microsoft.com/office/drawing/2014/main" id="{28A3FAF9-1873-9000-FD35-A42FC295C5E3}"/>
+              </a:ext>
+            </a:extLst>
+          </p:cNvPr>
+          <p:cNvSpPr>
+            <a:spLocks noChangeAspect="1"/>
+          </p:cNvSpPr>
+          <p:nvPr/>
+        </p:nvSpPr>
+        <p:spPr>
+          <a:xfrm rot="8220467">
+            <a:off x="6247765" y="2303679"/>
+            <a:ext cx="130638" cy="130638"/>
+          </a:xfrm>
+          <a:prstGeom prst="corner">
+            <a:avLst>
+              <a:gd name="adj1" fmla="val 29094"/>
+              <a:gd name="adj2" fmla="val 25610"/>
+            </a:avLst>
+          </a:prstGeom>
+          <a:solidFill>
+            <a:srgbClr val="D0CECE"/>
+          </a:solidFill>
+          <a:ln>
+            <a:noFill/>
+          </a:ln>
+        </p:spPr>
+        <p:style>
+          <a:lnRef idx="2">
+            <a:schemeClr val="accent1">
+              <a:shade val="50000"/>
+            </a:schemeClr>
+          </a:lnRef>
+          <a:fillRef idx="1">
+            <a:schemeClr val="accent1"/>
+          </a:fillRef>
+          <a:effectRef idx="0">
+            <a:schemeClr val="accent1"/>
+          </a:effectRef>
+          <a:fontRef idx="minor">
+            <a:schemeClr val="lt1"/>
+          </a:fontRef>
+        </p:style>
+        <p:txBody>
+          <a:bodyPr rtlCol="0" anchor="ctr"/>
+          <a:lstStyle/>
+          <a:p>
+            <a:pPr algn="ctr"/>
+            <a:endParaRPr kumimoji="1" lang="ja-JP" altLang="en-US"/>
+          </a:p>
+        </p:txBody>
+      </p:sp>
+      <p:sp>
+        <p:nvSpPr>
+          <p:cNvPr id="221" name="L 字 220">
+            <a:extLst>
+              <a:ext uri="{FF2B5EF4-FFF2-40B4-BE49-F238E27FC236}">
+                <a16:creationId xmlns:a16="http://schemas.microsoft.com/office/drawing/2014/main" id="{14BAD51B-CA65-583E-273D-2D3F6C0F531D}"/>
+              </a:ext>
+            </a:extLst>
+          </p:cNvPr>
+          <p:cNvSpPr>
+            <a:spLocks noChangeAspect="1"/>
+          </p:cNvSpPr>
+          <p:nvPr/>
+        </p:nvSpPr>
+        <p:spPr>
+          <a:xfrm rot="8220467">
+            <a:off x="5988931" y="2307859"/>
+            <a:ext cx="130638" cy="130638"/>
+          </a:xfrm>
+          <a:prstGeom prst="corner">
+            <a:avLst>
+              <a:gd name="adj1" fmla="val 29094"/>
+              <a:gd name="adj2" fmla="val 25610"/>
+            </a:avLst>
+          </a:prstGeom>
+          <a:solidFill>
+            <a:srgbClr val="D0CECE"/>
+          </a:solidFill>
+          <a:ln>
+            <a:noFill/>
+          </a:ln>
+        </p:spPr>
+        <p:style>
+          <a:lnRef idx="2">
+            <a:schemeClr val="accent1">
+              <a:shade val="50000"/>
+            </a:schemeClr>
+          </a:lnRef>
+          <a:fillRef idx="1">
+            <a:schemeClr val="accent1"/>
+          </a:fillRef>
+          <a:effectRef idx="0">
+            <a:schemeClr val="accent1"/>
+          </a:effectRef>
+          <a:fontRef idx="minor">
+            <a:schemeClr val="lt1"/>
+          </a:fontRef>
+        </p:style>
+        <p:txBody>
+          <a:bodyPr rtlCol="0" anchor="ctr"/>
+          <a:lstStyle/>
+          <a:p>
+            <a:pPr algn="ctr"/>
+            <a:endParaRPr kumimoji="1" lang="ja-JP" altLang="en-US"/>
+          </a:p>
+        </p:txBody>
+      </p:sp>
+      <p:sp>
+        <p:nvSpPr>
+          <p:cNvPr id="222" name="L 字 221">
+            <a:extLst>
+              <a:ext uri="{FF2B5EF4-FFF2-40B4-BE49-F238E27FC236}">
+                <a16:creationId xmlns:a16="http://schemas.microsoft.com/office/drawing/2014/main" id="{79DFF1C9-E3A8-F57F-C919-A0B166E958F7}"/>
+              </a:ext>
+            </a:extLst>
+          </p:cNvPr>
+          <p:cNvSpPr>
+            <a:spLocks noChangeAspect="1"/>
+          </p:cNvSpPr>
+          <p:nvPr/>
+        </p:nvSpPr>
+        <p:spPr>
+          <a:xfrm rot="8220467">
+            <a:off x="5730097" y="2303680"/>
+            <a:ext cx="130638" cy="130638"/>
+          </a:xfrm>
+          <a:prstGeom prst="corner">
+            <a:avLst>
+              <a:gd name="adj1" fmla="val 29094"/>
+              <a:gd name="adj2" fmla="val 25610"/>
+            </a:avLst>
+          </a:prstGeom>
+          <a:solidFill>
+            <a:srgbClr val="D0CECE"/>
+          </a:solidFill>
+          <a:ln>
+            <a:noFill/>
+          </a:ln>
+        </p:spPr>
+        <p:style>
+          <a:lnRef idx="2">
+            <a:schemeClr val="accent1">
+              <a:shade val="50000"/>
+            </a:schemeClr>
+          </a:lnRef>
+          <a:fillRef idx="1">
+            <a:schemeClr val="accent1"/>
+          </a:fillRef>
+          <a:effectRef idx="0">
+            <a:schemeClr val="accent1"/>
+          </a:effectRef>
+          <a:fontRef idx="minor">
+            <a:schemeClr val="lt1"/>
+          </a:fontRef>
+        </p:style>
+        <p:txBody>
+          <a:bodyPr rtlCol="0" anchor="ctr"/>
+          <a:lstStyle/>
+          <a:p>
+            <a:pPr algn="ctr"/>
+            <a:endParaRPr kumimoji="1" lang="ja-JP" altLang="en-US"/>
+          </a:p>
+        </p:txBody>
+      </p:sp>
+      <p:sp>
+        <p:nvSpPr>
+          <p:cNvPr id="223" name="L 字 222">
+            <a:extLst>
+              <a:ext uri="{FF2B5EF4-FFF2-40B4-BE49-F238E27FC236}">
+                <a16:creationId xmlns:a16="http://schemas.microsoft.com/office/drawing/2014/main" id="{553537B9-E180-4505-45A2-91E3A78B8A01}"/>
+              </a:ext>
+            </a:extLst>
+          </p:cNvPr>
+          <p:cNvSpPr>
+            <a:spLocks noChangeAspect="1"/>
+          </p:cNvSpPr>
+          <p:nvPr/>
+        </p:nvSpPr>
+        <p:spPr>
+          <a:xfrm rot="8220467">
+            <a:off x="5471262" y="2312623"/>
+            <a:ext cx="130638" cy="130638"/>
+          </a:xfrm>
+          <a:prstGeom prst="corner">
+            <a:avLst>
+              <a:gd name="adj1" fmla="val 29094"/>
+              <a:gd name="adj2" fmla="val 25610"/>
+            </a:avLst>
+          </a:prstGeom>
+          <a:solidFill>
+            <a:srgbClr val="D0CECE"/>
+          </a:solidFill>
+          <a:ln>
+            <a:noFill/>
+          </a:ln>
+        </p:spPr>
+        <p:style>
+          <a:lnRef idx="2">
+            <a:schemeClr val="accent1">
+              <a:shade val="50000"/>
+            </a:schemeClr>
+          </a:lnRef>
+          <a:fillRef idx="1">
+            <a:schemeClr val="accent1"/>
+          </a:fillRef>
+          <a:effectRef idx="0">
+            <a:schemeClr val="accent1"/>
+          </a:effectRef>
+          <a:fontRef idx="minor">
+            <a:schemeClr val="lt1"/>
+          </a:fontRef>
+        </p:style>
+        <p:txBody>
+          <a:bodyPr rtlCol="0" anchor="ctr"/>
+          <a:lstStyle/>
+          <a:p>
+            <a:pPr algn="ctr"/>
+            <a:endParaRPr kumimoji="1" lang="ja-JP" altLang="en-US"/>
+          </a:p>
+        </p:txBody>
+      </p:sp>
+      <p:sp>
+        <p:nvSpPr>
+          <p:cNvPr id="227" name="L 字 226">
+            <a:extLst>
+              <a:ext uri="{FF2B5EF4-FFF2-40B4-BE49-F238E27FC236}">
+                <a16:creationId xmlns:a16="http://schemas.microsoft.com/office/drawing/2014/main" id="{897A9E88-A4EF-6FB7-733A-A2BA18019C04}"/>
+              </a:ext>
+            </a:extLst>
+          </p:cNvPr>
+          <p:cNvSpPr>
+            <a:spLocks noChangeAspect="1"/>
+          </p:cNvSpPr>
+          <p:nvPr/>
+        </p:nvSpPr>
+        <p:spPr>
+          <a:xfrm rot="8220467">
+            <a:off x="6378930" y="2108291"/>
+            <a:ext cx="107577" cy="107577"/>
+          </a:xfrm>
+          <a:prstGeom prst="corner">
+            <a:avLst>
+              <a:gd name="adj1" fmla="val 29094"/>
+              <a:gd name="adj2" fmla="val 25610"/>
+            </a:avLst>
+          </a:prstGeom>
+          <a:solidFill>
+            <a:srgbClr val="D0CECE"/>
+          </a:solidFill>
+          <a:ln>
+            <a:noFill/>
+          </a:ln>
+        </p:spPr>
+        <p:style>
+          <a:lnRef idx="2">
+            <a:schemeClr val="accent1">
+              <a:shade val="50000"/>
+            </a:schemeClr>
+          </a:lnRef>
+          <a:fillRef idx="1">
+            <a:schemeClr val="accent1"/>
+          </a:fillRef>
+          <a:effectRef idx="0">
+            <a:schemeClr val="accent1"/>
+          </a:effectRef>
+          <a:fontRef idx="minor">
+            <a:schemeClr val="lt1"/>
+          </a:fontRef>
+        </p:style>
+        <p:txBody>
+          <a:bodyPr rtlCol="0" anchor="ctr"/>
+          <a:lstStyle/>
+          <a:p>
+            <a:pPr algn="ctr"/>
+            <a:endParaRPr kumimoji="1" lang="ja-JP" altLang="en-US"/>
+          </a:p>
+        </p:txBody>
+      </p:sp>
+      <p:sp>
+        <p:nvSpPr>
+          <p:cNvPr id="228" name="L 字 227">
+            <a:extLst>
+              <a:ext uri="{FF2B5EF4-FFF2-40B4-BE49-F238E27FC236}">
+                <a16:creationId xmlns:a16="http://schemas.microsoft.com/office/drawing/2014/main" id="{D6BCF78D-BDE4-5876-5412-3D9B22CC73C9}"/>
+              </a:ext>
+            </a:extLst>
+          </p:cNvPr>
+          <p:cNvSpPr>
+            <a:spLocks noChangeAspect="1"/>
+          </p:cNvSpPr>
+          <p:nvPr/>
+        </p:nvSpPr>
+        <p:spPr>
+          <a:xfrm rot="8220467">
+            <a:off x="6120095" y="2108290"/>
+            <a:ext cx="107577" cy="107577"/>
+          </a:xfrm>
+          <a:prstGeom prst="corner">
+            <a:avLst>
+              <a:gd name="adj1" fmla="val 29094"/>
+              <a:gd name="adj2" fmla="val 25610"/>
+            </a:avLst>
+          </a:prstGeom>
+          <a:solidFill>
+            <a:srgbClr val="D0CECE"/>
+          </a:solidFill>
+          <a:ln>
+            <a:noFill/>
+          </a:ln>
+        </p:spPr>
+        <p:style>
+          <a:lnRef idx="2">
+            <a:schemeClr val="accent1">
+              <a:shade val="50000"/>
+            </a:schemeClr>
+          </a:lnRef>
+          <a:fillRef idx="1">
+            <a:schemeClr val="accent1"/>
+          </a:fillRef>
+          <a:effectRef idx="0">
+            <a:schemeClr val="accent1"/>
+          </a:effectRef>
+          <a:fontRef idx="minor">
+            <a:schemeClr val="lt1"/>
+          </a:fontRef>
+        </p:style>
+        <p:txBody>
+          <a:bodyPr rtlCol="0" anchor="ctr"/>
+          <a:lstStyle/>
+          <a:p>
+            <a:pPr algn="ctr"/>
+            <a:endParaRPr kumimoji="1" lang="ja-JP" altLang="en-US"/>
+          </a:p>
+        </p:txBody>
+      </p:sp>
+      <p:sp>
+        <p:nvSpPr>
+          <p:cNvPr id="229" name="L 字 228">
+            <a:extLst>
+              <a:ext uri="{FF2B5EF4-FFF2-40B4-BE49-F238E27FC236}">
+                <a16:creationId xmlns:a16="http://schemas.microsoft.com/office/drawing/2014/main" id="{1348D7A6-6122-CD16-FA6F-D418FC79F4EA}"/>
+              </a:ext>
+            </a:extLst>
+          </p:cNvPr>
+          <p:cNvSpPr>
+            <a:spLocks noChangeAspect="1"/>
+          </p:cNvSpPr>
+          <p:nvPr/>
+        </p:nvSpPr>
+        <p:spPr>
+          <a:xfrm rot="8220467">
+            <a:off x="5861261" y="2112470"/>
+            <a:ext cx="107577" cy="107577"/>
+          </a:xfrm>
+          <a:prstGeom prst="corner">
+            <a:avLst>
+              <a:gd name="adj1" fmla="val 29094"/>
+              <a:gd name="adj2" fmla="val 25610"/>
+            </a:avLst>
+          </a:prstGeom>
+          <a:solidFill>
+            <a:srgbClr val="D0CECE"/>
+          </a:solidFill>
+          <a:ln>
+            <a:noFill/>
+          </a:ln>
+        </p:spPr>
+        <p:style>
+          <a:lnRef idx="2">
+            <a:schemeClr val="accent1">
+              <a:shade val="50000"/>
+            </a:schemeClr>
+          </a:lnRef>
+          <a:fillRef idx="1">
+            <a:schemeClr val="accent1"/>
+          </a:fillRef>
+          <a:effectRef idx="0">
+            <a:schemeClr val="accent1"/>
+          </a:effectRef>
+          <a:fontRef idx="minor">
+            <a:schemeClr val="lt1"/>
+          </a:fontRef>
+        </p:style>
+        <p:txBody>
+          <a:bodyPr rtlCol="0" anchor="ctr"/>
+          <a:lstStyle/>
+          <a:p>
+            <a:pPr algn="ctr"/>
+            <a:endParaRPr kumimoji="1" lang="ja-JP" altLang="en-US"/>
+          </a:p>
+        </p:txBody>
+      </p:sp>
+      <p:sp>
+        <p:nvSpPr>
+          <p:cNvPr id="230" name="L 字 229">
+            <a:extLst>
+              <a:ext uri="{FF2B5EF4-FFF2-40B4-BE49-F238E27FC236}">
+                <a16:creationId xmlns:a16="http://schemas.microsoft.com/office/drawing/2014/main" id="{C5528097-DB0C-F982-D23D-4A3A18CC8D59}"/>
+              </a:ext>
+            </a:extLst>
+          </p:cNvPr>
+          <p:cNvSpPr>
+            <a:spLocks noChangeAspect="1"/>
+          </p:cNvSpPr>
+          <p:nvPr/>
+        </p:nvSpPr>
+        <p:spPr>
+          <a:xfrm rot="8220467">
+            <a:off x="5602427" y="2108291"/>
+            <a:ext cx="107577" cy="107577"/>
+          </a:xfrm>
+          <a:prstGeom prst="corner">
+            <a:avLst>
+              <a:gd name="adj1" fmla="val 29094"/>
+              <a:gd name="adj2" fmla="val 25610"/>
+            </a:avLst>
+          </a:prstGeom>
+          <a:solidFill>
+            <a:srgbClr val="D0CECE"/>
+          </a:solidFill>
+          <a:ln>
+            <a:noFill/>
+          </a:ln>
+        </p:spPr>
+        <p:style>
+          <a:lnRef idx="2">
+            <a:schemeClr val="accent1">
+              <a:shade val="50000"/>
+            </a:schemeClr>
+          </a:lnRef>
+          <a:fillRef idx="1">
+            <a:schemeClr val="accent1"/>
+          </a:fillRef>
+          <a:effectRef idx="0">
+            <a:schemeClr val="accent1"/>
+          </a:effectRef>
+          <a:fontRef idx="minor">
+            <a:schemeClr val="lt1"/>
+          </a:fontRef>
+        </p:style>
+        <p:txBody>
+          <a:bodyPr rtlCol="0" anchor="ctr"/>
+          <a:lstStyle/>
+          <a:p>
+            <a:pPr algn="ctr"/>
+            <a:endParaRPr kumimoji="1" lang="ja-JP" altLang="en-US"/>
+          </a:p>
+        </p:txBody>
+      </p:sp>
+      <p:sp>
+        <p:nvSpPr>
+          <p:cNvPr id="235" name="L 字 234">
+            <a:extLst>
+              <a:ext uri="{FF2B5EF4-FFF2-40B4-BE49-F238E27FC236}">
+                <a16:creationId xmlns:a16="http://schemas.microsoft.com/office/drawing/2014/main" id="{398F48E9-5345-1058-E543-B987D4DBDC4B}"/>
+              </a:ext>
+            </a:extLst>
+          </p:cNvPr>
+          <p:cNvSpPr>
+            <a:spLocks noChangeAspect="1"/>
+          </p:cNvSpPr>
+          <p:nvPr/>
+        </p:nvSpPr>
+        <p:spPr>
+          <a:xfrm rot="8220467">
+            <a:off x="6239984" y="1930703"/>
+            <a:ext cx="96722" cy="96722"/>
+          </a:xfrm>
+          <a:prstGeom prst="corner">
+            <a:avLst>
+              <a:gd name="adj1" fmla="val 29094"/>
+              <a:gd name="adj2" fmla="val 25610"/>
+            </a:avLst>
+          </a:prstGeom>
+          <a:solidFill>
+            <a:srgbClr val="D0CECE"/>
+          </a:solidFill>
+          <a:ln>
+            <a:noFill/>
+          </a:ln>
+        </p:spPr>
+        <p:style>
+          <a:lnRef idx="2">
+            <a:schemeClr val="accent1">
+              <a:shade val="50000"/>
+            </a:schemeClr>
+          </a:lnRef>
+          <a:fillRef idx="1">
+            <a:schemeClr val="accent1"/>
+          </a:fillRef>
+          <a:effectRef idx="0">
+            <a:schemeClr val="accent1"/>
+          </a:effectRef>
+          <a:fontRef idx="minor">
+            <a:schemeClr val="lt1"/>
+          </a:fontRef>
+        </p:style>
+        <p:txBody>
+          <a:bodyPr rtlCol="0" anchor="ctr"/>
+          <a:lstStyle/>
+          <a:p>
+            <a:pPr algn="ctr"/>
+            <a:endParaRPr kumimoji="1" lang="ja-JP" altLang="en-US"/>
+          </a:p>
+        </p:txBody>
+      </p:sp>
+      <p:sp>
+        <p:nvSpPr>
+          <p:cNvPr id="236" name="L 字 235">
+            <a:extLst>
+              <a:ext uri="{FF2B5EF4-FFF2-40B4-BE49-F238E27FC236}">
+                <a16:creationId xmlns:a16="http://schemas.microsoft.com/office/drawing/2014/main" id="{F8BB31A5-56A1-3A00-E6BA-49A58B18DFA1}"/>
+              </a:ext>
+            </a:extLst>
+          </p:cNvPr>
+          <p:cNvSpPr>
+            <a:spLocks noChangeAspect="1"/>
+          </p:cNvSpPr>
+          <p:nvPr/>
+        </p:nvSpPr>
+        <p:spPr>
+          <a:xfrm rot="8220467">
+            <a:off x="5981150" y="1934883"/>
+            <a:ext cx="96722" cy="96722"/>
+          </a:xfrm>
+          <a:prstGeom prst="corner">
+            <a:avLst>
+              <a:gd name="adj1" fmla="val 29094"/>
+              <a:gd name="adj2" fmla="val 25610"/>
+            </a:avLst>
+          </a:prstGeom>
+          <a:solidFill>
+            <a:srgbClr val="D0CECE"/>
+          </a:solidFill>
+          <a:ln>
+            <a:noFill/>
+          </a:ln>
+        </p:spPr>
+        <p:style>
+          <a:lnRef idx="2">
+            <a:schemeClr val="accent1">
+              <a:shade val="50000"/>
+            </a:schemeClr>
+          </a:lnRef>
+          <a:fillRef idx="1">
+            <a:schemeClr val="accent1"/>
+          </a:fillRef>
+          <a:effectRef idx="0">
+            <a:schemeClr val="accent1"/>
+          </a:effectRef>
+          <a:fontRef idx="minor">
+            <a:schemeClr val="lt1"/>
+          </a:fontRef>
+        </p:style>
+        <p:txBody>
+          <a:bodyPr rtlCol="0" anchor="ctr"/>
+          <a:lstStyle/>
+          <a:p>
+            <a:pPr algn="ctr"/>
+            <a:endParaRPr kumimoji="1" lang="ja-JP" altLang="en-US"/>
+          </a:p>
+        </p:txBody>
+      </p:sp>
+      <p:sp>
+        <p:nvSpPr>
+          <p:cNvPr id="237" name="L 字 236">
+            <a:extLst>
+              <a:ext uri="{FF2B5EF4-FFF2-40B4-BE49-F238E27FC236}">
+                <a16:creationId xmlns:a16="http://schemas.microsoft.com/office/drawing/2014/main" id="{FE96F407-2C30-77CE-5276-55CC61CC526C}"/>
+              </a:ext>
+            </a:extLst>
+          </p:cNvPr>
+          <p:cNvSpPr>
+            <a:spLocks noChangeAspect="1"/>
+          </p:cNvSpPr>
+          <p:nvPr/>
+        </p:nvSpPr>
+        <p:spPr>
+          <a:xfrm rot="8220467">
+            <a:off x="5722316" y="1930704"/>
+            <a:ext cx="96722" cy="96722"/>
+          </a:xfrm>
+          <a:prstGeom prst="corner">
+            <a:avLst>
+              <a:gd name="adj1" fmla="val 29094"/>
+              <a:gd name="adj2" fmla="val 25610"/>
+            </a:avLst>
+          </a:prstGeom>
+          <a:solidFill>
+            <a:srgbClr val="D0CECE"/>
+          </a:solidFill>
+          <a:ln>
+            <a:noFill/>
+          </a:ln>
+        </p:spPr>
+        <p:style>
+          <a:lnRef idx="2">
+            <a:schemeClr val="accent1">
+              <a:shade val="50000"/>
+            </a:schemeClr>
+          </a:lnRef>
+          <a:fillRef idx="1">
+            <a:schemeClr val="accent1"/>
+          </a:fillRef>
+          <a:effectRef idx="0">
+            <a:schemeClr val="accent1"/>
+          </a:effectRef>
+          <a:fontRef idx="minor">
+            <a:schemeClr val="lt1"/>
+          </a:fontRef>
+        </p:style>
+        <p:txBody>
+          <a:bodyPr rtlCol="0" anchor="ctr"/>
+          <a:lstStyle/>
+          <a:p>
+            <a:pPr algn="ctr"/>
+            <a:endParaRPr kumimoji="1" lang="ja-JP" altLang="en-US"/>
+          </a:p>
+        </p:txBody>
+      </p:sp>
+      <p:sp>
+        <p:nvSpPr>
+          <p:cNvPr id="238" name="L 字 237">
+            <a:extLst>
+              <a:ext uri="{FF2B5EF4-FFF2-40B4-BE49-F238E27FC236}">
+                <a16:creationId xmlns:a16="http://schemas.microsoft.com/office/drawing/2014/main" id="{20F6CDC1-FC12-A919-43E8-560DBA0D11BA}"/>
+              </a:ext>
+            </a:extLst>
+          </p:cNvPr>
+          <p:cNvSpPr>
+            <a:spLocks noChangeAspect="1"/>
+          </p:cNvSpPr>
+          <p:nvPr/>
+        </p:nvSpPr>
+        <p:spPr>
+          <a:xfrm rot="8220467">
+            <a:off x="5463481" y="1939647"/>
+            <a:ext cx="96722" cy="96722"/>
+          </a:xfrm>
+          <a:prstGeom prst="corner">
+            <a:avLst>
+              <a:gd name="adj1" fmla="val 29094"/>
+              <a:gd name="adj2" fmla="val 25610"/>
+            </a:avLst>
+          </a:prstGeom>
+          <a:solidFill>
+            <a:srgbClr val="D0CECE"/>
+          </a:solidFill>
+          <a:ln>
+            <a:noFill/>
+          </a:ln>
+        </p:spPr>
+        <p:style>
+          <a:lnRef idx="2">
+            <a:schemeClr val="accent1">
+              <a:shade val="50000"/>
+            </a:schemeClr>
+          </a:lnRef>
+          <a:fillRef idx="1">
+            <a:schemeClr val="accent1"/>
+          </a:fillRef>
+          <a:effectRef idx="0">
+            <a:schemeClr val="accent1"/>
+          </a:effectRef>
+          <a:fontRef idx="minor">
+            <a:schemeClr val="lt1"/>
+          </a:fontRef>
+        </p:style>
+        <p:txBody>
+          <a:bodyPr rtlCol="0" anchor="ctr"/>
+          <a:lstStyle/>
+          <a:p>
+            <a:pPr algn="ctr"/>
+            <a:endParaRPr kumimoji="1" lang="ja-JP" altLang="en-US"/>
+          </a:p>
+        </p:txBody>
+      </p:sp>
+      <p:sp>
+        <p:nvSpPr>
+          <p:cNvPr id="239" name="L 字 238">
+            <a:extLst>
+              <a:ext uri="{FF2B5EF4-FFF2-40B4-BE49-F238E27FC236}">
+                <a16:creationId xmlns:a16="http://schemas.microsoft.com/office/drawing/2014/main" id="{5F96B84B-92E3-534A-3068-F1DB2BBCD97F}"/>
+              </a:ext>
+            </a:extLst>
+          </p:cNvPr>
+          <p:cNvSpPr>
+            <a:spLocks noChangeAspect="1"/>
+          </p:cNvSpPr>
+          <p:nvPr/>
+        </p:nvSpPr>
+        <p:spPr>
+          <a:xfrm rot="8220467">
+            <a:off x="5180372" y="1946282"/>
+            <a:ext cx="96722" cy="96722"/>
+          </a:xfrm>
+          <a:prstGeom prst="corner">
+            <a:avLst>
+              <a:gd name="adj1" fmla="val 29094"/>
+              <a:gd name="adj2" fmla="val 25610"/>
+            </a:avLst>
+          </a:prstGeom>
+          <a:solidFill>
+            <a:srgbClr val="D0CECE"/>
+          </a:solidFill>
+          <a:ln>
+            <a:noFill/>
+          </a:ln>
+        </p:spPr>
+        <p:style>
+          <a:lnRef idx="2">
+            <a:schemeClr val="accent1">
+              <a:shade val="50000"/>
+            </a:schemeClr>
+          </a:lnRef>
+          <a:fillRef idx="1">
+            <a:schemeClr val="accent1"/>
+          </a:fillRef>
+          <a:effectRef idx="0">
+            <a:schemeClr val="accent1"/>
+          </a:effectRef>
+          <a:fontRef idx="minor">
+            <a:schemeClr val="lt1"/>
+          </a:fontRef>
+        </p:style>
+        <p:txBody>
+          <a:bodyPr rtlCol="0" anchor="ctr"/>
+          <a:lstStyle/>
+          <a:p>
+            <a:pPr algn="ctr"/>
+            <a:endParaRPr kumimoji="1" lang="ja-JP" altLang="en-US"/>
+          </a:p>
+        </p:txBody>
+      </p:sp>
+      <p:sp>
+        <p:nvSpPr>
+          <p:cNvPr id="240" name="L 字 239">
+            <a:extLst>
+              <a:ext uri="{FF2B5EF4-FFF2-40B4-BE49-F238E27FC236}">
+                <a16:creationId xmlns:a16="http://schemas.microsoft.com/office/drawing/2014/main" id="{556C5390-D0FE-E2FA-43DB-044E3F997A82}"/>
+              </a:ext>
+            </a:extLst>
+          </p:cNvPr>
+          <p:cNvSpPr>
+            <a:spLocks noChangeAspect="1"/>
+          </p:cNvSpPr>
+          <p:nvPr/>
+        </p:nvSpPr>
+        <p:spPr>
+          <a:xfrm rot="8220467">
+            <a:off x="5344765" y="2119511"/>
+            <a:ext cx="107577" cy="107577"/>
+          </a:xfrm>
+          <a:prstGeom prst="corner">
+            <a:avLst>
+              <a:gd name="adj1" fmla="val 29094"/>
+              <a:gd name="adj2" fmla="val 25610"/>
+            </a:avLst>
+          </a:prstGeom>
+          <a:solidFill>
+            <a:srgbClr val="D0CECE"/>
+          </a:solidFill>
+          <a:ln>
+            <a:noFill/>
+          </a:ln>
+        </p:spPr>
+        <p:style>
+          <a:lnRef idx="2">
+            <a:schemeClr val="accent1">
+              <a:shade val="50000"/>
+            </a:schemeClr>
+          </a:lnRef>
+          <a:fillRef idx="1">
+            <a:schemeClr val="accent1"/>
+          </a:fillRef>
+          <a:effectRef idx="0">
+            <a:schemeClr val="accent1"/>
+          </a:effectRef>
+          <a:fontRef idx="minor">
+            <a:schemeClr val="lt1"/>
+          </a:fontRef>
+        </p:style>
+        <p:txBody>
+          <a:bodyPr rtlCol="0" anchor="ctr"/>
+          <a:lstStyle/>
+          <a:p>
+            <a:pPr algn="ctr"/>
+            <a:endParaRPr kumimoji="1" lang="ja-JP" altLang="en-US"/>
+          </a:p>
+        </p:txBody>
+      </p:sp>
+      <p:sp>
+        <p:nvSpPr>
+          <p:cNvPr id="243" name="L 字 242">
+            <a:extLst>
+              <a:ext uri="{FF2B5EF4-FFF2-40B4-BE49-F238E27FC236}">
+                <a16:creationId xmlns:a16="http://schemas.microsoft.com/office/drawing/2014/main" id="{0F23ADC7-4207-A295-6C9C-FD2D4208362C}"/>
+              </a:ext>
+            </a:extLst>
+          </p:cNvPr>
+          <p:cNvSpPr>
+            <a:spLocks noChangeAspect="1"/>
+          </p:cNvSpPr>
+          <p:nvPr/>
+        </p:nvSpPr>
+        <p:spPr>
+          <a:xfrm rot="8220467">
+            <a:off x="5186265" y="2314866"/>
+            <a:ext cx="130638" cy="130638"/>
+          </a:xfrm>
+          <a:prstGeom prst="corner">
+            <a:avLst>
+              <a:gd name="adj1" fmla="val 29094"/>
+              <a:gd name="adj2" fmla="val 25610"/>
+            </a:avLst>
+          </a:prstGeom>
+          <a:solidFill>
+            <a:srgbClr val="D0CECE"/>
+          </a:solidFill>
+          <a:ln>
+            <a:noFill/>
+          </a:ln>
+        </p:spPr>
+        <p:style>
+          <a:lnRef idx="2">
+            <a:schemeClr val="accent1">
+              <a:shade val="50000"/>
+            </a:schemeClr>
+          </a:lnRef>
+          <a:fillRef idx="1">
+            <a:schemeClr val="accent1"/>
+          </a:fillRef>
+          <a:effectRef idx="0">
+            <a:schemeClr val="accent1"/>
+          </a:effectRef>
+          <a:fontRef idx="minor">
+            <a:schemeClr val="lt1"/>
+          </a:fontRef>
+        </p:style>
+        <p:txBody>
+          <a:bodyPr rtlCol="0" anchor="ctr"/>
+          <a:lstStyle/>
+          <a:p>
+            <a:pPr algn="ctr"/>
+            <a:endParaRPr kumimoji="1" lang="ja-JP" altLang="en-US"/>
+          </a:p>
+        </p:txBody>
+      </p:sp>
+      <p:sp>
+        <p:nvSpPr>
+          <p:cNvPr id="244" name="L 字 243">
+            <a:extLst>
+              <a:ext uri="{FF2B5EF4-FFF2-40B4-BE49-F238E27FC236}">
+                <a16:creationId xmlns:a16="http://schemas.microsoft.com/office/drawing/2014/main" id="{5B4A78DF-B674-ACDE-D2B1-45C71F35A39A}"/>
+              </a:ext>
+            </a:extLst>
+          </p:cNvPr>
+          <p:cNvSpPr>
+            <a:spLocks noChangeAspect="1"/>
+          </p:cNvSpPr>
+          <p:nvPr/>
+        </p:nvSpPr>
+        <p:spPr>
+          <a:xfrm rot="8220467">
+            <a:off x="4928597" y="2314867"/>
+            <a:ext cx="130638" cy="130638"/>
+          </a:xfrm>
+          <a:prstGeom prst="corner">
+            <a:avLst>
+              <a:gd name="adj1" fmla="val 29094"/>
+              <a:gd name="adj2" fmla="val 25610"/>
+            </a:avLst>
+          </a:prstGeom>
+          <a:solidFill>
+            <a:srgbClr val="D0CECE"/>
+          </a:solidFill>
+          <a:ln>
+            <a:noFill/>
+          </a:ln>
+        </p:spPr>
+        <p:style>
+          <a:lnRef idx="2">
+            <a:schemeClr val="accent1">
+              <a:shade val="50000"/>
+            </a:schemeClr>
+          </a:lnRef>
+          <a:fillRef idx="1">
+            <a:schemeClr val="accent1"/>
+          </a:fillRef>
+          <a:effectRef idx="0">
+            <a:schemeClr val="accent1"/>
+          </a:effectRef>
+          <a:fontRef idx="minor">
+            <a:schemeClr val="lt1"/>
+          </a:fontRef>
+        </p:style>
+        <p:txBody>
+          <a:bodyPr rtlCol="0" anchor="ctr"/>
+          <a:lstStyle/>
+          <a:p>
+            <a:pPr algn="ctr"/>
+            <a:endParaRPr kumimoji="1" lang="ja-JP" altLang="en-US"/>
+          </a:p>
+        </p:txBody>
+      </p:sp>
+      <p:sp>
+        <p:nvSpPr>
+          <p:cNvPr id="245" name="L 字 244">
+            <a:extLst>
+              <a:ext uri="{FF2B5EF4-FFF2-40B4-BE49-F238E27FC236}">
+                <a16:creationId xmlns:a16="http://schemas.microsoft.com/office/drawing/2014/main" id="{59AB5D14-C46C-2900-5987-AFA8BB6CCF11}"/>
+              </a:ext>
+            </a:extLst>
+          </p:cNvPr>
+          <p:cNvSpPr>
+            <a:spLocks noChangeAspect="1"/>
+          </p:cNvSpPr>
+          <p:nvPr/>
+        </p:nvSpPr>
+        <p:spPr>
+          <a:xfrm rot="8220467">
+            <a:off x="4669762" y="2315647"/>
+            <a:ext cx="130638" cy="130638"/>
+          </a:xfrm>
+          <a:prstGeom prst="corner">
+            <a:avLst>
+              <a:gd name="adj1" fmla="val 29094"/>
+              <a:gd name="adj2" fmla="val 25610"/>
+            </a:avLst>
+          </a:prstGeom>
+          <a:solidFill>
+            <a:srgbClr val="D0CECE"/>
+          </a:solidFill>
+          <a:ln>
+            <a:noFill/>
+          </a:ln>
+        </p:spPr>
+        <p:style>
+          <a:lnRef idx="2">
+            <a:schemeClr val="accent1">
+              <a:shade val="50000"/>
+            </a:schemeClr>
+          </a:lnRef>
+          <a:fillRef idx="1">
+            <a:schemeClr val="accent1"/>
+          </a:fillRef>
+          <a:effectRef idx="0">
+            <a:schemeClr val="accent1"/>
+          </a:effectRef>
+          <a:fontRef idx="minor">
+            <a:schemeClr val="lt1"/>
+          </a:fontRef>
+        </p:style>
+        <p:txBody>
+          <a:bodyPr rtlCol="0" anchor="ctr"/>
+          <a:lstStyle/>
+          <a:p>
+            <a:pPr algn="ctr"/>
+            <a:endParaRPr kumimoji="1" lang="ja-JP" altLang="en-US"/>
+          </a:p>
+        </p:txBody>
+      </p:sp>
+      <p:sp>
+        <p:nvSpPr>
+          <p:cNvPr id="246" name="L 字 245">
+            <a:extLst>
+              <a:ext uri="{FF2B5EF4-FFF2-40B4-BE49-F238E27FC236}">
+                <a16:creationId xmlns:a16="http://schemas.microsoft.com/office/drawing/2014/main" id="{01F36945-3079-DC1C-BEF5-D592BD218994}"/>
+              </a:ext>
+            </a:extLst>
+          </p:cNvPr>
+          <p:cNvSpPr>
+            <a:spLocks noChangeAspect="1"/>
+          </p:cNvSpPr>
+          <p:nvPr/>
+        </p:nvSpPr>
+        <p:spPr>
+          <a:xfrm rot="8220467">
+            <a:off x="4410928" y="2314867"/>
+            <a:ext cx="130638" cy="130638"/>
+          </a:xfrm>
+          <a:prstGeom prst="corner">
+            <a:avLst>
+              <a:gd name="adj1" fmla="val 29094"/>
+              <a:gd name="adj2" fmla="val 25610"/>
+            </a:avLst>
+          </a:prstGeom>
+          <a:solidFill>
+            <a:srgbClr val="D0CECE"/>
+          </a:solidFill>
+          <a:ln>
+            <a:noFill/>
+          </a:ln>
+        </p:spPr>
+        <p:style>
+          <a:lnRef idx="2">
+            <a:schemeClr val="accent1">
+              <a:shade val="50000"/>
+            </a:schemeClr>
+          </a:lnRef>
+          <a:fillRef idx="1">
+            <a:schemeClr val="accent1"/>
+          </a:fillRef>
+          <a:effectRef idx="0">
+            <a:schemeClr val="accent1"/>
+          </a:effectRef>
+          <a:fontRef idx="minor">
+            <a:schemeClr val="lt1"/>
+          </a:fontRef>
+        </p:style>
+        <p:txBody>
+          <a:bodyPr rtlCol="0" anchor="ctr"/>
+          <a:lstStyle/>
+          <a:p>
+            <a:pPr algn="ctr"/>
+            <a:endParaRPr kumimoji="1" lang="ja-JP" altLang="en-US"/>
+          </a:p>
+        </p:txBody>
+      </p:sp>
+      <p:sp>
+        <p:nvSpPr>
+          <p:cNvPr id="251" name="L 字 250">
+            <a:extLst>
+              <a:ext uri="{FF2B5EF4-FFF2-40B4-BE49-F238E27FC236}">
+                <a16:creationId xmlns:a16="http://schemas.microsoft.com/office/drawing/2014/main" id="{137D61DA-BBAA-B00D-E765-7C23B2CC0EB5}"/>
+              </a:ext>
+            </a:extLst>
+          </p:cNvPr>
+          <p:cNvSpPr>
+            <a:spLocks noChangeAspect="1"/>
+          </p:cNvSpPr>
+          <p:nvPr/>
+        </p:nvSpPr>
+        <p:spPr>
+          <a:xfrm rot="8220467">
+            <a:off x="5058595" y="2119477"/>
+            <a:ext cx="107577" cy="107577"/>
+          </a:xfrm>
+          <a:prstGeom prst="corner">
+            <a:avLst>
+              <a:gd name="adj1" fmla="val 29094"/>
+              <a:gd name="adj2" fmla="val 25610"/>
+            </a:avLst>
+          </a:prstGeom>
+          <a:solidFill>
+            <a:srgbClr val="D0CECE"/>
+          </a:solidFill>
+          <a:ln>
+            <a:noFill/>
+          </a:ln>
+        </p:spPr>
+        <p:style>
+          <a:lnRef idx="2">
+            <a:schemeClr val="accent1">
+              <a:shade val="50000"/>
+            </a:schemeClr>
+          </a:lnRef>
+          <a:fillRef idx="1">
+            <a:schemeClr val="accent1"/>
+          </a:fillRef>
+          <a:effectRef idx="0">
+            <a:schemeClr val="accent1"/>
+          </a:effectRef>
+          <a:fontRef idx="minor">
+            <a:schemeClr val="lt1"/>
+          </a:fontRef>
+        </p:style>
+        <p:txBody>
+          <a:bodyPr rtlCol="0" anchor="ctr"/>
+          <a:lstStyle/>
+          <a:p>
+            <a:pPr algn="ctr"/>
+            <a:endParaRPr kumimoji="1" lang="ja-JP" altLang="en-US"/>
+          </a:p>
+        </p:txBody>
+      </p:sp>
+      <p:sp>
+        <p:nvSpPr>
+          <p:cNvPr id="252" name="L 字 251">
+            <a:extLst>
+              <a:ext uri="{FF2B5EF4-FFF2-40B4-BE49-F238E27FC236}">
+                <a16:creationId xmlns:a16="http://schemas.microsoft.com/office/drawing/2014/main" id="{86988AD0-5499-274B-204E-19D0323D1DC2}"/>
+              </a:ext>
+            </a:extLst>
+          </p:cNvPr>
+          <p:cNvSpPr>
+            <a:spLocks noChangeAspect="1"/>
+          </p:cNvSpPr>
+          <p:nvPr/>
+        </p:nvSpPr>
+        <p:spPr>
+          <a:xfrm rot="8220467">
+            <a:off x="4800927" y="2119478"/>
+            <a:ext cx="107577" cy="107577"/>
+          </a:xfrm>
+          <a:prstGeom prst="corner">
+            <a:avLst>
+              <a:gd name="adj1" fmla="val 29094"/>
+              <a:gd name="adj2" fmla="val 25610"/>
+            </a:avLst>
+          </a:prstGeom>
+          <a:solidFill>
+            <a:srgbClr val="D0CECE"/>
+          </a:solidFill>
+          <a:ln>
+            <a:noFill/>
+          </a:ln>
+        </p:spPr>
+        <p:style>
+          <a:lnRef idx="2">
+            <a:schemeClr val="accent1">
+              <a:shade val="50000"/>
+            </a:schemeClr>
+          </a:lnRef>
+          <a:fillRef idx="1">
+            <a:schemeClr val="accent1"/>
+          </a:fillRef>
+          <a:effectRef idx="0">
+            <a:schemeClr val="accent1"/>
+          </a:effectRef>
+          <a:fontRef idx="minor">
+            <a:schemeClr val="lt1"/>
+          </a:fontRef>
+        </p:style>
+        <p:txBody>
+          <a:bodyPr rtlCol="0" anchor="ctr"/>
+          <a:lstStyle/>
+          <a:p>
+            <a:pPr algn="ctr"/>
+            <a:endParaRPr kumimoji="1" lang="ja-JP" altLang="en-US"/>
+          </a:p>
+        </p:txBody>
+      </p:sp>
+      <p:sp>
+        <p:nvSpPr>
+          <p:cNvPr id="253" name="L 字 252">
+            <a:extLst>
+              <a:ext uri="{FF2B5EF4-FFF2-40B4-BE49-F238E27FC236}">
+                <a16:creationId xmlns:a16="http://schemas.microsoft.com/office/drawing/2014/main" id="{BEE2BA73-2EAB-3EE6-3048-AA8D355BC4CA}"/>
+              </a:ext>
+            </a:extLst>
+          </p:cNvPr>
+          <p:cNvSpPr>
+            <a:spLocks noChangeAspect="1"/>
+          </p:cNvSpPr>
+          <p:nvPr/>
+        </p:nvSpPr>
+        <p:spPr>
+          <a:xfrm rot="8220467">
+            <a:off x="4542092" y="2120258"/>
+            <a:ext cx="107577" cy="107577"/>
+          </a:xfrm>
+          <a:prstGeom prst="corner">
+            <a:avLst>
+              <a:gd name="adj1" fmla="val 29094"/>
+              <a:gd name="adj2" fmla="val 25610"/>
+            </a:avLst>
+          </a:prstGeom>
+          <a:solidFill>
+            <a:srgbClr val="D0CECE"/>
+          </a:solidFill>
+          <a:ln>
+            <a:noFill/>
+          </a:ln>
+        </p:spPr>
+        <p:style>
+          <a:lnRef idx="2">
+            <a:schemeClr val="accent1">
+              <a:shade val="50000"/>
+            </a:schemeClr>
+          </a:lnRef>
+          <a:fillRef idx="1">
+            <a:schemeClr val="accent1"/>
+          </a:fillRef>
+          <a:effectRef idx="0">
+            <a:schemeClr val="accent1"/>
+          </a:effectRef>
+          <a:fontRef idx="minor">
+            <a:schemeClr val="lt1"/>
+          </a:fontRef>
+        </p:style>
+        <p:txBody>
+          <a:bodyPr rtlCol="0" anchor="ctr"/>
+          <a:lstStyle/>
+          <a:p>
+            <a:pPr algn="ctr"/>
+            <a:endParaRPr kumimoji="1" lang="ja-JP" altLang="en-US"/>
+          </a:p>
+        </p:txBody>
+      </p:sp>
+      <p:sp>
+        <p:nvSpPr>
+          <p:cNvPr id="254" name="L 字 253">
+            <a:extLst>
+              <a:ext uri="{FF2B5EF4-FFF2-40B4-BE49-F238E27FC236}">
+                <a16:creationId xmlns:a16="http://schemas.microsoft.com/office/drawing/2014/main" id="{D08835D9-A9C9-0892-A72E-00547DFB33E4}"/>
+              </a:ext>
+            </a:extLst>
+          </p:cNvPr>
+          <p:cNvSpPr>
+            <a:spLocks noChangeAspect="1"/>
+          </p:cNvSpPr>
+          <p:nvPr/>
+        </p:nvSpPr>
+        <p:spPr>
+          <a:xfrm rot="8220467">
+            <a:off x="4283258" y="2119478"/>
+            <a:ext cx="107577" cy="107577"/>
+          </a:xfrm>
+          <a:prstGeom prst="corner">
+            <a:avLst>
+              <a:gd name="adj1" fmla="val 29094"/>
+              <a:gd name="adj2" fmla="val 25610"/>
+            </a:avLst>
+          </a:prstGeom>
+          <a:solidFill>
+            <a:srgbClr val="D0CECE"/>
+          </a:solidFill>
+          <a:ln>
+            <a:noFill/>
+          </a:ln>
+        </p:spPr>
+        <p:style>
+          <a:lnRef idx="2">
+            <a:schemeClr val="accent1">
+              <a:shade val="50000"/>
+            </a:schemeClr>
+          </a:lnRef>
+          <a:fillRef idx="1">
+            <a:schemeClr val="accent1"/>
+          </a:fillRef>
+          <a:effectRef idx="0">
+            <a:schemeClr val="accent1"/>
+          </a:effectRef>
+          <a:fontRef idx="minor">
+            <a:schemeClr val="lt1"/>
+          </a:fontRef>
+        </p:style>
+        <p:txBody>
+          <a:bodyPr rtlCol="0" anchor="ctr"/>
+          <a:lstStyle/>
+          <a:p>
+            <a:pPr algn="ctr"/>
+            <a:endParaRPr kumimoji="1" lang="ja-JP" altLang="en-US"/>
+          </a:p>
+        </p:txBody>
+      </p:sp>
+      <p:sp>
+        <p:nvSpPr>
+          <p:cNvPr id="258" name="L 字 257">
+            <a:extLst>
+              <a:ext uri="{FF2B5EF4-FFF2-40B4-BE49-F238E27FC236}">
+                <a16:creationId xmlns:a16="http://schemas.microsoft.com/office/drawing/2014/main" id="{FED3CDE3-5232-66BB-2FA3-CDB57AA88861}"/>
+              </a:ext>
+            </a:extLst>
+          </p:cNvPr>
+          <p:cNvSpPr>
+            <a:spLocks noChangeAspect="1"/>
+          </p:cNvSpPr>
+          <p:nvPr/>
+        </p:nvSpPr>
+        <p:spPr>
+          <a:xfrm rot="8220467">
+            <a:off x="5178484" y="1941890"/>
+            <a:ext cx="96722" cy="96722"/>
+          </a:xfrm>
+          <a:prstGeom prst="corner">
+            <a:avLst>
+              <a:gd name="adj1" fmla="val 29094"/>
+              <a:gd name="adj2" fmla="val 25610"/>
+            </a:avLst>
+          </a:prstGeom>
+          <a:solidFill>
+            <a:srgbClr val="D0CECE"/>
+          </a:solidFill>
+          <a:ln>
+            <a:noFill/>
+          </a:ln>
+        </p:spPr>
+        <p:style>
+          <a:lnRef idx="2">
+            <a:schemeClr val="accent1">
+              <a:shade val="50000"/>
+            </a:schemeClr>
+          </a:lnRef>
+          <a:fillRef idx="1">
+            <a:schemeClr val="accent1"/>
+          </a:fillRef>
+          <a:effectRef idx="0">
+            <a:schemeClr val="accent1"/>
+          </a:effectRef>
+          <a:fontRef idx="minor">
+            <a:schemeClr val="lt1"/>
+          </a:fontRef>
+        </p:style>
+        <p:txBody>
+          <a:bodyPr rtlCol="0" anchor="ctr"/>
+          <a:lstStyle/>
+          <a:p>
+            <a:pPr algn="ctr"/>
+            <a:endParaRPr kumimoji="1" lang="ja-JP" altLang="en-US"/>
+          </a:p>
+        </p:txBody>
+      </p:sp>
+      <p:sp>
+        <p:nvSpPr>
+          <p:cNvPr id="259" name="L 字 258">
+            <a:extLst>
+              <a:ext uri="{FF2B5EF4-FFF2-40B4-BE49-F238E27FC236}">
+                <a16:creationId xmlns:a16="http://schemas.microsoft.com/office/drawing/2014/main" id="{85712C3A-3E30-DE21-0DE8-11DDC99F44FB}"/>
+              </a:ext>
+            </a:extLst>
+          </p:cNvPr>
+          <p:cNvSpPr>
+            <a:spLocks noChangeAspect="1"/>
+          </p:cNvSpPr>
+          <p:nvPr/>
+        </p:nvSpPr>
+        <p:spPr>
+          <a:xfrm rot="8220467">
+            <a:off x="4920816" y="1941891"/>
+            <a:ext cx="96722" cy="96722"/>
+          </a:xfrm>
+          <a:prstGeom prst="corner">
+            <a:avLst>
+              <a:gd name="adj1" fmla="val 29094"/>
+              <a:gd name="adj2" fmla="val 25610"/>
+            </a:avLst>
+          </a:prstGeom>
+          <a:solidFill>
+            <a:srgbClr val="D0CECE"/>
+          </a:solidFill>
+          <a:ln>
+            <a:noFill/>
+          </a:ln>
+        </p:spPr>
+        <p:style>
+          <a:lnRef idx="2">
+            <a:schemeClr val="accent1">
+              <a:shade val="50000"/>
+            </a:schemeClr>
+          </a:lnRef>
+          <a:fillRef idx="1">
+            <a:schemeClr val="accent1"/>
+          </a:fillRef>
+          <a:effectRef idx="0">
+            <a:schemeClr val="accent1"/>
+          </a:effectRef>
+          <a:fontRef idx="minor">
+            <a:schemeClr val="lt1"/>
+          </a:fontRef>
+        </p:style>
+        <p:txBody>
+          <a:bodyPr rtlCol="0" anchor="ctr"/>
+          <a:lstStyle/>
+          <a:p>
+            <a:pPr algn="ctr"/>
+            <a:endParaRPr kumimoji="1" lang="ja-JP" altLang="en-US"/>
+          </a:p>
+        </p:txBody>
+      </p:sp>
+      <p:sp>
+        <p:nvSpPr>
+          <p:cNvPr id="260" name="L 字 259">
+            <a:extLst>
+              <a:ext uri="{FF2B5EF4-FFF2-40B4-BE49-F238E27FC236}">
+                <a16:creationId xmlns:a16="http://schemas.microsoft.com/office/drawing/2014/main" id="{7A21059E-AAE9-6D2F-46E6-1FE911F3EA37}"/>
+              </a:ext>
+            </a:extLst>
+          </p:cNvPr>
+          <p:cNvSpPr>
+            <a:spLocks noChangeAspect="1"/>
+          </p:cNvSpPr>
+          <p:nvPr/>
+        </p:nvSpPr>
+        <p:spPr>
+          <a:xfrm rot="8220467">
+            <a:off x="4661981" y="1942671"/>
+            <a:ext cx="96722" cy="96722"/>
+          </a:xfrm>
+          <a:prstGeom prst="corner">
+            <a:avLst>
+              <a:gd name="adj1" fmla="val 29094"/>
+              <a:gd name="adj2" fmla="val 25610"/>
+            </a:avLst>
+          </a:prstGeom>
+          <a:solidFill>
+            <a:srgbClr val="D0CECE"/>
+          </a:solidFill>
+          <a:ln>
+            <a:noFill/>
+          </a:ln>
+        </p:spPr>
+        <p:style>
+          <a:lnRef idx="2">
+            <a:schemeClr val="accent1">
+              <a:shade val="50000"/>
+            </a:schemeClr>
+          </a:lnRef>
+          <a:fillRef idx="1">
+            <a:schemeClr val="accent1"/>
+          </a:fillRef>
+          <a:effectRef idx="0">
+            <a:schemeClr val="accent1"/>
+          </a:effectRef>
+          <a:fontRef idx="minor">
+            <a:schemeClr val="lt1"/>
+          </a:fontRef>
+        </p:style>
+        <p:txBody>
+          <a:bodyPr rtlCol="0" anchor="ctr"/>
+          <a:lstStyle/>
+          <a:p>
+            <a:pPr algn="ctr"/>
+            <a:endParaRPr kumimoji="1" lang="ja-JP" altLang="en-US"/>
+          </a:p>
+        </p:txBody>
+      </p:sp>
+      <p:sp>
+        <p:nvSpPr>
+          <p:cNvPr id="261" name="L 字 260">
+            <a:extLst>
+              <a:ext uri="{FF2B5EF4-FFF2-40B4-BE49-F238E27FC236}">
+                <a16:creationId xmlns:a16="http://schemas.microsoft.com/office/drawing/2014/main" id="{368E6F97-B317-735E-FA41-97B8E08E5BC0}"/>
+              </a:ext>
+            </a:extLst>
+          </p:cNvPr>
+          <p:cNvSpPr>
+            <a:spLocks noChangeAspect="1"/>
+          </p:cNvSpPr>
+          <p:nvPr/>
+        </p:nvSpPr>
+        <p:spPr>
+          <a:xfrm rot="8220467">
+            <a:off x="4403147" y="1941891"/>
+            <a:ext cx="96722" cy="96722"/>
+          </a:xfrm>
+          <a:prstGeom prst="corner">
+            <a:avLst>
+              <a:gd name="adj1" fmla="val 29094"/>
+              <a:gd name="adj2" fmla="val 25610"/>
+            </a:avLst>
+          </a:prstGeom>
+          <a:solidFill>
+            <a:srgbClr val="D0CECE"/>
+          </a:solidFill>
+          <a:ln>
+            <a:noFill/>
+          </a:ln>
+        </p:spPr>
+        <p:style>
+          <a:lnRef idx="2">
+            <a:schemeClr val="accent1">
+              <a:shade val="50000"/>
+            </a:schemeClr>
+          </a:lnRef>
+          <a:fillRef idx="1">
+            <a:schemeClr val="accent1"/>
+          </a:fillRef>
+          <a:effectRef idx="0">
+            <a:schemeClr val="accent1"/>
+          </a:effectRef>
+          <a:fontRef idx="minor">
+            <a:schemeClr val="lt1"/>
+          </a:fontRef>
+        </p:style>
+        <p:txBody>
+          <a:bodyPr rtlCol="0" anchor="ctr"/>
+          <a:lstStyle/>
+          <a:p>
+            <a:pPr algn="ctr"/>
+            <a:endParaRPr kumimoji="1" lang="ja-JP" altLang="en-US"/>
+          </a:p>
+        </p:txBody>
+      </p:sp>
+      <p:sp>
+        <p:nvSpPr>
+          <p:cNvPr id="262" name="L 字 261">
+            <a:extLst>
+              <a:ext uri="{FF2B5EF4-FFF2-40B4-BE49-F238E27FC236}">
+                <a16:creationId xmlns:a16="http://schemas.microsoft.com/office/drawing/2014/main" id="{2B282AE7-2AAD-D0FF-EE86-8C22BD3220F8}"/>
+              </a:ext>
+            </a:extLst>
+          </p:cNvPr>
+          <p:cNvSpPr>
+            <a:spLocks noChangeAspect="1"/>
+          </p:cNvSpPr>
+          <p:nvPr/>
+        </p:nvSpPr>
+        <p:spPr>
+          <a:xfrm rot="8220467">
+            <a:off x="4144312" y="1941890"/>
+            <a:ext cx="96722" cy="96722"/>
+          </a:xfrm>
+          <a:prstGeom prst="corner">
+            <a:avLst>
+              <a:gd name="adj1" fmla="val 29094"/>
+              <a:gd name="adj2" fmla="val 25610"/>
+            </a:avLst>
+          </a:prstGeom>
+          <a:solidFill>
+            <a:srgbClr val="D0CECE"/>
+          </a:solidFill>
+          <a:ln>
+            <a:noFill/>
+          </a:ln>
+        </p:spPr>
+        <p:style>
+          <a:lnRef idx="2">
+            <a:schemeClr val="accent1">
+              <a:shade val="50000"/>
+            </a:schemeClr>
+          </a:lnRef>
+          <a:fillRef idx="1">
+            <a:schemeClr val="accent1"/>
+          </a:fillRef>
+          <a:effectRef idx="0">
+            <a:schemeClr val="accent1"/>
+          </a:effectRef>
+          <a:fontRef idx="minor">
+            <a:schemeClr val="lt1"/>
+          </a:fontRef>
+        </p:style>
+        <p:txBody>
+          <a:bodyPr rtlCol="0" anchor="ctr"/>
+          <a:lstStyle/>
+          <a:p>
+            <a:pPr algn="ctr"/>
+            <a:endParaRPr kumimoji="1" lang="ja-JP" altLang="en-US"/>
+          </a:p>
+        </p:txBody>
+      </p:sp>
+      <p:sp>
+        <p:nvSpPr>
+          <p:cNvPr id="293" name="L 字 292">
+            <a:extLst>
+              <a:ext uri="{FF2B5EF4-FFF2-40B4-BE49-F238E27FC236}">
+                <a16:creationId xmlns:a16="http://schemas.microsoft.com/office/drawing/2014/main" id="{AF97919C-93BF-B72D-8020-77DA1ADB5C4D}"/>
+              </a:ext>
+            </a:extLst>
+          </p:cNvPr>
+          <p:cNvSpPr>
+            <a:spLocks noChangeAspect="1"/>
+          </p:cNvSpPr>
+          <p:nvPr/>
+        </p:nvSpPr>
+        <p:spPr>
+          <a:xfrm rot="8220467">
+            <a:off x="6531053" y="1930346"/>
+            <a:ext cx="96722" cy="96722"/>
+          </a:xfrm>
+          <a:prstGeom prst="corner">
+            <a:avLst>
+              <a:gd name="adj1" fmla="val 29094"/>
+              <a:gd name="adj2" fmla="val 25610"/>
+            </a:avLst>
+          </a:prstGeom>
+          <a:solidFill>
+            <a:srgbClr val="D0CECE"/>
+          </a:solidFill>
+          <a:ln>
+            <a:noFill/>
+          </a:ln>
+        </p:spPr>
+        <p:style>
+          <a:lnRef idx="2">
+            <a:schemeClr val="accent1">
+              <a:shade val="50000"/>
+            </a:schemeClr>
+          </a:lnRef>
+          <a:fillRef idx="1">
+            <a:schemeClr val="accent1"/>
+          </a:fillRef>
+          <a:effectRef idx="0">
+            <a:schemeClr val="accent1"/>
+          </a:effectRef>
+          <a:fontRef idx="minor">
+            <a:schemeClr val="lt1"/>
+          </a:fontRef>
+        </p:style>
+        <p:txBody>
+          <a:bodyPr rtlCol="0" anchor="ctr"/>
+          <a:lstStyle/>
+          <a:p>
+            <a:pPr algn="ctr"/>
+            <a:endParaRPr kumimoji="1" lang="ja-JP" altLang="en-US"/>
+          </a:p>
+        </p:txBody>
+      </p:sp>
+    </p:spTree>
+    <p:extLst>
+      <p:ext uri="{BB962C8B-B14F-4D97-AF65-F5344CB8AC3E}">
+        <p14:creationId xmlns:p14="http://schemas.microsoft.com/office/powerpoint/2010/main" val="3417276098"/>
+      </p:ext>
+    </p:extLst>
+  </p:cSld>
+  <p:clrMapOvr>
+    <a:masterClrMapping/>
+  </p:clrMapOvr>
+</p:sld>
+</file>
+
+<file path=ppt/slides/slide30.xml><?xml version="1.0" encoding="utf-8"?>
 <p:sld xmlns:a="http://schemas.openxmlformats.org/drawingml/2006/main" xmlns:r="http://schemas.openxmlformats.org/officeDocument/2006/relationships" xmlns:p="http://schemas.openxmlformats.org/presentationml/2006/main">
   <p:cSld>
     <p:spTree>
@@ -20742,1856 +22873,7 @@
 </p:sld>
 </file>
 
-<file path=ppt/slides/slide3.xml><?xml version="1.0" encoding="utf-8"?>
-<p:sld xmlns:a="http://schemas.openxmlformats.org/drawingml/2006/main" xmlns:r="http://schemas.openxmlformats.org/officeDocument/2006/relationships" xmlns:p="http://schemas.openxmlformats.org/presentationml/2006/main">
-  <p:cSld>
-    <p:spTree>
-      <p:nvGrpSpPr>
-        <p:cNvPr id="1" name=""/>
-        <p:cNvGrpSpPr/>
-        <p:nvPr/>
-      </p:nvGrpSpPr>
-      <p:grpSpPr>
-        <a:xfrm>
-          <a:off x="0" y="0"/>
-          <a:ext cx="0" cy="0"/>
-          <a:chOff x="0" y="0"/>
-          <a:chExt cx="0" cy="0"/>
-        </a:xfrm>
-      </p:grpSpPr>
-      <p:sp>
-        <p:nvSpPr>
-          <p:cNvPr id="213" name="四角形: 角を丸くする 212">
-            <a:extLst>
-              <a:ext uri="{FF2B5EF4-FFF2-40B4-BE49-F238E27FC236}">
-                <a16:creationId xmlns:a16="http://schemas.microsoft.com/office/drawing/2014/main" id="{993620B0-A494-5FA6-C219-007DBC9CECE4}"/>
-              </a:ext>
-            </a:extLst>
-          </p:cNvPr>
-          <p:cNvSpPr/>
-          <p:nvPr/>
-        </p:nvSpPr>
-        <p:spPr>
-          <a:xfrm>
-            <a:off x="3178720" y="1767841"/>
-            <a:ext cx="3656420" cy="1569720"/>
-          </a:xfrm>
-          <a:prstGeom prst="roundRect">
-            <a:avLst>
-              <a:gd name="adj" fmla="val 11536"/>
-            </a:avLst>
-          </a:prstGeom>
-          <a:solidFill>
-            <a:schemeClr val="bg2">
-              <a:lumMod val="25000"/>
-            </a:schemeClr>
-          </a:solidFill>
-          <a:ln w="57150">
-            <a:noFill/>
-          </a:ln>
-        </p:spPr>
-        <p:style>
-          <a:lnRef idx="2">
-            <a:schemeClr val="accent1">
-              <a:shade val="50000"/>
-            </a:schemeClr>
-          </a:lnRef>
-          <a:fillRef idx="1">
-            <a:schemeClr val="accent1"/>
-          </a:fillRef>
-          <a:effectRef idx="0">
-            <a:schemeClr val="accent1"/>
-          </a:effectRef>
-          <a:fontRef idx="minor">
-            <a:schemeClr val="lt1"/>
-          </a:fontRef>
-        </p:style>
-        <p:txBody>
-          <a:bodyPr rtlCol="0" anchor="ctr"/>
-          <a:lstStyle/>
-          <a:p>
-            <a:pPr algn="ctr"/>
-            <a:endParaRPr kumimoji="1" lang="ja-JP" altLang="en-US" dirty="0"/>
-          </a:p>
-        </p:txBody>
-      </p:sp>
-      <p:sp>
-        <p:nvSpPr>
-          <p:cNvPr id="214" name="四角形: 角を丸くする 213">
-            <a:extLst>
-              <a:ext uri="{FF2B5EF4-FFF2-40B4-BE49-F238E27FC236}">
-                <a16:creationId xmlns:a16="http://schemas.microsoft.com/office/drawing/2014/main" id="{AC2D99DA-466C-3432-DEB6-D4C655273941}"/>
-              </a:ext>
-            </a:extLst>
-          </p:cNvPr>
-          <p:cNvSpPr/>
-          <p:nvPr/>
-        </p:nvSpPr>
-        <p:spPr>
-          <a:xfrm>
-            <a:off x="3213010" y="1787802"/>
-            <a:ext cx="3580862" cy="1462424"/>
-          </a:xfrm>
-          <a:prstGeom prst="roundRect">
-            <a:avLst>
-              <a:gd name="adj" fmla="val 12306"/>
-            </a:avLst>
-          </a:prstGeom>
-          <a:solidFill>
-            <a:schemeClr val="bg2">
-              <a:lumMod val="90000"/>
-            </a:schemeClr>
-          </a:solidFill>
-          <a:ln w="57150">
-            <a:noFill/>
-          </a:ln>
-        </p:spPr>
-        <p:style>
-          <a:lnRef idx="2">
-            <a:schemeClr val="accent1">
-              <a:shade val="50000"/>
-            </a:schemeClr>
-          </a:lnRef>
-          <a:fillRef idx="1">
-            <a:schemeClr val="accent1"/>
-          </a:fillRef>
-          <a:effectRef idx="0">
-            <a:schemeClr val="accent1"/>
-          </a:effectRef>
-          <a:fontRef idx="minor">
-            <a:schemeClr val="lt1"/>
-          </a:fontRef>
-        </p:style>
-        <p:txBody>
-          <a:bodyPr rtlCol="0" anchor="ctr"/>
-          <a:lstStyle/>
-          <a:p>
-            <a:pPr algn="ctr"/>
-            <a:endParaRPr kumimoji="1" lang="ja-JP" altLang="en-US" dirty="0"/>
-          </a:p>
-        </p:txBody>
-      </p:sp>
-      <p:sp>
-        <p:nvSpPr>
-          <p:cNvPr id="215" name="四角形: 角を丸くする 214">
-            <a:extLst>
-              <a:ext uri="{FF2B5EF4-FFF2-40B4-BE49-F238E27FC236}">
-                <a16:creationId xmlns:a16="http://schemas.microsoft.com/office/drawing/2014/main" id="{FEE83064-B5A2-3074-6F63-74B0817A66A0}"/>
-              </a:ext>
-            </a:extLst>
-          </p:cNvPr>
-          <p:cNvSpPr/>
-          <p:nvPr/>
-        </p:nvSpPr>
-        <p:spPr>
-          <a:xfrm>
-            <a:off x="3291840" y="1860193"/>
-            <a:ext cx="3429000" cy="1319548"/>
-          </a:xfrm>
-          <a:prstGeom prst="roundRect">
-            <a:avLst>
-              <a:gd name="adj" fmla="val 5210"/>
-            </a:avLst>
-          </a:prstGeom>
-          <a:solidFill>
-            <a:schemeClr val="bg1"/>
-          </a:solidFill>
-          <a:ln w="57150">
-            <a:noFill/>
-          </a:ln>
-        </p:spPr>
-        <p:style>
-          <a:lnRef idx="2">
-            <a:schemeClr val="accent1">
-              <a:shade val="50000"/>
-            </a:schemeClr>
-          </a:lnRef>
-          <a:fillRef idx="1">
-            <a:schemeClr val="accent1"/>
-          </a:fillRef>
-          <a:effectRef idx="0">
-            <a:schemeClr val="accent1"/>
-          </a:effectRef>
-          <a:fontRef idx="minor">
-            <a:schemeClr val="lt1"/>
-          </a:fontRef>
-        </p:style>
-        <p:txBody>
-          <a:bodyPr rtlCol="0" anchor="ctr"/>
-          <a:lstStyle/>
-          <a:p>
-            <a:pPr algn="ctr"/>
-            <a:endParaRPr kumimoji="1" lang="ja-JP" altLang="en-US" dirty="0"/>
-          </a:p>
-        </p:txBody>
-      </p:sp>
-      <p:sp>
-        <p:nvSpPr>
-          <p:cNvPr id="219" name="L 字 218">
-            <a:extLst>
-              <a:ext uri="{FF2B5EF4-FFF2-40B4-BE49-F238E27FC236}">
-                <a16:creationId xmlns:a16="http://schemas.microsoft.com/office/drawing/2014/main" id="{2C4B04DF-13C0-2B59-46CA-09A5859B4D01}"/>
-              </a:ext>
-            </a:extLst>
-          </p:cNvPr>
-          <p:cNvSpPr>
-            <a:spLocks noChangeAspect="1"/>
-          </p:cNvSpPr>
-          <p:nvPr/>
-        </p:nvSpPr>
-        <p:spPr>
-          <a:xfrm rot="8220467">
-            <a:off x="6506600" y="2303680"/>
-            <a:ext cx="130638" cy="130638"/>
-          </a:xfrm>
-          <a:prstGeom prst="corner">
-            <a:avLst>
-              <a:gd name="adj1" fmla="val 29094"/>
-              <a:gd name="adj2" fmla="val 25610"/>
-            </a:avLst>
-          </a:prstGeom>
-          <a:solidFill>
-            <a:srgbClr val="D0CECE"/>
-          </a:solidFill>
-          <a:ln>
-            <a:noFill/>
-          </a:ln>
-        </p:spPr>
-        <p:style>
-          <a:lnRef idx="2">
-            <a:schemeClr val="accent1">
-              <a:shade val="50000"/>
-            </a:schemeClr>
-          </a:lnRef>
-          <a:fillRef idx="1">
-            <a:schemeClr val="accent1"/>
-          </a:fillRef>
-          <a:effectRef idx="0">
-            <a:schemeClr val="accent1"/>
-          </a:effectRef>
-          <a:fontRef idx="minor">
-            <a:schemeClr val="lt1"/>
-          </a:fontRef>
-        </p:style>
-        <p:txBody>
-          <a:bodyPr rtlCol="0" anchor="ctr"/>
-          <a:lstStyle/>
-          <a:p>
-            <a:pPr algn="ctr"/>
-            <a:endParaRPr kumimoji="1" lang="ja-JP" altLang="en-US"/>
-          </a:p>
-        </p:txBody>
-      </p:sp>
-      <p:sp>
-        <p:nvSpPr>
-          <p:cNvPr id="220" name="L 字 219">
-            <a:extLst>
-              <a:ext uri="{FF2B5EF4-FFF2-40B4-BE49-F238E27FC236}">
-                <a16:creationId xmlns:a16="http://schemas.microsoft.com/office/drawing/2014/main" id="{28A3FAF9-1873-9000-FD35-A42FC295C5E3}"/>
-              </a:ext>
-            </a:extLst>
-          </p:cNvPr>
-          <p:cNvSpPr>
-            <a:spLocks noChangeAspect="1"/>
-          </p:cNvSpPr>
-          <p:nvPr/>
-        </p:nvSpPr>
-        <p:spPr>
-          <a:xfrm rot="8220467">
-            <a:off x="6247765" y="2303679"/>
-            <a:ext cx="130638" cy="130638"/>
-          </a:xfrm>
-          <a:prstGeom prst="corner">
-            <a:avLst>
-              <a:gd name="adj1" fmla="val 29094"/>
-              <a:gd name="adj2" fmla="val 25610"/>
-            </a:avLst>
-          </a:prstGeom>
-          <a:solidFill>
-            <a:srgbClr val="D0CECE"/>
-          </a:solidFill>
-          <a:ln>
-            <a:noFill/>
-          </a:ln>
-        </p:spPr>
-        <p:style>
-          <a:lnRef idx="2">
-            <a:schemeClr val="accent1">
-              <a:shade val="50000"/>
-            </a:schemeClr>
-          </a:lnRef>
-          <a:fillRef idx="1">
-            <a:schemeClr val="accent1"/>
-          </a:fillRef>
-          <a:effectRef idx="0">
-            <a:schemeClr val="accent1"/>
-          </a:effectRef>
-          <a:fontRef idx="minor">
-            <a:schemeClr val="lt1"/>
-          </a:fontRef>
-        </p:style>
-        <p:txBody>
-          <a:bodyPr rtlCol="0" anchor="ctr"/>
-          <a:lstStyle/>
-          <a:p>
-            <a:pPr algn="ctr"/>
-            <a:endParaRPr kumimoji="1" lang="ja-JP" altLang="en-US"/>
-          </a:p>
-        </p:txBody>
-      </p:sp>
-      <p:sp>
-        <p:nvSpPr>
-          <p:cNvPr id="221" name="L 字 220">
-            <a:extLst>
-              <a:ext uri="{FF2B5EF4-FFF2-40B4-BE49-F238E27FC236}">
-                <a16:creationId xmlns:a16="http://schemas.microsoft.com/office/drawing/2014/main" id="{14BAD51B-CA65-583E-273D-2D3F6C0F531D}"/>
-              </a:ext>
-            </a:extLst>
-          </p:cNvPr>
-          <p:cNvSpPr>
-            <a:spLocks noChangeAspect="1"/>
-          </p:cNvSpPr>
-          <p:nvPr/>
-        </p:nvSpPr>
-        <p:spPr>
-          <a:xfrm rot="8220467">
-            <a:off x="5988931" y="2307859"/>
-            <a:ext cx="130638" cy="130638"/>
-          </a:xfrm>
-          <a:prstGeom prst="corner">
-            <a:avLst>
-              <a:gd name="adj1" fmla="val 29094"/>
-              <a:gd name="adj2" fmla="val 25610"/>
-            </a:avLst>
-          </a:prstGeom>
-          <a:solidFill>
-            <a:srgbClr val="D0CECE"/>
-          </a:solidFill>
-          <a:ln>
-            <a:noFill/>
-          </a:ln>
-        </p:spPr>
-        <p:style>
-          <a:lnRef idx="2">
-            <a:schemeClr val="accent1">
-              <a:shade val="50000"/>
-            </a:schemeClr>
-          </a:lnRef>
-          <a:fillRef idx="1">
-            <a:schemeClr val="accent1"/>
-          </a:fillRef>
-          <a:effectRef idx="0">
-            <a:schemeClr val="accent1"/>
-          </a:effectRef>
-          <a:fontRef idx="minor">
-            <a:schemeClr val="lt1"/>
-          </a:fontRef>
-        </p:style>
-        <p:txBody>
-          <a:bodyPr rtlCol="0" anchor="ctr"/>
-          <a:lstStyle/>
-          <a:p>
-            <a:pPr algn="ctr"/>
-            <a:endParaRPr kumimoji="1" lang="ja-JP" altLang="en-US"/>
-          </a:p>
-        </p:txBody>
-      </p:sp>
-      <p:sp>
-        <p:nvSpPr>
-          <p:cNvPr id="222" name="L 字 221">
-            <a:extLst>
-              <a:ext uri="{FF2B5EF4-FFF2-40B4-BE49-F238E27FC236}">
-                <a16:creationId xmlns:a16="http://schemas.microsoft.com/office/drawing/2014/main" id="{79DFF1C9-E3A8-F57F-C919-A0B166E958F7}"/>
-              </a:ext>
-            </a:extLst>
-          </p:cNvPr>
-          <p:cNvSpPr>
-            <a:spLocks noChangeAspect="1"/>
-          </p:cNvSpPr>
-          <p:nvPr/>
-        </p:nvSpPr>
-        <p:spPr>
-          <a:xfrm rot="8220467">
-            <a:off x="5730097" y="2303680"/>
-            <a:ext cx="130638" cy="130638"/>
-          </a:xfrm>
-          <a:prstGeom prst="corner">
-            <a:avLst>
-              <a:gd name="adj1" fmla="val 29094"/>
-              <a:gd name="adj2" fmla="val 25610"/>
-            </a:avLst>
-          </a:prstGeom>
-          <a:solidFill>
-            <a:srgbClr val="D0CECE"/>
-          </a:solidFill>
-          <a:ln>
-            <a:noFill/>
-          </a:ln>
-        </p:spPr>
-        <p:style>
-          <a:lnRef idx="2">
-            <a:schemeClr val="accent1">
-              <a:shade val="50000"/>
-            </a:schemeClr>
-          </a:lnRef>
-          <a:fillRef idx="1">
-            <a:schemeClr val="accent1"/>
-          </a:fillRef>
-          <a:effectRef idx="0">
-            <a:schemeClr val="accent1"/>
-          </a:effectRef>
-          <a:fontRef idx="minor">
-            <a:schemeClr val="lt1"/>
-          </a:fontRef>
-        </p:style>
-        <p:txBody>
-          <a:bodyPr rtlCol="0" anchor="ctr"/>
-          <a:lstStyle/>
-          <a:p>
-            <a:pPr algn="ctr"/>
-            <a:endParaRPr kumimoji="1" lang="ja-JP" altLang="en-US"/>
-          </a:p>
-        </p:txBody>
-      </p:sp>
-      <p:sp>
-        <p:nvSpPr>
-          <p:cNvPr id="223" name="L 字 222">
-            <a:extLst>
-              <a:ext uri="{FF2B5EF4-FFF2-40B4-BE49-F238E27FC236}">
-                <a16:creationId xmlns:a16="http://schemas.microsoft.com/office/drawing/2014/main" id="{553537B9-E180-4505-45A2-91E3A78B8A01}"/>
-              </a:ext>
-            </a:extLst>
-          </p:cNvPr>
-          <p:cNvSpPr>
-            <a:spLocks noChangeAspect="1"/>
-          </p:cNvSpPr>
-          <p:nvPr/>
-        </p:nvSpPr>
-        <p:spPr>
-          <a:xfrm rot="8220467">
-            <a:off x="5471262" y="2312623"/>
-            <a:ext cx="130638" cy="130638"/>
-          </a:xfrm>
-          <a:prstGeom prst="corner">
-            <a:avLst>
-              <a:gd name="adj1" fmla="val 29094"/>
-              <a:gd name="adj2" fmla="val 25610"/>
-            </a:avLst>
-          </a:prstGeom>
-          <a:solidFill>
-            <a:srgbClr val="D0CECE"/>
-          </a:solidFill>
-          <a:ln>
-            <a:noFill/>
-          </a:ln>
-        </p:spPr>
-        <p:style>
-          <a:lnRef idx="2">
-            <a:schemeClr val="accent1">
-              <a:shade val="50000"/>
-            </a:schemeClr>
-          </a:lnRef>
-          <a:fillRef idx="1">
-            <a:schemeClr val="accent1"/>
-          </a:fillRef>
-          <a:effectRef idx="0">
-            <a:schemeClr val="accent1"/>
-          </a:effectRef>
-          <a:fontRef idx="minor">
-            <a:schemeClr val="lt1"/>
-          </a:fontRef>
-        </p:style>
-        <p:txBody>
-          <a:bodyPr rtlCol="0" anchor="ctr"/>
-          <a:lstStyle/>
-          <a:p>
-            <a:pPr algn="ctr"/>
-            <a:endParaRPr kumimoji="1" lang="ja-JP" altLang="en-US"/>
-          </a:p>
-        </p:txBody>
-      </p:sp>
-      <p:sp>
-        <p:nvSpPr>
-          <p:cNvPr id="227" name="L 字 226">
-            <a:extLst>
-              <a:ext uri="{FF2B5EF4-FFF2-40B4-BE49-F238E27FC236}">
-                <a16:creationId xmlns:a16="http://schemas.microsoft.com/office/drawing/2014/main" id="{897A9E88-A4EF-6FB7-733A-A2BA18019C04}"/>
-              </a:ext>
-            </a:extLst>
-          </p:cNvPr>
-          <p:cNvSpPr>
-            <a:spLocks noChangeAspect="1"/>
-          </p:cNvSpPr>
-          <p:nvPr/>
-        </p:nvSpPr>
-        <p:spPr>
-          <a:xfrm rot="8220467">
-            <a:off x="6378930" y="2108291"/>
-            <a:ext cx="107577" cy="107577"/>
-          </a:xfrm>
-          <a:prstGeom prst="corner">
-            <a:avLst>
-              <a:gd name="adj1" fmla="val 29094"/>
-              <a:gd name="adj2" fmla="val 25610"/>
-            </a:avLst>
-          </a:prstGeom>
-          <a:solidFill>
-            <a:srgbClr val="D0CECE"/>
-          </a:solidFill>
-          <a:ln>
-            <a:noFill/>
-          </a:ln>
-        </p:spPr>
-        <p:style>
-          <a:lnRef idx="2">
-            <a:schemeClr val="accent1">
-              <a:shade val="50000"/>
-            </a:schemeClr>
-          </a:lnRef>
-          <a:fillRef idx="1">
-            <a:schemeClr val="accent1"/>
-          </a:fillRef>
-          <a:effectRef idx="0">
-            <a:schemeClr val="accent1"/>
-          </a:effectRef>
-          <a:fontRef idx="minor">
-            <a:schemeClr val="lt1"/>
-          </a:fontRef>
-        </p:style>
-        <p:txBody>
-          <a:bodyPr rtlCol="0" anchor="ctr"/>
-          <a:lstStyle/>
-          <a:p>
-            <a:pPr algn="ctr"/>
-            <a:endParaRPr kumimoji="1" lang="ja-JP" altLang="en-US"/>
-          </a:p>
-        </p:txBody>
-      </p:sp>
-      <p:sp>
-        <p:nvSpPr>
-          <p:cNvPr id="228" name="L 字 227">
-            <a:extLst>
-              <a:ext uri="{FF2B5EF4-FFF2-40B4-BE49-F238E27FC236}">
-                <a16:creationId xmlns:a16="http://schemas.microsoft.com/office/drawing/2014/main" id="{D6BCF78D-BDE4-5876-5412-3D9B22CC73C9}"/>
-              </a:ext>
-            </a:extLst>
-          </p:cNvPr>
-          <p:cNvSpPr>
-            <a:spLocks noChangeAspect="1"/>
-          </p:cNvSpPr>
-          <p:nvPr/>
-        </p:nvSpPr>
-        <p:spPr>
-          <a:xfrm rot="8220467">
-            <a:off x="6120095" y="2108290"/>
-            <a:ext cx="107577" cy="107577"/>
-          </a:xfrm>
-          <a:prstGeom prst="corner">
-            <a:avLst>
-              <a:gd name="adj1" fmla="val 29094"/>
-              <a:gd name="adj2" fmla="val 25610"/>
-            </a:avLst>
-          </a:prstGeom>
-          <a:solidFill>
-            <a:srgbClr val="D0CECE"/>
-          </a:solidFill>
-          <a:ln>
-            <a:noFill/>
-          </a:ln>
-        </p:spPr>
-        <p:style>
-          <a:lnRef idx="2">
-            <a:schemeClr val="accent1">
-              <a:shade val="50000"/>
-            </a:schemeClr>
-          </a:lnRef>
-          <a:fillRef idx="1">
-            <a:schemeClr val="accent1"/>
-          </a:fillRef>
-          <a:effectRef idx="0">
-            <a:schemeClr val="accent1"/>
-          </a:effectRef>
-          <a:fontRef idx="minor">
-            <a:schemeClr val="lt1"/>
-          </a:fontRef>
-        </p:style>
-        <p:txBody>
-          <a:bodyPr rtlCol="0" anchor="ctr"/>
-          <a:lstStyle/>
-          <a:p>
-            <a:pPr algn="ctr"/>
-            <a:endParaRPr kumimoji="1" lang="ja-JP" altLang="en-US"/>
-          </a:p>
-        </p:txBody>
-      </p:sp>
-      <p:sp>
-        <p:nvSpPr>
-          <p:cNvPr id="229" name="L 字 228">
-            <a:extLst>
-              <a:ext uri="{FF2B5EF4-FFF2-40B4-BE49-F238E27FC236}">
-                <a16:creationId xmlns:a16="http://schemas.microsoft.com/office/drawing/2014/main" id="{1348D7A6-6122-CD16-FA6F-D418FC79F4EA}"/>
-              </a:ext>
-            </a:extLst>
-          </p:cNvPr>
-          <p:cNvSpPr>
-            <a:spLocks noChangeAspect="1"/>
-          </p:cNvSpPr>
-          <p:nvPr/>
-        </p:nvSpPr>
-        <p:spPr>
-          <a:xfrm rot="8220467">
-            <a:off x="5861261" y="2112470"/>
-            <a:ext cx="107577" cy="107577"/>
-          </a:xfrm>
-          <a:prstGeom prst="corner">
-            <a:avLst>
-              <a:gd name="adj1" fmla="val 29094"/>
-              <a:gd name="adj2" fmla="val 25610"/>
-            </a:avLst>
-          </a:prstGeom>
-          <a:solidFill>
-            <a:srgbClr val="D0CECE"/>
-          </a:solidFill>
-          <a:ln>
-            <a:noFill/>
-          </a:ln>
-        </p:spPr>
-        <p:style>
-          <a:lnRef idx="2">
-            <a:schemeClr val="accent1">
-              <a:shade val="50000"/>
-            </a:schemeClr>
-          </a:lnRef>
-          <a:fillRef idx="1">
-            <a:schemeClr val="accent1"/>
-          </a:fillRef>
-          <a:effectRef idx="0">
-            <a:schemeClr val="accent1"/>
-          </a:effectRef>
-          <a:fontRef idx="minor">
-            <a:schemeClr val="lt1"/>
-          </a:fontRef>
-        </p:style>
-        <p:txBody>
-          <a:bodyPr rtlCol="0" anchor="ctr"/>
-          <a:lstStyle/>
-          <a:p>
-            <a:pPr algn="ctr"/>
-            <a:endParaRPr kumimoji="1" lang="ja-JP" altLang="en-US"/>
-          </a:p>
-        </p:txBody>
-      </p:sp>
-      <p:sp>
-        <p:nvSpPr>
-          <p:cNvPr id="230" name="L 字 229">
-            <a:extLst>
-              <a:ext uri="{FF2B5EF4-FFF2-40B4-BE49-F238E27FC236}">
-                <a16:creationId xmlns:a16="http://schemas.microsoft.com/office/drawing/2014/main" id="{C5528097-DB0C-F982-D23D-4A3A18CC8D59}"/>
-              </a:ext>
-            </a:extLst>
-          </p:cNvPr>
-          <p:cNvSpPr>
-            <a:spLocks noChangeAspect="1"/>
-          </p:cNvSpPr>
-          <p:nvPr/>
-        </p:nvSpPr>
-        <p:spPr>
-          <a:xfrm rot="8220467">
-            <a:off x="5602427" y="2108291"/>
-            <a:ext cx="107577" cy="107577"/>
-          </a:xfrm>
-          <a:prstGeom prst="corner">
-            <a:avLst>
-              <a:gd name="adj1" fmla="val 29094"/>
-              <a:gd name="adj2" fmla="val 25610"/>
-            </a:avLst>
-          </a:prstGeom>
-          <a:solidFill>
-            <a:srgbClr val="D0CECE"/>
-          </a:solidFill>
-          <a:ln>
-            <a:noFill/>
-          </a:ln>
-        </p:spPr>
-        <p:style>
-          <a:lnRef idx="2">
-            <a:schemeClr val="accent1">
-              <a:shade val="50000"/>
-            </a:schemeClr>
-          </a:lnRef>
-          <a:fillRef idx="1">
-            <a:schemeClr val="accent1"/>
-          </a:fillRef>
-          <a:effectRef idx="0">
-            <a:schemeClr val="accent1"/>
-          </a:effectRef>
-          <a:fontRef idx="minor">
-            <a:schemeClr val="lt1"/>
-          </a:fontRef>
-        </p:style>
-        <p:txBody>
-          <a:bodyPr rtlCol="0" anchor="ctr"/>
-          <a:lstStyle/>
-          <a:p>
-            <a:pPr algn="ctr"/>
-            <a:endParaRPr kumimoji="1" lang="ja-JP" altLang="en-US"/>
-          </a:p>
-        </p:txBody>
-      </p:sp>
-      <p:sp>
-        <p:nvSpPr>
-          <p:cNvPr id="235" name="L 字 234">
-            <a:extLst>
-              <a:ext uri="{FF2B5EF4-FFF2-40B4-BE49-F238E27FC236}">
-                <a16:creationId xmlns:a16="http://schemas.microsoft.com/office/drawing/2014/main" id="{398F48E9-5345-1058-E543-B987D4DBDC4B}"/>
-              </a:ext>
-            </a:extLst>
-          </p:cNvPr>
-          <p:cNvSpPr>
-            <a:spLocks noChangeAspect="1"/>
-          </p:cNvSpPr>
-          <p:nvPr/>
-        </p:nvSpPr>
-        <p:spPr>
-          <a:xfrm rot="8220467">
-            <a:off x="6239984" y="1930703"/>
-            <a:ext cx="96722" cy="96722"/>
-          </a:xfrm>
-          <a:prstGeom prst="corner">
-            <a:avLst>
-              <a:gd name="adj1" fmla="val 29094"/>
-              <a:gd name="adj2" fmla="val 25610"/>
-            </a:avLst>
-          </a:prstGeom>
-          <a:solidFill>
-            <a:srgbClr val="D0CECE"/>
-          </a:solidFill>
-          <a:ln>
-            <a:noFill/>
-          </a:ln>
-        </p:spPr>
-        <p:style>
-          <a:lnRef idx="2">
-            <a:schemeClr val="accent1">
-              <a:shade val="50000"/>
-            </a:schemeClr>
-          </a:lnRef>
-          <a:fillRef idx="1">
-            <a:schemeClr val="accent1"/>
-          </a:fillRef>
-          <a:effectRef idx="0">
-            <a:schemeClr val="accent1"/>
-          </a:effectRef>
-          <a:fontRef idx="minor">
-            <a:schemeClr val="lt1"/>
-          </a:fontRef>
-        </p:style>
-        <p:txBody>
-          <a:bodyPr rtlCol="0" anchor="ctr"/>
-          <a:lstStyle/>
-          <a:p>
-            <a:pPr algn="ctr"/>
-            <a:endParaRPr kumimoji="1" lang="ja-JP" altLang="en-US"/>
-          </a:p>
-        </p:txBody>
-      </p:sp>
-      <p:sp>
-        <p:nvSpPr>
-          <p:cNvPr id="236" name="L 字 235">
-            <a:extLst>
-              <a:ext uri="{FF2B5EF4-FFF2-40B4-BE49-F238E27FC236}">
-                <a16:creationId xmlns:a16="http://schemas.microsoft.com/office/drawing/2014/main" id="{F8BB31A5-56A1-3A00-E6BA-49A58B18DFA1}"/>
-              </a:ext>
-            </a:extLst>
-          </p:cNvPr>
-          <p:cNvSpPr>
-            <a:spLocks noChangeAspect="1"/>
-          </p:cNvSpPr>
-          <p:nvPr/>
-        </p:nvSpPr>
-        <p:spPr>
-          <a:xfrm rot="8220467">
-            <a:off x="5981150" y="1934883"/>
-            <a:ext cx="96722" cy="96722"/>
-          </a:xfrm>
-          <a:prstGeom prst="corner">
-            <a:avLst>
-              <a:gd name="adj1" fmla="val 29094"/>
-              <a:gd name="adj2" fmla="val 25610"/>
-            </a:avLst>
-          </a:prstGeom>
-          <a:solidFill>
-            <a:srgbClr val="D0CECE"/>
-          </a:solidFill>
-          <a:ln>
-            <a:noFill/>
-          </a:ln>
-        </p:spPr>
-        <p:style>
-          <a:lnRef idx="2">
-            <a:schemeClr val="accent1">
-              <a:shade val="50000"/>
-            </a:schemeClr>
-          </a:lnRef>
-          <a:fillRef idx="1">
-            <a:schemeClr val="accent1"/>
-          </a:fillRef>
-          <a:effectRef idx="0">
-            <a:schemeClr val="accent1"/>
-          </a:effectRef>
-          <a:fontRef idx="minor">
-            <a:schemeClr val="lt1"/>
-          </a:fontRef>
-        </p:style>
-        <p:txBody>
-          <a:bodyPr rtlCol="0" anchor="ctr"/>
-          <a:lstStyle/>
-          <a:p>
-            <a:pPr algn="ctr"/>
-            <a:endParaRPr kumimoji="1" lang="ja-JP" altLang="en-US"/>
-          </a:p>
-        </p:txBody>
-      </p:sp>
-      <p:sp>
-        <p:nvSpPr>
-          <p:cNvPr id="237" name="L 字 236">
-            <a:extLst>
-              <a:ext uri="{FF2B5EF4-FFF2-40B4-BE49-F238E27FC236}">
-                <a16:creationId xmlns:a16="http://schemas.microsoft.com/office/drawing/2014/main" id="{FE96F407-2C30-77CE-5276-55CC61CC526C}"/>
-              </a:ext>
-            </a:extLst>
-          </p:cNvPr>
-          <p:cNvSpPr>
-            <a:spLocks noChangeAspect="1"/>
-          </p:cNvSpPr>
-          <p:nvPr/>
-        </p:nvSpPr>
-        <p:spPr>
-          <a:xfrm rot="8220467">
-            <a:off x="5722316" y="1930704"/>
-            <a:ext cx="96722" cy="96722"/>
-          </a:xfrm>
-          <a:prstGeom prst="corner">
-            <a:avLst>
-              <a:gd name="adj1" fmla="val 29094"/>
-              <a:gd name="adj2" fmla="val 25610"/>
-            </a:avLst>
-          </a:prstGeom>
-          <a:solidFill>
-            <a:srgbClr val="D0CECE"/>
-          </a:solidFill>
-          <a:ln>
-            <a:noFill/>
-          </a:ln>
-        </p:spPr>
-        <p:style>
-          <a:lnRef idx="2">
-            <a:schemeClr val="accent1">
-              <a:shade val="50000"/>
-            </a:schemeClr>
-          </a:lnRef>
-          <a:fillRef idx="1">
-            <a:schemeClr val="accent1"/>
-          </a:fillRef>
-          <a:effectRef idx="0">
-            <a:schemeClr val="accent1"/>
-          </a:effectRef>
-          <a:fontRef idx="minor">
-            <a:schemeClr val="lt1"/>
-          </a:fontRef>
-        </p:style>
-        <p:txBody>
-          <a:bodyPr rtlCol="0" anchor="ctr"/>
-          <a:lstStyle/>
-          <a:p>
-            <a:pPr algn="ctr"/>
-            <a:endParaRPr kumimoji="1" lang="ja-JP" altLang="en-US"/>
-          </a:p>
-        </p:txBody>
-      </p:sp>
-      <p:sp>
-        <p:nvSpPr>
-          <p:cNvPr id="238" name="L 字 237">
-            <a:extLst>
-              <a:ext uri="{FF2B5EF4-FFF2-40B4-BE49-F238E27FC236}">
-                <a16:creationId xmlns:a16="http://schemas.microsoft.com/office/drawing/2014/main" id="{20F6CDC1-FC12-A919-43E8-560DBA0D11BA}"/>
-              </a:ext>
-            </a:extLst>
-          </p:cNvPr>
-          <p:cNvSpPr>
-            <a:spLocks noChangeAspect="1"/>
-          </p:cNvSpPr>
-          <p:nvPr/>
-        </p:nvSpPr>
-        <p:spPr>
-          <a:xfrm rot="8220467">
-            <a:off x="5463481" y="1939647"/>
-            <a:ext cx="96722" cy="96722"/>
-          </a:xfrm>
-          <a:prstGeom prst="corner">
-            <a:avLst>
-              <a:gd name="adj1" fmla="val 29094"/>
-              <a:gd name="adj2" fmla="val 25610"/>
-            </a:avLst>
-          </a:prstGeom>
-          <a:solidFill>
-            <a:srgbClr val="D0CECE"/>
-          </a:solidFill>
-          <a:ln>
-            <a:noFill/>
-          </a:ln>
-        </p:spPr>
-        <p:style>
-          <a:lnRef idx="2">
-            <a:schemeClr val="accent1">
-              <a:shade val="50000"/>
-            </a:schemeClr>
-          </a:lnRef>
-          <a:fillRef idx="1">
-            <a:schemeClr val="accent1"/>
-          </a:fillRef>
-          <a:effectRef idx="0">
-            <a:schemeClr val="accent1"/>
-          </a:effectRef>
-          <a:fontRef idx="minor">
-            <a:schemeClr val="lt1"/>
-          </a:fontRef>
-        </p:style>
-        <p:txBody>
-          <a:bodyPr rtlCol="0" anchor="ctr"/>
-          <a:lstStyle/>
-          <a:p>
-            <a:pPr algn="ctr"/>
-            <a:endParaRPr kumimoji="1" lang="ja-JP" altLang="en-US"/>
-          </a:p>
-        </p:txBody>
-      </p:sp>
-      <p:sp>
-        <p:nvSpPr>
-          <p:cNvPr id="239" name="L 字 238">
-            <a:extLst>
-              <a:ext uri="{FF2B5EF4-FFF2-40B4-BE49-F238E27FC236}">
-                <a16:creationId xmlns:a16="http://schemas.microsoft.com/office/drawing/2014/main" id="{5F96B84B-92E3-534A-3068-F1DB2BBCD97F}"/>
-              </a:ext>
-            </a:extLst>
-          </p:cNvPr>
-          <p:cNvSpPr>
-            <a:spLocks noChangeAspect="1"/>
-          </p:cNvSpPr>
-          <p:nvPr/>
-        </p:nvSpPr>
-        <p:spPr>
-          <a:xfrm rot="8220467">
-            <a:off x="5180372" y="1946282"/>
-            <a:ext cx="96722" cy="96722"/>
-          </a:xfrm>
-          <a:prstGeom prst="corner">
-            <a:avLst>
-              <a:gd name="adj1" fmla="val 29094"/>
-              <a:gd name="adj2" fmla="val 25610"/>
-            </a:avLst>
-          </a:prstGeom>
-          <a:solidFill>
-            <a:srgbClr val="D0CECE"/>
-          </a:solidFill>
-          <a:ln>
-            <a:noFill/>
-          </a:ln>
-        </p:spPr>
-        <p:style>
-          <a:lnRef idx="2">
-            <a:schemeClr val="accent1">
-              <a:shade val="50000"/>
-            </a:schemeClr>
-          </a:lnRef>
-          <a:fillRef idx="1">
-            <a:schemeClr val="accent1"/>
-          </a:fillRef>
-          <a:effectRef idx="0">
-            <a:schemeClr val="accent1"/>
-          </a:effectRef>
-          <a:fontRef idx="minor">
-            <a:schemeClr val="lt1"/>
-          </a:fontRef>
-        </p:style>
-        <p:txBody>
-          <a:bodyPr rtlCol="0" anchor="ctr"/>
-          <a:lstStyle/>
-          <a:p>
-            <a:pPr algn="ctr"/>
-            <a:endParaRPr kumimoji="1" lang="ja-JP" altLang="en-US"/>
-          </a:p>
-        </p:txBody>
-      </p:sp>
-      <p:sp>
-        <p:nvSpPr>
-          <p:cNvPr id="240" name="L 字 239">
-            <a:extLst>
-              <a:ext uri="{FF2B5EF4-FFF2-40B4-BE49-F238E27FC236}">
-                <a16:creationId xmlns:a16="http://schemas.microsoft.com/office/drawing/2014/main" id="{556C5390-D0FE-E2FA-43DB-044E3F997A82}"/>
-              </a:ext>
-            </a:extLst>
-          </p:cNvPr>
-          <p:cNvSpPr>
-            <a:spLocks noChangeAspect="1"/>
-          </p:cNvSpPr>
-          <p:nvPr/>
-        </p:nvSpPr>
-        <p:spPr>
-          <a:xfrm rot="8220467">
-            <a:off x="5344765" y="2119511"/>
-            <a:ext cx="107577" cy="107577"/>
-          </a:xfrm>
-          <a:prstGeom prst="corner">
-            <a:avLst>
-              <a:gd name="adj1" fmla="val 29094"/>
-              <a:gd name="adj2" fmla="val 25610"/>
-            </a:avLst>
-          </a:prstGeom>
-          <a:solidFill>
-            <a:srgbClr val="D0CECE"/>
-          </a:solidFill>
-          <a:ln>
-            <a:noFill/>
-          </a:ln>
-        </p:spPr>
-        <p:style>
-          <a:lnRef idx="2">
-            <a:schemeClr val="accent1">
-              <a:shade val="50000"/>
-            </a:schemeClr>
-          </a:lnRef>
-          <a:fillRef idx="1">
-            <a:schemeClr val="accent1"/>
-          </a:fillRef>
-          <a:effectRef idx="0">
-            <a:schemeClr val="accent1"/>
-          </a:effectRef>
-          <a:fontRef idx="minor">
-            <a:schemeClr val="lt1"/>
-          </a:fontRef>
-        </p:style>
-        <p:txBody>
-          <a:bodyPr rtlCol="0" anchor="ctr"/>
-          <a:lstStyle/>
-          <a:p>
-            <a:pPr algn="ctr"/>
-            <a:endParaRPr kumimoji="1" lang="ja-JP" altLang="en-US"/>
-          </a:p>
-        </p:txBody>
-      </p:sp>
-      <p:sp>
-        <p:nvSpPr>
-          <p:cNvPr id="243" name="L 字 242">
-            <a:extLst>
-              <a:ext uri="{FF2B5EF4-FFF2-40B4-BE49-F238E27FC236}">
-                <a16:creationId xmlns:a16="http://schemas.microsoft.com/office/drawing/2014/main" id="{0F23ADC7-4207-A295-6C9C-FD2D4208362C}"/>
-              </a:ext>
-            </a:extLst>
-          </p:cNvPr>
-          <p:cNvSpPr>
-            <a:spLocks noChangeAspect="1"/>
-          </p:cNvSpPr>
-          <p:nvPr/>
-        </p:nvSpPr>
-        <p:spPr>
-          <a:xfrm rot="8220467">
-            <a:off x="5186265" y="2314866"/>
-            <a:ext cx="130638" cy="130638"/>
-          </a:xfrm>
-          <a:prstGeom prst="corner">
-            <a:avLst>
-              <a:gd name="adj1" fmla="val 29094"/>
-              <a:gd name="adj2" fmla="val 25610"/>
-            </a:avLst>
-          </a:prstGeom>
-          <a:solidFill>
-            <a:srgbClr val="D0CECE"/>
-          </a:solidFill>
-          <a:ln>
-            <a:noFill/>
-          </a:ln>
-        </p:spPr>
-        <p:style>
-          <a:lnRef idx="2">
-            <a:schemeClr val="accent1">
-              <a:shade val="50000"/>
-            </a:schemeClr>
-          </a:lnRef>
-          <a:fillRef idx="1">
-            <a:schemeClr val="accent1"/>
-          </a:fillRef>
-          <a:effectRef idx="0">
-            <a:schemeClr val="accent1"/>
-          </a:effectRef>
-          <a:fontRef idx="minor">
-            <a:schemeClr val="lt1"/>
-          </a:fontRef>
-        </p:style>
-        <p:txBody>
-          <a:bodyPr rtlCol="0" anchor="ctr"/>
-          <a:lstStyle/>
-          <a:p>
-            <a:pPr algn="ctr"/>
-            <a:endParaRPr kumimoji="1" lang="ja-JP" altLang="en-US"/>
-          </a:p>
-        </p:txBody>
-      </p:sp>
-      <p:sp>
-        <p:nvSpPr>
-          <p:cNvPr id="244" name="L 字 243">
-            <a:extLst>
-              <a:ext uri="{FF2B5EF4-FFF2-40B4-BE49-F238E27FC236}">
-                <a16:creationId xmlns:a16="http://schemas.microsoft.com/office/drawing/2014/main" id="{5B4A78DF-B674-ACDE-D2B1-45C71F35A39A}"/>
-              </a:ext>
-            </a:extLst>
-          </p:cNvPr>
-          <p:cNvSpPr>
-            <a:spLocks noChangeAspect="1"/>
-          </p:cNvSpPr>
-          <p:nvPr/>
-        </p:nvSpPr>
-        <p:spPr>
-          <a:xfrm rot="8220467">
-            <a:off x="4928597" y="2314867"/>
-            <a:ext cx="130638" cy="130638"/>
-          </a:xfrm>
-          <a:prstGeom prst="corner">
-            <a:avLst>
-              <a:gd name="adj1" fmla="val 29094"/>
-              <a:gd name="adj2" fmla="val 25610"/>
-            </a:avLst>
-          </a:prstGeom>
-          <a:solidFill>
-            <a:srgbClr val="D0CECE"/>
-          </a:solidFill>
-          <a:ln>
-            <a:noFill/>
-          </a:ln>
-        </p:spPr>
-        <p:style>
-          <a:lnRef idx="2">
-            <a:schemeClr val="accent1">
-              <a:shade val="50000"/>
-            </a:schemeClr>
-          </a:lnRef>
-          <a:fillRef idx="1">
-            <a:schemeClr val="accent1"/>
-          </a:fillRef>
-          <a:effectRef idx="0">
-            <a:schemeClr val="accent1"/>
-          </a:effectRef>
-          <a:fontRef idx="minor">
-            <a:schemeClr val="lt1"/>
-          </a:fontRef>
-        </p:style>
-        <p:txBody>
-          <a:bodyPr rtlCol="0" anchor="ctr"/>
-          <a:lstStyle/>
-          <a:p>
-            <a:pPr algn="ctr"/>
-            <a:endParaRPr kumimoji="1" lang="ja-JP" altLang="en-US"/>
-          </a:p>
-        </p:txBody>
-      </p:sp>
-      <p:sp>
-        <p:nvSpPr>
-          <p:cNvPr id="245" name="L 字 244">
-            <a:extLst>
-              <a:ext uri="{FF2B5EF4-FFF2-40B4-BE49-F238E27FC236}">
-                <a16:creationId xmlns:a16="http://schemas.microsoft.com/office/drawing/2014/main" id="{59AB5D14-C46C-2900-5987-AFA8BB6CCF11}"/>
-              </a:ext>
-            </a:extLst>
-          </p:cNvPr>
-          <p:cNvSpPr>
-            <a:spLocks noChangeAspect="1"/>
-          </p:cNvSpPr>
-          <p:nvPr/>
-        </p:nvSpPr>
-        <p:spPr>
-          <a:xfrm rot="8220467">
-            <a:off x="4669762" y="2315647"/>
-            <a:ext cx="130638" cy="130638"/>
-          </a:xfrm>
-          <a:prstGeom prst="corner">
-            <a:avLst>
-              <a:gd name="adj1" fmla="val 29094"/>
-              <a:gd name="adj2" fmla="val 25610"/>
-            </a:avLst>
-          </a:prstGeom>
-          <a:solidFill>
-            <a:srgbClr val="D0CECE"/>
-          </a:solidFill>
-          <a:ln>
-            <a:noFill/>
-          </a:ln>
-        </p:spPr>
-        <p:style>
-          <a:lnRef idx="2">
-            <a:schemeClr val="accent1">
-              <a:shade val="50000"/>
-            </a:schemeClr>
-          </a:lnRef>
-          <a:fillRef idx="1">
-            <a:schemeClr val="accent1"/>
-          </a:fillRef>
-          <a:effectRef idx="0">
-            <a:schemeClr val="accent1"/>
-          </a:effectRef>
-          <a:fontRef idx="minor">
-            <a:schemeClr val="lt1"/>
-          </a:fontRef>
-        </p:style>
-        <p:txBody>
-          <a:bodyPr rtlCol="0" anchor="ctr"/>
-          <a:lstStyle/>
-          <a:p>
-            <a:pPr algn="ctr"/>
-            <a:endParaRPr kumimoji="1" lang="ja-JP" altLang="en-US"/>
-          </a:p>
-        </p:txBody>
-      </p:sp>
-      <p:sp>
-        <p:nvSpPr>
-          <p:cNvPr id="246" name="L 字 245">
-            <a:extLst>
-              <a:ext uri="{FF2B5EF4-FFF2-40B4-BE49-F238E27FC236}">
-                <a16:creationId xmlns:a16="http://schemas.microsoft.com/office/drawing/2014/main" id="{01F36945-3079-DC1C-BEF5-D592BD218994}"/>
-              </a:ext>
-            </a:extLst>
-          </p:cNvPr>
-          <p:cNvSpPr>
-            <a:spLocks noChangeAspect="1"/>
-          </p:cNvSpPr>
-          <p:nvPr/>
-        </p:nvSpPr>
-        <p:spPr>
-          <a:xfrm rot="8220467">
-            <a:off x="4410928" y="2314867"/>
-            <a:ext cx="130638" cy="130638"/>
-          </a:xfrm>
-          <a:prstGeom prst="corner">
-            <a:avLst>
-              <a:gd name="adj1" fmla="val 29094"/>
-              <a:gd name="adj2" fmla="val 25610"/>
-            </a:avLst>
-          </a:prstGeom>
-          <a:solidFill>
-            <a:srgbClr val="D0CECE"/>
-          </a:solidFill>
-          <a:ln>
-            <a:noFill/>
-          </a:ln>
-        </p:spPr>
-        <p:style>
-          <a:lnRef idx="2">
-            <a:schemeClr val="accent1">
-              <a:shade val="50000"/>
-            </a:schemeClr>
-          </a:lnRef>
-          <a:fillRef idx="1">
-            <a:schemeClr val="accent1"/>
-          </a:fillRef>
-          <a:effectRef idx="0">
-            <a:schemeClr val="accent1"/>
-          </a:effectRef>
-          <a:fontRef idx="minor">
-            <a:schemeClr val="lt1"/>
-          </a:fontRef>
-        </p:style>
-        <p:txBody>
-          <a:bodyPr rtlCol="0" anchor="ctr"/>
-          <a:lstStyle/>
-          <a:p>
-            <a:pPr algn="ctr"/>
-            <a:endParaRPr kumimoji="1" lang="ja-JP" altLang="en-US"/>
-          </a:p>
-        </p:txBody>
-      </p:sp>
-      <p:sp>
-        <p:nvSpPr>
-          <p:cNvPr id="251" name="L 字 250">
-            <a:extLst>
-              <a:ext uri="{FF2B5EF4-FFF2-40B4-BE49-F238E27FC236}">
-                <a16:creationId xmlns:a16="http://schemas.microsoft.com/office/drawing/2014/main" id="{137D61DA-BBAA-B00D-E765-7C23B2CC0EB5}"/>
-              </a:ext>
-            </a:extLst>
-          </p:cNvPr>
-          <p:cNvSpPr>
-            <a:spLocks noChangeAspect="1"/>
-          </p:cNvSpPr>
-          <p:nvPr/>
-        </p:nvSpPr>
-        <p:spPr>
-          <a:xfrm rot="8220467">
-            <a:off x="5058595" y="2119477"/>
-            <a:ext cx="107577" cy="107577"/>
-          </a:xfrm>
-          <a:prstGeom prst="corner">
-            <a:avLst>
-              <a:gd name="adj1" fmla="val 29094"/>
-              <a:gd name="adj2" fmla="val 25610"/>
-            </a:avLst>
-          </a:prstGeom>
-          <a:solidFill>
-            <a:srgbClr val="D0CECE"/>
-          </a:solidFill>
-          <a:ln>
-            <a:noFill/>
-          </a:ln>
-        </p:spPr>
-        <p:style>
-          <a:lnRef idx="2">
-            <a:schemeClr val="accent1">
-              <a:shade val="50000"/>
-            </a:schemeClr>
-          </a:lnRef>
-          <a:fillRef idx="1">
-            <a:schemeClr val="accent1"/>
-          </a:fillRef>
-          <a:effectRef idx="0">
-            <a:schemeClr val="accent1"/>
-          </a:effectRef>
-          <a:fontRef idx="minor">
-            <a:schemeClr val="lt1"/>
-          </a:fontRef>
-        </p:style>
-        <p:txBody>
-          <a:bodyPr rtlCol="0" anchor="ctr"/>
-          <a:lstStyle/>
-          <a:p>
-            <a:pPr algn="ctr"/>
-            <a:endParaRPr kumimoji="1" lang="ja-JP" altLang="en-US"/>
-          </a:p>
-        </p:txBody>
-      </p:sp>
-      <p:sp>
-        <p:nvSpPr>
-          <p:cNvPr id="252" name="L 字 251">
-            <a:extLst>
-              <a:ext uri="{FF2B5EF4-FFF2-40B4-BE49-F238E27FC236}">
-                <a16:creationId xmlns:a16="http://schemas.microsoft.com/office/drawing/2014/main" id="{86988AD0-5499-274B-204E-19D0323D1DC2}"/>
-              </a:ext>
-            </a:extLst>
-          </p:cNvPr>
-          <p:cNvSpPr>
-            <a:spLocks noChangeAspect="1"/>
-          </p:cNvSpPr>
-          <p:nvPr/>
-        </p:nvSpPr>
-        <p:spPr>
-          <a:xfrm rot="8220467">
-            <a:off x="4800927" y="2119478"/>
-            <a:ext cx="107577" cy="107577"/>
-          </a:xfrm>
-          <a:prstGeom prst="corner">
-            <a:avLst>
-              <a:gd name="adj1" fmla="val 29094"/>
-              <a:gd name="adj2" fmla="val 25610"/>
-            </a:avLst>
-          </a:prstGeom>
-          <a:solidFill>
-            <a:srgbClr val="D0CECE"/>
-          </a:solidFill>
-          <a:ln>
-            <a:noFill/>
-          </a:ln>
-        </p:spPr>
-        <p:style>
-          <a:lnRef idx="2">
-            <a:schemeClr val="accent1">
-              <a:shade val="50000"/>
-            </a:schemeClr>
-          </a:lnRef>
-          <a:fillRef idx="1">
-            <a:schemeClr val="accent1"/>
-          </a:fillRef>
-          <a:effectRef idx="0">
-            <a:schemeClr val="accent1"/>
-          </a:effectRef>
-          <a:fontRef idx="minor">
-            <a:schemeClr val="lt1"/>
-          </a:fontRef>
-        </p:style>
-        <p:txBody>
-          <a:bodyPr rtlCol="0" anchor="ctr"/>
-          <a:lstStyle/>
-          <a:p>
-            <a:pPr algn="ctr"/>
-            <a:endParaRPr kumimoji="1" lang="ja-JP" altLang="en-US"/>
-          </a:p>
-        </p:txBody>
-      </p:sp>
-      <p:sp>
-        <p:nvSpPr>
-          <p:cNvPr id="253" name="L 字 252">
-            <a:extLst>
-              <a:ext uri="{FF2B5EF4-FFF2-40B4-BE49-F238E27FC236}">
-                <a16:creationId xmlns:a16="http://schemas.microsoft.com/office/drawing/2014/main" id="{BEE2BA73-2EAB-3EE6-3048-AA8D355BC4CA}"/>
-              </a:ext>
-            </a:extLst>
-          </p:cNvPr>
-          <p:cNvSpPr>
-            <a:spLocks noChangeAspect="1"/>
-          </p:cNvSpPr>
-          <p:nvPr/>
-        </p:nvSpPr>
-        <p:spPr>
-          <a:xfrm rot="8220467">
-            <a:off x="4542092" y="2120258"/>
-            <a:ext cx="107577" cy="107577"/>
-          </a:xfrm>
-          <a:prstGeom prst="corner">
-            <a:avLst>
-              <a:gd name="adj1" fmla="val 29094"/>
-              <a:gd name="adj2" fmla="val 25610"/>
-            </a:avLst>
-          </a:prstGeom>
-          <a:solidFill>
-            <a:srgbClr val="D0CECE"/>
-          </a:solidFill>
-          <a:ln>
-            <a:noFill/>
-          </a:ln>
-        </p:spPr>
-        <p:style>
-          <a:lnRef idx="2">
-            <a:schemeClr val="accent1">
-              <a:shade val="50000"/>
-            </a:schemeClr>
-          </a:lnRef>
-          <a:fillRef idx="1">
-            <a:schemeClr val="accent1"/>
-          </a:fillRef>
-          <a:effectRef idx="0">
-            <a:schemeClr val="accent1"/>
-          </a:effectRef>
-          <a:fontRef idx="minor">
-            <a:schemeClr val="lt1"/>
-          </a:fontRef>
-        </p:style>
-        <p:txBody>
-          <a:bodyPr rtlCol="0" anchor="ctr"/>
-          <a:lstStyle/>
-          <a:p>
-            <a:pPr algn="ctr"/>
-            <a:endParaRPr kumimoji="1" lang="ja-JP" altLang="en-US"/>
-          </a:p>
-        </p:txBody>
-      </p:sp>
-      <p:sp>
-        <p:nvSpPr>
-          <p:cNvPr id="254" name="L 字 253">
-            <a:extLst>
-              <a:ext uri="{FF2B5EF4-FFF2-40B4-BE49-F238E27FC236}">
-                <a16:creationId xmlns:a16="http://schemas.microsoft.com/office/drawing/2014/main" id="{D08835D9-A9C9-0892-A72E-00547DFB33E4}"/>
-              </a:ext>
-            </a:extLst>
-          </p:cNvPr>
-          <p:cNvSpPr>
-            <a:spLocks noChangeAspect="1"/>
-          </p:cNvSpPr>
-          <p:nvPr/>
-        </p:nvSpPr>
-        <p:spPr>
-          <a:xfrm rot="8220467">
-            <a:off x="4283258" y="2119478"/>
-            <a:ext cx="107577" cy="107577"/>
-          </a:xfrm>
-          <a:prstGeom prst="corner">
-            <a:avLst>
-              <a:gd name="adj1" fmla="val 29094"/>
-              <a:gd name="adj2" fmla="val 25610"/>
-            </a:avLst>
-          </a:prstGeom>
-          <a:solidFill>
-            <a:srgbClr val="D0CECE"/>
-          </a:solidFill>
-          <a:ln>
-            <a:noFill/>
-          </a:ln>
-        </p:spPr>
-        <p:style>
-          <a:lnRef idx="2">
-            <a:schemeClr val="accent1">
-              <a:shade val="50000"/>
-            </a:schemeClr>
-          </a:lnRef>
-          <a:fillRef idx="1">
-            <a:schemeClr val="accent1"/>
-          </a:fillRef>
-          <a:effectRef idx="0">
-            <a:schemeClr val="accent1"/>
-          </a:effectRef>
-          <a:fontRef idx="minor">
-            <a:schemeClr val="lt1"/>
-          </a:fontRef>
-        </p:style>
-        <p:txBody>
-          <a:bodyPr rtlCol="0" anchor="ctr"/>
-          <a:lstStyle/>
-          <a:p>
-            <a:pPr algn="ctr"/>
-            <a:endParaRPr kumimoji="1" lang="ja-JP" altLang="en-US"/>
-          </a:p>
-        </p:txBody>
-      </p:sp>
-      <p:sp>
-        <p:nvSpPr>
-          <p:cNvPr id="258" name="L 字 257">
-            <a:extLst>
-              <a:ext uri="{FF2B5EF4-FFF2-40B4-BE49-F238E27FC236}">
-                <a16:creationId xmlns:a16="http://schemas.microsoft.com/office/drawing/2014/main" id="{FED3CDE3-5232-66BB-2FA3-CDB57AA88861}"/>
-              </a:ext>
-            </a:extLst>
-          </p:cNvPr>
-          <p:cNvSpPr>
-            <a:spLocks noChangeAspect="1"/>
-          </p:cNvSpPr>
-          <p:nvPr/>
-        </p:nvSpPr>
-        <p:spPr>
-          <a:xfrm rot="8220467">
-            <a:off x="5178484" y="1941890"/>
-            <a:ext cx="96722" cy="96722"/>
-          </a:xfrm>
-          <a:prstGeom prst="corner">
-            <a:avLst>
-              <a:gd name="adj1" fmla="val 29094"/>
-              <a:gd name="adj2" fmla="val 25610"/>
-            </a:avLst>
-          </a:prstGeom>
-          <a:solidFill>
-            <a:srgbClr val="D0CECE"/>
-          </a:solidFill>
-          <a:ln>
-            <a:noFill/>
-          </a:ln>
-        </p:spPr>
-        <p:style>
-          <a:lnRef idx="2">
-            <a:schemeClr val="accent1">
-              <a:shade val="50000"/>
-            </a:schemeClr>
-          </a:lnRef>
-          <a:fillRef idx="1">
-            <a:schemeClr val="accent1"/>
-          </a:fillRef>
-          <a:effectRef idx="0">
-            <a:schemeClr val="accent1"/>
-          </a:effectRef>
-          <a:fontRef idx="minor">
-            <a:schemeClr val="lt1"/>
-          </a:fontRef>
-        </p:style>
-        <p:txBody>
-          <a:bodyPr rtlCol="0" anchor="ctr"/>
-          <a:lstStyle/>
-          <a:p>
-            <a:pPr algn="ctr"/>
-            <a:endParaRPr kumimoji="1" lang="ja-JP" altLang="en-US"/>
-          </a:p>
-        </p:txBody>
-      </p:sp>
-      <p:sp>
-        <p:nvSpPr>
-          <p:cNvPr id="259" name="L 字 258">
-            <a:extLst>
-              <a:ext uri="{FF2B5EF4-FFF2-40B4-BE49-F238E27FC236}">
-                <a16:creationId xmlns:a16="http://schemas.microsoft.com/office/drawing/2014/main" id="{85712C3A-3E30-DE21-0DE8-11DDC99F44FB}"/>
-              </a:ext>
-            </a:extLst>
-          </p:cNvPr>
-          <p:cNvSpPr>
-            <a:spLocks noChangeAspect="1"/>
-          </p:cNvSpPr>
-          <p:nvPr/>
-        </p:nvSpPr>
-        <p:spPr>
-          <a:xfrm rot="8220467">
-            <a:off x="4920816" y="1941891"/>
-            <a:ext cx="96722" cy="96722"/>
-          </a:xfrm>
-          <a:prstGeom prst="corner">
-            <a:avLst>
-              <a:gd name="adj1" fmla="val 29094"/>
-              <a:gd name="adj2" fmla="val 25610"/>
-            </a:avLst>
-          </a:prstGeom>
-          <a:solidFill>
-            <a:srgbClr val="D0CECE"/>
-          </a:solidFill>
-          <a:ln>
-            <a:noFill/>
-          </a:ln>
-        </p:spPr>
-        <p:style>
-          <a:lnRef idx="2">
-            <a:schemeClr val="accent1">
-              <a:shade val="50000"/>
-            </a:schemeClr>
-          </a:lnRef>
-          <a:fillRef idx="1">
-            <a:schemeClr val="accent1"/>
-          </a:fillRef>
-          <a:effectRef idx="0">
-            <a:schemeClr val="accent1"/>
-          </a:effectRef>
-          <a:fontRef idx="minor">
-            <a:schemeClr val="lt1"/>
-          </a:fontRef>
-        </p:style>
-        <p:txBody>
-          <a:bodyPr rtlCol="0" anchor="ctr"/>
-          <a:lstStyle/>
-          <a:p>
-            <a:pPr algn="ctr"/>
-            <a:endParaRPr kumimoji="1" lang="ja-JP" altLang="en-US"/>
-          </a:p>
-        </p:txBody>
-      </p:sp>
-      <p:sp>
-        <p:nvSpPr>
-          <p:cNvPr id="260" name="L 字 259">
-            <a:extLst>
-              <a:ext uri="{FF2B5EF4-FFF2-40B4-BE49-F238E27FC236}">
-                <a16:creationId xmlns:a16="http://schemas.microsoft.com/office/drawing/2014/main" id="{7A21059E-AAE9-6D2F-46E6-1FE911F3EA37}"/>
-              </a:ext>
-            </a:extLst>
-          </p:cNvPr>
-          <p:cNvSpPr>
-            <a:spLocks noChangeAspect="1"/>
-          </p:cNvSpPr>
-          <p:nvPr/>
-        </p:nvSpPr>
-        <p:spPr>
-          <a:xfrm rot="8220467">
-            <a:off x="4661981" y="1942671"/>
-            <a:ext cx="96722" cy="96722"/>
-          </a:xfrm>
-          <a:prstGeom prst="corner">
-            <a:avLst>
-              <a:gd name="adj1" fmla="val 29094"/>
-              <a:gd name="adj2" fmla="val 25610"/>
-            </a:avLst>
-          </a:prstGeom>
-          <a:solidFill>
-            <a:srgbClr val="D0CECE"/>
-          </a:solidFill>
-          <a:ln>
-            <a:noFill/>
-          </a:ln>
-        </p:spPr>
-        <p:style>
-          <a:lnRef idx="2">
-            <a:schemeClr val="accent1">
-              <a:shade val="50000"/>
-            </a:schemeClr>
-          </a:lnRef>
-          <a:fillRef idx="1">
-            <a:schemeClr val="accent1"/>
-          </a:fillRef>
-          <a:effectRef idx="0">
-            <a:schemeClr val="accent1"/>
-          </a:effectRef>
-          <a:fontRef idx="minor">
-            <a:schemeClr val="lt1"/>
-          </a:fontRef>
-        </p:style>
-        <p:txBody>
-          <a:bodyPr rtlCol="0" anchor="ctr"/>
-          <a:lstStyle/>
-          <a:p>
-            <a:pPr algn="ctr"/>
-            <a:endParaRPr kumimoji="1" lang="ja-JP" altLang="en-US"/>
-          </a:p>
-        </p:txBody>
-      </p:sp>
-      <p:sp>
-        <p:nvSpPr>
-          <p:cNvPr id="261" name="L 字 260">
-            <a:extLst>
-              <a:ext uri="{FF2B5EF4-FFF2-40B4-BE49-F238E27FC236}">
-                <a16:creationId xmlns:a16="http://schemas.microsoft.com/office/drawing/2014/main" id="{368E6F97-B317-735E-FA41-97B8E08E5BC0}"/>
-              </a:ext>
-            </a:extLst>
-          </p:cNvPr>
-          <p:cNvSpPr>
-            <a:spLocks noChangeAspect="1"/>
-          </p:cNvSpPr>
-          <p:nvPr/>
-        </p:nvSpPr>
-        <p:spPr>
-          <a:xfrm rot="8220467">
-            <a:off x="4403147" y="1941891"/>
-            <a:ext cx="96722" cy="96722"/>
-          </a:xfrm>
-          <a:prstGeom prst="corner">
-            <a:avLst>
-              <a:gd name="adj1" fmla="val 29094"/>
-              <a:gd name="adj2" fmla="val 25610"/>
-            </a:avLst>
-          </a:prstGeom>
-          <a:solidFill>
-            <a:srgbClr val="D0CECE"/>
-          </a:solidFill>
-          <a:ln>
-            <a:noFill/>
-          </a:ln>
-        </p:spPr>
-        <p:style>
-          <a:lnRef idx="2">
-            <a:schemeClr val="accent1">
-              <a:shade val="50000"/>
-            </a:schemeClr>
-          </a:lnRef>
-          <a:fillRef idx="1">
-            <a:schemeClr val="accent1"/>
-          </a:fillRef>
-          <a:effectRef idx="0">
-            <a:schemeClr val="accent1"/>
-          </a:effectRef>
-          <a:fontRef idx="minor">
-            <a:schemeClr val="lt1"/>
-          </a:fontRef>
-        </p:style>
-        <p:txBody>
-          <a:bodyPr rtlCol="0" anchor="ctr"/>
-          <a:lstStyle/>
-          <a:p>
-            <a:pPr algn="ctr"/>
-            <a:endParaRPr kumimoji="1" lang="ja-JP" altLang="en-US"/>
-          </a:p>
-        </p:txBody>
-      </p:sp>
-      <p:sp>
-        <p:nvSpPr>
-          <p:cNvPr id="262" name="L 字 261">
-            <a:extLst>
-              <a:ext uri="{FF2B5EF4-FFF2-40B4-BE49-F238E27FC236}">
-                <a16:creationId xmlns:a16="http://schemas.microsoft.com/office/drawing/2014/main" id="{2B282AE7-2AAD-D0FF-EE86-8C22BD3220F8}"/>
-              </a:ext>
-            </a:extLst>
-          </p:cNvPr>
-          <p:cNvSpPr>
-            <a:spLocks noChangeAspect="1"/>
-          </p:cNvSpPr>
-          <p:nvPr/>
-        </p:nvSpPr>
-        <p:spPr>
-          <a:xfrm rot="8220467">
-            <a:off x="4144312" y="1941890"/>
-            <a:ext cx="96722" cy="96722"/>
-          </a:xfrm>
-          <a:prstGeom prst="corner">
-            <a:avLst>
-              <a:gd name="adj1" fmla="val 29094"/>
-              <a:gd name="adj2" fmla="val 25610"/>
-            </a:avLst>
-          </a:prstGeom>
-          <a:solidFill>
-            <a:srgbClr val="D0CECE"/>
-          </a:solidFill>
-          <a:ln>
-            <a:noFill/>
-          </a:ln>
-        </p:spPr>
-        <p:style>
-          <a:lnRef idx="2">
-            <a:schemeClr val="accent1">
-              <a:shade val="50000"/>
-            </a:schemeClr>
-          </a:lnRef>
-          <a:fillRef idx="1">
-            <a:schemeClr val="accent1"/>
-          </a:fillRef>
-          <a:effectRef idx="0">
-            <a:schemeClr val="accent1"/>
-          </a:effectRef>
-          <a:fontRef idx="minor">
-            <a:schemeClr val="lt1"/>
-          </a:fontRef>
-        </p:style>
-        <p:txBody>
-          <a:bodyPr rtlCol="0" anchor="ctr"/>
-          <a:lstStyle/>
-          <a:p>
-            <a:pPr algn="ctr"/>
-            <a:endParaRPr kumimoji="1" lang="ja-JP" altLang="en-US"/>
-          </a:p>
-        </p:txBody>
-      </p:sp>
-      <p:sp>
-        <p:nvSpPr>
-          <p:cNvPr id="293" name="L 字 292">
-            <a:extLst>
-              <a:ext uri="{FF2B5EF4-FFF2-40B4-BE49-F238E27FC236}">
-                <a16:creationId xmlns:a16="http://schemas.microsoft.com/office/drawing/2014/main" id="{AF97919C-93BF-B72D-8020-77DA1ADB5C4D}"/>
-              </a:ext>
-            </a:extLst>
-          </p:cNvPr>
-          <p:cNvSpPr>
-            <a:spLocks noChangeAspect="1"/>
-          </p:cNvSpPr>
-          <p:nvPr/>
-        </p:nvSpPr>
-        <p:spPr>
-          <a:xfrm rot="8220467">
-            <a:off x="6531053" y="1930346"/>
-            <a:ext cx="96722" cy="96722"/>
-          </a:xfrm>
-          <a:prstGeom prst="corner">
-            <a:avLst>
-              <a:gd name="adj1" fmla="val 29094"/>
-              <a:gd name="adj2" fmla="val 25610"/>
-            </a:avLst>
-          </a:prstGeom>
-          <a:solidFill>
-            <a:srgbClr val="D0CECE"/>
-          </a:solidFill>
-          <a:ln>
-            <a:noFill/>
-          </a:ln>
-        </p:spPr>
-        <p:style>
-          <a:lnRef idx="2">
-            <a:schemeClr val="accent1">
-              <a:shade val="50000"/>
-            </a:schemeClr>
-          </a:lnRef>
-          <a:fillRef idx="1">
-            <a:schemeClr val="accent1"/>
-          </a:fillRef>
-          <a:effectRef idx="0">
-            <a:schemeClr val="accent1"/>
-          </a:effectRef>
-          <a:fontRef idx="minor">
-            <a:schemeClr val="lt1"/>
-          </a:fontRef>
-        </p:style>
-        <p:txBody>
-          <a:bodyPr rtlCol="0" anchor="ctr"/>
-          <a:lstStyle/>
-          <a:p>
-            <a:pPr algn="ctr"/>
-            <a:endParaRPr kumimoji="1" lang="ja-JP" altLang="en-US"/>
-          </a:p>
-        </p:txBody>
-      </p:sp>
-    </p:spTree>
-    <p:extLst>
-      <p:ext uri="{BB962C8B-B14F-4D97-AF65-F5344CB8AC3E}">
-        <p14:creationId xmlns:p14="http://schemas.microsoft.com/office/powerpoint/2010/main" val="3417276098"/>
-      </p:ext>
-    </p:extLst>
-  </p:cSld>
-  <p:clrMapOvr>
-    <a:masterClrMapping/>
-  </p:clrMapOvr>
-</p:sld>
-</file>
-
-<file path=ppt/slides/slide30.xml><?xml version="1.0" encoding="utf-8"?>
+<file path=ppt/slides/slide31.xml><?xml version="1.0" encoding="utf-8"?>
 <p:sld xmlns:a="http://schemas.openxmlformats.org/drawingml/2006/main" xmlns:r="http://schemas.openxmlformats.org/officeDocument/2006/relationships" xmlns:p="http://schemas.openxmlformats.org/presentationml/2006/main">
   <p:cSld>
     <p:spTree>
@@ -23129,7 +23411,7 @@
 </p:sld>
 </file>
 
-<file path=ppt/slides/slide31.xml><?xml version="1.0" encoding="utf-8"?>
+<file path=ppt/slides/slide32.xml><?xml version="1.0" encoding="utf-8"?>
 <p:sld xmlns:a="http://schemas.openxmlformats.org/drawingml/2006/main" xmlns:r="http://schemas.openxmlformats.org/officeDocument/2006/relationships" xmlns:p="http://schemas.openxmlformats.org/presentationml/2006/main">
   <p:cSld>
     <p:spTree>
@@ -23619,7 +23901,7 @@
 </p:sld>
 </file>
 
-<file path=ppt/slides/slide32.xml><?xml version="1.0" encoding="utf-8"?>
+<file path=ppt/slides/slide33.xml><?xml version="1.0" encoding="utf-8"?>
 <p:sld xmlns:a="http://schemas.openxmlformats.org/drawingml/2006/main" xmlns:r="http://schemas.openxmlformats.org/officeDocument/2006/relationships" xmlns:p="http://schemas.openxmlformats.org/presentationml/2006/main">
   <p:cSld>
     <p:spTree>

--- a/button_design.pptx
+++ b/button_design.pptx
@@ -37,7 +37,9 @@
     <p:sldId id="302" r:id="rId31"/>
     <p:sldId id="303" r:id="rId32"/>
     <p:sldId id="304" r:id="rId33"/>
-    <p:sldId id="305" r:id="rId34"/>
+    <p:sldId id="307" r:id="rId34"/>
+    <p:sldId id="308" r:id="rId35"/>
+    <p:sldId id="305" r:id="rId36"/>
   </p:sldIdLst>
   <p:sldSz cx="12192000" cy="6858000"/>
   <p:notesSz cx="6858000" cy="9144000"/>
@@ -291,7 +293,7 @@
           <a:p>
             <a:fld id="{99066E6C-854B-4ACE-AADA-F759C3D6E6D7}" type="datetimeFigureOut">
               <a:rPr kumimoji="1" lang="ja-JP" altLang="en-US" smtClean="0"/>
-              <a:t>2022/9/24</a:t>
+              <a:t>2022/9/25</a:t>
             </a:fld>
             <a:endParaRPr kumimoji="1" lang="ja-JP" altLang="en-US"/>
           </a:p>
@@ -521,7 +523,7 @@
           <a:p>
             <a:fld id="{99066E6C-854B-4ACE-AADA-F759C3D6E6D7}" type="datetimeFigureOut">
               <a:rPr kumimoji="1" lang="ja-JP" altLang="en-US" smtClean="0"/>
-              <a:t>2022/9/24</a:t>
+              <a:t>2022/9/25</a:t>
             </a:fld>
             <a:endParaRPr kumimoji="1" lang="ja-JP" altLang="en-US"/>
           </a:p>
@@ -761,7 +763,7 @@
           <a:p>
             <a:fld id="{99066E6C-854B-4ACE-AADA-F759C3D6E6D7}" type="datetimeFigureOut">
               <a:rPr kumimoji="1" lang="ja-JP" altLang="en-US" smtClean="0"/>
-              <a:t>2022/9/24</a:t>
+              <a:t>2022/9/25</a:t>
             </a:fld>
             <a:endParaRPr kumimoji="1" lang="ja-JP" altLang="en-US"/>
           </a:p>
@@ -991,7 +993,7 @@
           <a:p>
             <a:fld id="{99066E6C-854B-4ACE-AADA-F759C3D6E6D7}" type="datetimeFigureOut">
               <a:rPr kumimoji="1" lang="ja-JP" altLang="en-US" smtClean="0"/>
-              <a:t>2022/9/24</a:t>
+              <a:t>2022/9/25</a:t>
             </a:fld>
             <a:endParaRPr kumimoji="1" lang="ja-JP" altLang="en-US"/>
           </a:p>
@@ -1266,7 +1268,7 @@
           <a:p>
             <a:fld id="{99066E6C-854B-4ACE-AADA-F759C3D6E6D7}" type="datetimeFigureOut">
               <a:rPr kumimoji="1" lang="ja-JP" altLang="en-US" smtClean="0"/>
-              <a:t>2022/9/24</a:t>
+              <a:t>2022/9/25</a:t>
             </a:fld>
             <a:endParaRPr kumimoji="1" lang="ja-JP" altLang="en-US"/>
           </a:p>
@@ -1595,7 +1597,7 @@
           <a:p>
             <a:fld id="{99066E6C-854B-4ACE-AADA-F759C3D6E6D7}" type="datetimeFigureOut">
               <a:rPr kumimoji="1" lang="ja-JP" altLang="en-US" smtClean="0"/>
-              <a:t>2022/9/24</a:t>
+              <a:t>2022/9/25</a:t>
             </a:fld>
             <a:endParaRPr kumimoji="1" lang="ja-JP" altLang="en-US"/>
           </a:p>
@@ -2071,7 +2073,7 @@
           <a:p>
             <a:fld id="{99066E6C-854B-4ACE-AADA-F759C3D6E6D7}" type="datetimeFigureOut">
               <a:rPr kumimoji="1" lang="ja-JP" altLang="en-US" smtClean="0"/>
-              <a:t>2022/9/24</a:t>
+              <a:t>2022/9/25</a:t>
             </a:fld>
             <a:endParaRPr kumimoji="1" lang="ja-JP" altLang="en-US"/>
           </a:p>
@@ -2212,7 +2214,7 @@
           <a:p>
             <a:fld id="{99066E6C-854B-4ACE-AADA-F759C3D6E6D7}" type="datetimeFigureOut">
               <a:rPr kumimoji="1" lang="ja-JP" altLang="en-US" smtClean="0"/>
-              <a:t>2022/9/24</a:t>
+              <a:t>2022/9/25</a:t>
             </a:fld>
             <a:endParaRPr kumimoji="1" lang="ja-JP" altLang="en-US"/>
           </a:p>
@@ -2325,7 +2327,7 @@
           <a:p>
             <a:fld id="{99066E6C-854B-4ACE-AADA-F759C3D6E6D7}" type="datetimeFigureOut">
               <a:rPr kumimoji="1" lang="ja-JP" altLang="en-US" smtClean="0"/>
-              <a:t>2022/9/24</a:t>
+              <a:t>2022/9/25</a:t>
             </a:fld>
             <a:endParaRPr kumimoji="1" lang="ja-JP" altLang="en-US"/>
           </a:p>
@@ -2668,7 +2670,7 @@
           <a:p>
             <a:fld id="{99066E6C-854B-4ACE-AADA-F759C3D6E6D7}" type="datetimeFigureOut">
               <a:rPr kumimoji="1" lang="ja-JP" altLang="en-US" smtClean="0"/>
-              <a:t>2022/9/24</a:t>
+              <a:t>2022/9/25</a:t>
             </a:fld>
             <a:endParaRPr kumimoji="1" lang="ja-JP" altLang="en-US"/>
           </a:p>
@@ -2956,7 +2958,7 @@
           <a:p>
             <a:fld id="{99066E6C-854B-4ACE-AADA-F759C3D6E6D7}" type="datetimeFigureOut">
               <a:rPr kumimoji="1" lang="ja-JP" altLang="en-US" smtClean="0"/>
-              <a:t>2022/9/24</a:t>
+              <a:t>2022/9/25</a:t>
             </a:fld>
             <a:endParaRPr kumimoji="1" lang="ja-JP" altLang="en-US"/>
           </a:p>
@@ -3229,7 +3231,7 @@
           <a:p>
             <a:fld id="{99066E6C-854B-4ACE-AADA-F759C3D6E6D7}" type="datetimeFigureOut">
               <a:rPr kumimoji="1" lang="ja-JP" altLang="en-US" smtClean="0"/>
-              <a:t>2022/9/24</a:t>
+              <a:t>2022/9/25</a:t>
             </a:fld>
             <a:endParaRPr kumimoji="1" lang="ja-JP" altLang="en-US"/>
           </a:p>
@@ -23902,6 +23904,613 @@
 </file>
 
 <file path=ppt/slides/slide33.xml><?xml version="1.0" encoding="utf-8"?>
+<p:sld xmlns:a="http://schemas.openxmlformats.org/drawingml/2006/main" xmlns:r="http://schemas.openxmlformats.org/officeDocument/2006/relationships" xmlns:p="http://schemas.openxmlformats.org/presentationml/2006/main">
+  <p:cSld>
+    <p:spTree>
+      <p:nvGrpSpPr>
+        <p:cNvPr id="1" name=""/>
+        <p:cNvGrpSpPr/>
+        <p:nvPr/>
+      </p:nvGrpSpPr>
+      <p:grpSpPr>
+        <a:xfrm>
+          <a:off x="0" y="0"/>
+          <a:ext cx="0" cy="0"/>
+          <a:chOff x="0" y="0"/>
+          <a:chExt cx="0" cy="0"/>
+        </a:xfrm>
+      </p:grpSpPr>
+      <p:sp>
+        <p:nvSpPr>
+          <p:cNvPr id="4" name="四角形: 角を丸くする 3">
+            <a:extLst>
+              <a:ext uri="{FF2B5EF4-FFF2-40B4-BE49-F238E27FC236}">
+                <a16:creationId xmlns:a16="http://schemas.microsoft.com/office/drawing/2014/main" id="{FBC013D0-4D6F-10A1-2CE6-FD5459521611}"/>
+              </a:ext>
+            </a:extLst>
+          </p:cNvPr>
+          <p:cNvSpPr/>
+          <p:nvPr/>
+        </p:nvSpPr>
+        <p:spPr>
+          <a:xfrm>
+            <a:off x="3178720" y="1767841"/>
+            <a:ext cx="3656420" cy="1569720"/>
+          </a:xfrm>
+          <a:prstGeom prst="roundRect">
+            <a:avLst>
+              <a:gd name="adj" fmla="val 11536"/>
+            </a:avLst>
+          </a:prstGeom>
+          <a:solidFill>
+            <a:schemeClr val="bg2">
+              <a:lumMod val="25000"/>
+            </a:schemeClr>
+          </a:solidFill>
+          <a:ln w="57150">
+            <a:noFill/>
+          </a:ln>
+        </p:spPr>
+        <p:style>
+          <a:lnRef idx="2">
+            <a:schemeClr val="accent1">
+              <a:shade val="50000"/>
+            </a:schemeClr>
+          </a:lnRef>
+          <a:fillRef idx="1">
+            <a:schemeClr val="accent1"/>
+          </a:fillRef>
+          <a:effectRef idx="0">
+            <a:schemeClr val="accent1"/>
+          </a:effectRef>
+          <a:fontRef idx="minor">
+            <a:schemeClr val="lt1"/>
+          </a:fontRef>
+        </p:style>
+        <p:txBody>
+          <a:bodyPr rtlCol="0" anchor="ctr"/>
+          <a:lstStyle/>
+          <a:p>
+            <a:pPr algn="ctr"/>
+            <a:endParaRPr kumimoji="1" lang="ja-JP" altLang="en-US" dirty="0"/>
+          </a:p>
+        </p:txBody>
+      </p:sp>
+      <p:sp>
+        <p:nvSpPr>
+          <p:cNvPr id="5" name="四角形: 角を丸くする 4">
+            <a:extLst>
+              <a:ext uri="{FF2B5EF4-FFF2-40B4-BE49-F238E27FC236}">
+                <a16:creationId xmlns:a16="http://schemas.microsoft.com/office/drawing/2014/main" id="{F9FC2243-52A2-D002-0094-231E1A421D34}"/>
+              </a:ext>
+            </a:extLst>
+          </p:cNvPr>
+          <p:cNvSpPr/>
+          <p:nvPr/>
+        </p:nvSpPr>
+        <p:spPr>
+          <a:xfrm>
+            <a:off x="3213010" y="1787802"/>
+            <a:ext cx="3580862" cy="1462424"/>
+          </a:xfrm>
+          <a:prstGeom prst="roundRect">
+            <a:avLst>
+              <a:gd name="adj" fmla="val 12306"/>
+            </a:avLst>
+          </a:prstGeom>
+          <a:solidFill>
+            <a:schemeClr val="bg1"/>
+          </a:solidFill>
+          <a:ln w="57150">
+            <a:noFill/>
+          </a:ln>
+        </p:spPr>
+        <p:style>
+          <a:lnRef idx="2">
+            <a:schemeClr val="accent1">
+              <a:shade val="50000"/>
+            </a:schemeClr>
+          </a:lnRef>
+          <a:fillRef idx="1">
+            <a:schemeClr val="accent1"/>
+          </a:fillRef>
+          <a:effectRef idx="0">
+            <a:schemeClr val="accent1"/>
+          </a:effectRef>
+          <a:fontRef idx="minor">
+            <a:schemeClr val="lt1"/>
+          </a:fontRef>
+        </p:style>
+        <p:txBody>
+          <a:bodyPr rtlCol="0" anchor="ctr"/>
+          <a:lstStyle/>
+          <a:p>
+            <a:pPr algn="ctr"/>
+            <a:endParaRPr kumimoji="1" lang="ja-JP" altLang="en-US" dirty="0"/>
+          </a:p>
+        </p:txBody>
+      </p:sp>
+      <p:sp>
+        <p:nvSpPr>
+          <p:cNvPr id="6" name="四角形: 角を丸くする 5">
+            <a:extLst>
+              <a:ext uri="{FF2B5EF4-FFF2-40B4-BE49-F238E27FC236}">
+                <a16:creationId xmlns:a16="http://schemas.microsoft.com/office/drawing/2014/main" id="{5E2D0314-2CE7-92A2-9C1A-844BC311EE1B}"/>
+              </a:ext>
+            </a:extLst>
+          </p:cNvPr>
+          <p:cNvSpPr/>
+          <p:nvPr/>
+        </p:nvSpPr>
+        <p:spPr>
+          <a:xfrm>
+            <a:off x="3291840" y="1860193"/>
+            <a:ext cx="3429000" cy="1319548"/>
+          </a:xfrm>
+          <a:prstGeom prst="roundRect">
+            <a:avLst>
+              <a:gd name="adj" fmla="val 5210"/>
+            </a:avLst>
+          </a:prstGeom>
+          <a:solidFill>
+            <a:srgbClr val="3ABFF8"/>
+          </a:solidFill>
+          <a:ln w="57150">
+            <a:noFill/>
+          </a:ln>
+        </p:spPr>
+        <p:style>
+          <a:lnRef idx="2">
+            <a:schemeClr val="accent1">
+              <a:shade val="50000"/>
+            </a:schemeClr>
+          </a:lnRef>
+          <a:fillRef idx="1">
+            <a:schemeClr val="accent1"/>
+          </a:fillRef>
+          <a:effectRef idx="0">
+            <a:schemeClr val="accent1"/>
+          </a:effectRef>
+          <a:fontRef idx="minor">
+            <a:schemeClr val="lt1"/>
+          </a:fontRef>
+        </p:style>
+        <p:txBody>
+          <a:bodyPr rtlCol="0" anchor="ctr"/>
+          <a:lstStyle/>
+          <a:p>
+            <a:pPr algn="ctr"/>
+            <a:endParaRPr kumimoji="1" lang="ja-JP" altLang="en-US" dirty="0"/>
+          </a:p>
+        </p:txBody>
+      </p:sp>
+      <p:sp>
+        <p:nvSpPr>
+          <p:cNvPr id="45" name="正方形/長方形 44">
+            <a:extLst>
+              <a:ext uri="{FF2B5EF4-FFF2-40B4-BE49-F238E27FC236}">
+                <a16:creationId xmlns:a16="http://schemas.microsoft.com/office/drawing/2014/main" id="{F0D1E642-F82F-7DB4-55C3-2DD50D3CCB58}"/>
+              </a:ext>
+            </a:extLst>
+          </p:cNvPr>
+          <p:cNvSpPr/>
+          <p:nvPr/>
+        </p:nvSpPr>
+        <p:spPr>
+          <a:xfrm>
+            <a:off x="2705100" y="1485900"/>
+            <a:ext cx="4572000" cy="2108199"/>
+          </a:xfrm>
+          <a:prstGeom prst="rect">
+            <a:avLst/>
+          </a:prstGeom>
+          <a:noFill/>
+          <a:ln>
+            <a:noFill/>
+          </a:ln>
+        </p:spPr>
+        <p:style>
+          <a:lnRef idx="2">
+            <a:schemeClr val="accent1">
+              <a:shade val="50000"/>
+            </a:schemeClr>
+          </a:lnRef>
+          <a:fillRef idx="1">
+            <a:schemeClr val="accent1"/>
+          </a:fillRef>
+          <a:effectRef idx="0">
+            <a:schemeClr val="accent1"/>
+          </a:effectRef>
+          <a:fontRef idx="minor">
+            <a:schemeClr val="lt1"/>
+          </a:fontRef>
+        </p:style>
+        <p:txBody>
+          <a:bodyPr rtlCol="0" anchor="ctr"/>
+          <a:lstStyle/>
+          <a:p>
+            <a:pPr algn="ctr"/>
+            <a:endParaRPr kumimoji="1" lang="ja-JP" altLang="en-US"/>
+          </a:p>
+        </p:txBody>
+      </p:sp>
+      <p:sp>
+        <p:nvSpPr>
+          <p:cNvPr id="9" name="四角形: 角を丸くする 8">
+            <a:extLst>
+              <a:ext uri="{FF2B5EF4-FFF2-40B4-BE49-F238E27FC236}">
+                <a16:creationId xmlns:a16="http://schemas.microsoft.com/office/drawing/2014/main" id="{6A27247A-102E-1FAC-7DB3-9B8263A93B30}"/>
+              </a:ext>
+            </a:extLst>
+          </p:cNvPr>
+          <p:cNvSpPr/>
+          <p:nvPr/>
+        </p:nvSpPr>
+        <p:spPr>
+          <a:xfrm>
+            <a:off x="3178720" y="3513418"/>
+            <a:ext cx="3656420" cy="1569720"/>
+          </a:xfrm>
+          <a:prstGeom prst="roundRect">
+            <a:avLst>
+              <a:gd name="adj" fmla="val 11536"/>
+            </a:avLst>
+          </a:prstGeom>
+          <a:solidFill>
+            <a:schemeClr val="bg2">
+              <a:lumMod val="25000"/>
+            </a:schemeClr>
+          </a:solidFill>
+          <a:ln w="57150">
+            <a:noFill/>
+          </a:ln>
+        </p:spPr>
+        <p:style>
+          <a:lnRef idx="2">
+            <a:schemeClr val="accent1">
+              <a:shade val="50000"/>
+            </a:schemeClr>
+          </a:lnRef>
+          <a:fillRef idx="1">
+            <a:schemeClr val="accent1"/>
+          </a:fillRef>
+          <a:effectRef idx="0">
+            <a:schemeClr val="accent1"/>
+          </a:effectRef>
+          <a:fontRef idx="minor">
+            <a:schemeClr val="lt1"/>
+          </a:fontRef>
+        </p:style>
+        <p:txBody>
+          <a:bodyPr rtlCol="0" anchor="ctr"/>
+          <a:lstStyle/>
+          <a:p>
+            <a:pPr algn="ctr"/>
+            <a:endParaRPr kumimoji="1" lang="ja-JP" altLang="en-US" sz="5400" dirty="0"/>
+          </a:p>
+        </p:txBody>
+      </p:sp>
+      <p:sp>
+        <p:nvSpPr>
+          <p:cNvPr id="10" name="四角形: 角を丸くする 9">
+            <a:extLst>
+              <a:ext uri="{FF2B5EF4-FFF2-40B4-BE49-F238E27FC236}">
+                <a16:creationId xmlns:a16="http://schemas.microsoft.com/office/drawing/2014/main" id="{C14068FB-14B1-B061-9FB6-67D9256FAB4A}"/>
+              </a:ext>
+            </a:extLst>
+          </p:cNvPr>
+          <p:cNvSpPr/>
+          <p:nvPr/>
+        </p:nvSpPr>
+        <p:spPr>
+          <a:xfrm>
+            <a:off x="3213010" y="3533379"/>
+            <a:ext cx="3580862" cy="1462424"/>
+          </a:xfrm>
+          <a:prstGeom prst="roundRect">
+            <a:avLst>
+              <a:gd name="adj" fmla="val 12306"/>
+            </a:avLst>
+          </a:prstGeom>
+          <a:solidFill>
+            <a:schemeClr val="bg2">
+              <a:lumMod val="90000"/>
+            </a:schemeClr>
+          </a:solidFill>
+          <a:ln w="57150">
+            <a:noFill/>
+          </a:ln>
+        </p:spPr>
+        <p:style>
+          <a:lnRef idx="2">
+            <a:schemeClr val="accent1">
+              <a:shade val="50000"/>
+            </a:schemeClr>
+          </a:lnRef>
+          <a:fillRef idx="1">
+            <a:schemeClr val="accent1"/>
+          </a:fillRef>
+          <a:effectRef idx="0">
+            <a:schemeClr val="accent1"/>
+          </a:effectRef>
+          <a:fontRef idx="minor">
+            <a:schemeClr val="lt1"/>
+          </a:fontRef>
+        </p:style>
+        <p:txBody>
+          <a:bodyPr rtlCol="0" anchor="ctr"/>
+          <a:lstStyle/>
+          <a:p>
+            <a:pPr algn="ctr"/>
+            <a:endParaRPr kumimoji="1" lang="ja-JP" altLang="en-US" sz="5400" dirty="0"/>
+          </a:p>
+        </p:txBody>
+      </p:sp>
+      <p:sp>
+        <p:nvSpPr>
+          <p:cNvPr id="11" name="四角形: 角を丸くする 10">
+            <a:extLst>
+              <a:ext uri="{FF2B5EF4-FFF2-40B4-BE49-F238E27FC236}">
+                <a16:creationId xmlns:a16="http://schemas.microsoft.com/office/drawing/2014/main" id="{FC241D26-D6A4-77CA-A9D3-370838E04EB5}"/>
+              </a:ext>
+            </a:extLst>
+          </p:cNvPr>
+          <p:cNvSpPr/>
+          <p:nvPr/>
+        </p:nvSpPr>
+        <p:spPr>
+          <a:xfrm>
+            <a:off x="3291840" y="3605770"/>
+            <a:ext cx="3429000" cy="1319548"/>
+          </a:xfrm>
+          <a:prstGeom prst="roundRect">
+            <a:avLst>
+              <a:gd name="adj" fmla="val 5210"/>
+            </a:avLst>
+          </a:prstGeom>
+          <a:solidFill>
+            <a:schemeClr val="bg1"/>
+          </a:solidFill>
+          <a:ln w="57150">
+            <a:noFill/>
+          </a:ln>
+        </p:spPr>
+        <p:style>
+          <a:lnRef idx="2">
+            <a:schemeClr val="accent1">
+              <a:shade val="50000"/>
+            </a:schemeClr>
+          </a:lnRef>
+          <a:fillRef idx="1">
+            <a:schemeClr val="accent1"/>
+          </a:fillRef>
+          <a:effectRef idx="0">
+            <a:schemeClr val="accent1"/>
+          </a:effectRef>
+          <a:fontRef idx="minor">
+            <a:schemeClr val="lt1"/>
+          </a:fontRef>
+        </p:style>
+        <p:txBody>
+          <a:bodyPr rtlCol="0" anchor="ctr"/>
+          <a:lstStyle/>
+          <a:p>
+            <a:pPr algn="ctr"/>
+            <a:endParaRPr kumimoji="1" lang="ja-JP" altLang="en-US" sz="5400" dirty="0"/>
+          </a:p>
+        </p:txBody>
+      </p:sp>
+      <p:pic>
+        <p:nvPicPr>
+          <p:cNvPr id="8" name="図 7" descr="自転車 が含まれている画像&#10;&#10;自動的に生成された説明">
+            <a:extLst>
+              <a:ext uri="{FF2B5EF4-FFF2-40B4-BE49-F238E27FC236}">
+                <a16:creationId xmlns:a16="http://schemas.microsoft.com/office/drawing/2014/main" id="{BCB2BD71-8884-1102-5290-9AC2872BC53F}"/>
+              </a:ext>
+            </a:extLst>
+          </p:cNvPr>
+          <p:cNvPicPr>
+            <a:picLocks noChangeAspect="1"/>
+          </p:cNvPicPr>
+          <p:nvPr/>
+        </p:nvPicPr>
+        <p:blipFill>
+          <a:blip r:embed="rId2">
+            <a:extLst>
+              <a:ext uri="{28A0092B-C50C-407E-A947-70E740481C1C}">
+                <a14:useLocalDpi xmlns:a14="http://schemas.microsoft.com/office/drawing/2010/main" val="0"/>
+              </a:ext>
+            </a:extLst>
+          </a:blip>
+          <a:stretch>
+            <a:fillRect/>
+          </a:stretch>
+        </p:blipFill>
+        <p:spPr>
+          <a:xfrm>
+            <a:off x="3213010" y="3501178"/>
+            <a:ext cx="1526825" cy="1526825"/>
+          </a:xfrm>
+          <a:prstGeom prst="rect">
+            <a:avLst/>
+          </a:prstGeom>
+        </p:spPr>
+      </p:pic>
+      <p:sp>
+        <p:nvSpPr>
+          <p:cNvPr id="55" name="テキスト ボックス 54">
+            <a:extLst>
+              <a:ext uri="{FF2B5EF4-FFF2-40B4-BE49-F238E27FC236}">
+                <a16:creationId xmlns:a16="http://schemas.microsoft.com/office/drawing/2014/main" id="{19C57C99-81AE-D09D-1302-DF0E2AF58997}"/>
+              </a:ext>
+            </a:extLst>
+          </p:cNvPr>
+          <p:cNvSpPr txBox="1"/>
+          <p:nvPr/>
+        </p:nvSpPr>
+        <p:spPr>
+          <a:xfrm>
+            <a:off x="4424206" y="3910713"/>
+            <a:ext cx="2582767" cy="923330"/>
+          </a:xfrm>
+          <a:prstGeom prst="rect">
+            <a:avLst/>
+          </a:prstGeom>
+          <a:noFill/>
+        </p:spPr>
+        <p:txBody>
+          <a:bodyPr wrap="square" rtlCol="0">
+            <a:spAutoFit/>
+          </a:bodyPr>
+          <a:lstStyle/>
+          <a:p>
+            <a:pPr algn="ctr"/>
+            <a:r>
+              <a:rPr lang="ja-JP" altLang="en-US" sz="5400" b="1" dirty="0">
+                <a:solidFill>
+                  <a:srgbClr val="333333"/>
+                </a:solidFill>
+                <a:latin typeface="メイリオ" panose="020B0604030504040204" pitchFamily="50" charset="-128"/>
+                <a:ea typeface="メイリオ" panose="020B0604030504040204" pitchFamily="50" charset="-128"/>
+              </a:rPr>
+              <a:t>受注！</a:t>
+            </a:r>
+            <a:endParaRPr kumimoji="1" lang="ja-JP" altLang="en-US" sz="5400" b="1" dirty="0">
+              <a:solidFill>
+                <a:srgbClr val="333333"/>
+              </a:solidFill>
+              <a:latin typeface="メイリオ" panose="020B0604030504040204" pitchFamily="50" charset="-128"/>
+              <a:ea typeface="メイリオ" panose="020B0604030504040204" pitchFamily="50" charset="-128"/>
+            </a:endParaRPr>
+          </a:p>
+        </p:txBody>
+      </p:sp>
+    </p:spTree>
+    <p:extLst>
+      <p:ext uri="{BB962C8B-B14F-4D97-AF65-F5344CB8AC3E}">
+        <p14:creationId xmlns:p14="http://schemas.microsoft.com/office/powerpoint/2010/main" val="695656015"/>
+      </p:ext>
+    </p:extLst>
+  </p:cSld>
+  <p:clrMapOvr>
+    <a:masterClrMapping/>
+  </p:clrMapOvr>
+</p:sld>
+</file>
+
+<file path=ppt/slides/slide34.xml><?xml version="1.0" encoding="utf-8"?>
+<p:sld xmlns:a="http://schemas.openxmlformats.org/drawingml/2006/main" xmlns:r="http://schemas.openxmlformats.org/officeDocument/2006/relationships" xmlns:p="http://schemas.openxmlformats.org/presentationml/2006/main">
+  <p:cSld>
+    <p:spTree>
+      <p:nvGrpSpPr>
+        <p:cNvPr id="1" name=""/>
+        <p:cNvGrpSpPr/>
+        <p:nvPr/>
+      </p:nvGrpSpPr>
+      <p:grpSpPr>
+        <a:xfrm>
+          <a:off x="0" y="0"/>
+          <a:ext cx="0" cy="0"/>
+          <a:chOff x="0" y="0"/>
+          <a:chExt cx="0" cy="0"/>
+        </a:xfrm>
+      </p:grpSpPr>
+      <p:sp>
+        <p:nvSpPr>
+          <p:cNvPr id="13" name="楕円 12">
+            <a:extLst>
+              <a:ext uri="{FF2B5EF4-FFF2-40B4-BE49-F238E27FC236}">
+                <a16:creationId xmlns:a16="http://schemas.microsoft.com/office/drawing/2014/main" id="{E32E39DE-75AE-1A68-889F-B235745463B1}"/>
+              </a:ext>
+            </a:extLst>
+          </p:cNvPr>
+          <p:cNvSpPr/>
+          <p:nvPr/>
+        </p:nvSpPr>
+        <p:spPr>
+          <a:xfrm>
+            <a:off x="3822332" y="1394846"/>
+            <a:ext cx="4320000" cy="4320000"/>
+          </a:xfrm>
+          <a:prstGeom prst="ellipse">
+            <a:avLst/>
+          </a:prstGeom>
+          <a:solidFill>
+            <a:schemeClr val="bg1"/>
+          </a:solidFill>
+          <a:ln>
+            <a:noFill/>
+          </a:ln>
+        </p:spPr>
+        <p:style>
+          <a:lnRef idx="2">
+            <a:schemeClr val="accent1">
+              <a:shade val="50000"/>
+            </a:schemeClr>
+          </a:lnRef>
+          <a:fillRef idx="1">
+            <a:schemeClr val="accent1"/>
+          </a:fillRef>
+          <a:effectRef idx="0">
+            <a:schemeClr val="accent1"/>
+          </a:effectRef>
+          <a:fontRef idx="minor">
+            <a:schemeClr val="lt1"/>
+          </a:fontRef>
+        </p:style>
+        <p:txBody>
+          <a:bodyPr rtlCol="0" anchor="ctr"/>
+          <a:lstStyle/>
+          <a:p>
+            <a:pPr algn="ctr"/>
+            <a:endParaRPr kumimoji="1" lang="ja-JP" altLang="en-US"/>
+          </a:p>
+        </p:txBody>
+      </p:sp>
+      <p:pic>
+        <p:nvPicPr>
+          <p:cNvPr id="12" name="図 11">
+            <a:extLst>
+              <a:ext uri="{FF2B5EF4-FFF2-40B4-BE49-F238E27FC236}">
+                <a16:creationId xmlns:a16="http://schemas.microsoft.com/office/drawing/2014/main" id="{D42358EF-664E-3B2E-B4E9-628D02561458}"/>
+              </a:ext>
+            </a:extLst>
+          </p:cNvPr>
+          <p:cNvPicPr>
+            <a:picLocks noChangeAspect="1"/>
+          </p:cNvPicPr>
+          <p:nvPr/>
+        </p:nvPicPr>
+        <p:blipFill>
+          <a:blip r:embed="rId2"/>
+          <a:stretch>
+            <a:fillRect/>
+          </a:stretch>
+        </p:blipFill>
+        <p:spPr>
+          <a:xfrm>
+            <a:off x="4747299" y="2027805"/>
+            <a:ext cx="2697401" cy="2802390"/>
+          </a:xfrm>
+          <a:prstGeom prst="rect">
+            <a:avLst/>
+          </a:prstGeom>
+        </p:spPr>
+      </p:pic>
+    </p:spTree>
+    <p:extLst>
+      <p:ext uri="{BB962C8B-B14F-4D97-AF65-F5344CB8AC3E}">
+        <p14:creationId xmlns:p14="http://schemas.microsoft.com/office/powerpoint/2010/main" val="2407984765"/>
+      </p:ext>
+    </p:extLst>
+  </p:cSld>
+  <p:clrMapOvr>
+    <a:masterClrMapping/>
+  </p:clrMapOvr>
+</p:sld>
+</file>
+
+<file path=ppt/slides/slide35.xml><?xml version="1.0" encoding="utf-8"?>
 <p:sld xmlns:a="http://schemas.openxmlformats.org/drawingml/2006/main" xmlns:r="http://schemas.openxmlformats.org/officeDocument/2006/relationships" xmlns:p="http://schemas.openxmlformats.org/presentationml/2006/main">
   <p:cSld>
     <p:spTree>

--- a/button_design.pptx
+++ b/button_design.pptx
@@ -293,7 +293,7 @@
           <a:p>
             <a:fld id="{99066E6C-854B-4ACE-AADA-F759C3D6E6D7}" type="datetimeFigureOut">
               <a:rPr kumimoji="1" lang="ja-JP" altLang="en-US" smtClean="0"/>
-              <a:t>2022/9/25</a:t>
+              <a:t>2022/10/7</a:t>
             </a:fld>
             <a:endParaRPr kumimoji="1" lang="ja-JP" altLang="en-US"/>
           </a:p>
@@ -523,7 +523,7 @@
           <a:p>
             <a:fld id="{99066E6C-854B-4ACE-AADA-F759C3D6E6D7}" type="datetimeFigureOut">
               <a:rPr kumimoji="1" lang="ja-JP" altLang="en-US" smtClean="0"/>
-              <a:t>2022/9/25</a:t>
+              <a:t>2022/10/7</a:t>
             </a:fld>
             <a:endParaRPr kumimoji="1" lang="ja-JP" altLang="en-US"/>
           </a:p>
@@ -763,7 +763,7 @@
           <a:p>
             <a:fld id="{99066E6C-854B-4ACE-AADA-F759C3D6E6D7}" type="datetimeFigureOut">
               <a:rPr kumimoji="1" lang="ja-JP" altLang="en-US" smtClean="0"/>
-              <a:t>2022/9/25</a:t>
+              <a:t>2022/10/7</a:t>
             </a:fld>
             <a:endParaRPr kumimoji="1" lang="ja-JP" altLang="en-US"/>
           </a:p>
@@ -993,7 +993,7 @@
           <a:p>
             <a:fld id="{99066E6C-854B-4ACE-AADA-F759C3D6E6D7}" type="datetimeFigureOut">
               <a:rPr kumimoji="1" lang="ja-JP" altLang="en-US" smtClean="0"/>
-              <a:t>2022/9/25</a:t>
+              <a:t>2022/10/7</a:t>
             </a:fld>
             <a:endParaRPr kumimoji="1" lang="ja-JP" altLang="en-US"/>
           </a:p>
@@ -1268,7 +1268,7 @@
           <a:p>
             <a:fld id="{99066E6C-854B-4ACE-AADA-F759C3D6E6D7}" type="datetimeFigureOut">
               <a:rPr kumimoji="1" lang="ja-JP" altLang="en-US" smtClean="0"/>
-              <a:t>2022/9/25</a:t>
+              <a:t>2022/10/7</a:t>
             </a:fld>
             <a:endParaRPr kumimoji="1" lang="ja-JP" altLang="en-US"/>
           </a:p>
@@ -1597,7 +1597,7 @@
           <a:p>
             <a:fld id="{99066E6C-854B-4ACE-AADA-F759C3D6E6D7}" type="datetimeFigureOut">
               <a:rPr kumimoji="1" lang="ja-JP" altLang="en-US" smtClean="0"/>
-              <a:t>2022/9/25</a:t>
+              <a:t>2022/10/7</a:t>
             </a:fld>
             <a:endParaRPr kumimoji="1" lang="ja-JP" altLang="en-US"/>
           </a:p>
@@ -2073,7 +2073,7 @@
           <a:p>
             <a:fld id="{99066E6C-854B-4ACE-AADA-F759C3D6E6D7}" type="datetimeFigureOut">
               <a:rPr kumimoji="1" lang="ja-JP" altLang="en-US" smtClean="0"/>
-              <a:t>2022/9/25</a:t>
+              <a:t>2022/10/7</a:t>
             </a:fld>
             <a:endParaRPr kumimoji="1" lang="ja-JP" altLang="en-US"/>
           </a:p>
@@ -2214,7 +2214,7 @@
           <a:p>
             <a:fld id="{99066E6C-854B-4ACE-AADA-F759C3D6E6D7}" type="datetimeFigureOut">
               <a:rPr kumimoji="1" lang="ja-JP" altLang="en-US" smtClean="0"/>
-              <a:t>2022/9/25</a:t>
+              <a:t>2022/10/7</a:t>
             </a:fld>
             <a:endParaRPr kumimoji="1" lang="ja-JP" altLang="en-US"/>
           </a:p>
@@ -2327,7 +2327,7 @@
           <a:p>
             <a:fld id="{99066E6C-854B-4ACE-AADA-F759C3D6E6D7}" type="datetimeFigureOut">
               <a:rPr kumimoji="1" lang="ja-JP" altLang="en-US" smtClean="0"/>
-              <a:t>2022/9/25</a:t>
+              <a:t>2022/10/7</a:t>
             </a:fld>
             <a:endParaRPr kumimoji="1" lang="ja-JP" altLang="en-US"/>
           </a:p>
@@ -2670,7 +2670,7 @@
           <a:p>
             <a:fld id="{99066E6C-854B-4ACE-AADA-F759C3D6E6D7}" type="datetimeFigureOut">
               <a:rPr kumimoji="1" lang="ja-JP" altLang="en-US" smtClean="0"/>
-              <a:t>2022/9/25</a:t>
+              <a:t>2022/10/7</a:t>
             </a:fld>
             <a:endParaRPr kumimoji="1" lang="ja-JP" altLang="en-US"/>
           </a:p>
@@ -2958,7 +2958,7 @@
           <a:p>
             <a:fld id="{99066E6C-854B-4ACE-AADA-F759C3D6E6D7}" type="datetimeFigureOut">
               <a:rPr kumimoji="1" lang="ja-JP" altLang="en-US" smtClean="0"/>
-              <a:t>2022/9/25</a:t>
+              <a:t>2022/10/7</a:t>
             </a:fld>
             <a:endParaRPr kumimoji="1" lang="ja-JP" altLang="en-US"/>
           </a:p>
@@ -3231,7 +3231,7 @@
           <a:p>
             <a:fld id="{99066E6C-854B-4ACE-AADA-F759C3D6E6D7}" type="datetimeFigureOut">
               <a:rPr kumimoji="1" lang="ja-JP" altLang="en-US" smtClean="0"/>
-              <a:t>2022/9/25</a:t>
+              <a:t>2022/10/7</a:t>
             </a:fld>
             <a:endParaRPr kumimoji="1" lang="ja-JP" altLang="en-US"/>
           </a:p>
@@ -9286,7 +9286,7 @@
             </a:avLst>
           </a:prstGeom>
           <a:solidFill>
-            <a:srgbClr val="13DB39"/>
+            <a:srgbClr val="3ABFF9"/>
           </a:solidFill>
           <a:ln w="57150">
             <a:noFill/>
@@ -24366,14 +24366,14 @@
           <a:p>
             <a:pPr algn="ctr"/>
             <a:r>
-              <a:rPr lang="ja-JP" altLang="en-US" sz="5400" b="1" dirty="0">
+              <a:rPr lang="ja-JP" altLang="en-US" sz="5400" b="1">
                 <a:solidFill>
                   <a:srgbClr val="333333"/>
                 </a:solidFill>
                 <a:latin typeface="メイリオ" panose="020B0604030504040204" pitchFamily="50" charset="-128"/>
                 <a:ea typeface="メイリオ" panose="020B0604030504040204" pitchFamily="50" charset="-128"/>
               </a:rPr>
-              <a:t>受注！</a:t>
+              <a:t>挑戦！</a:t>
             </a:r>
             <a:endParaRPr kumimoji="1" lang="ja-JP" altLang="en-US" sz="5400" b="1" dirty="0">
               <a:solidFill>
